--- a/vscodejava/Hello/bin/a0403/movie/(영화)자바프로젝트.pptx
+++ b/vscodejava/Hello/bin/a0403/movie/(영화)자바프로젝트.pptx
@@ -4161,10 +4161,28 @@
             <a:p>
               <a:pPr algn="ctr"/>
               <a:r>
+                <a:rPr lang="ko-KR" altLang="en-US" sz="1100" b="1" dirty="0" smtClean="0">
+                  <a:latin typeface="+mj-lt"/>
+                </a:rPr>
+                <a:t>영</a:t>
+              </a:r>
+              <a:r>
                 <a:rPr lang="ko-KR" altLang="en-US" sz="1100" b="1" dirty="0">
                   <a:latin typeface="+mj-lt"/>
                 </a:rPr>
-                <a:t>항공편 예매</a:t>
+                <a:t>화</a:t>
+              </a:r>
+              <a:r>
+                <a:rPr lang="ko-KR" altLang="en-US" sz="1100" b="1" dirty="0" smtClean="0">
+                  <a:latin typeface="+mj-lt"/>
+                </a:rPr>
+                <a:t> </a:t>
+              </a:r>
+              <a:r>
+                <a:rPr lang="ko-KR" altLang="en-US" sz="1100" b="1" dirty="0">
+                  <a:latin typeface="+mj-lt"/>
+                </a:rPr>
+                <a:t>예매</a:t>
               </a:r>
             </a:p>
           </p:txBody>
@@ -4223,11 +4241,14 @@
             <a:p>
               <a:pPr algn="ctr"/>
               <a:r>
-                <a:rPr lang="ko-KR" altLang="en-US" sz="1100" b="1" dirty="0">
+                <a:rPr lang="ko-KR" altLang="en-US" sz="1100" b="1" dirty="0" smtClean="0">
                   <a:latin typeface="+mj-lt"/>
                 </a:rPr>
-                <a:t>예약 확인</a:t>
+                <a:t>예매 조회</a:t>
               </a:r>
+              <a:endParaRPr lang="ko-KR" altLang="en-US" sz="1100" b="1" dirty="0">
+                <a:latin typeface="+mj-lt"/>
+              </a:endParaRPr>
             </a:p>
           </p:txBody>
         </p:sp>
@@ -4347,10 +4368,10 @@
             <a:p>
               <a:pPr algn="ctr"/>
               <a:r>
-                <a:rPr lang="ko-KR" altLang="en-US" sz="1100" b="1" dirty="0">
+                <a:rPr lang="ko-KR" altLang="en-US" sz="1100" b="1" dirty="0" smtClean="0">
                   <a:latin typeface="+mj-lt"/>
                 </a:rPr>
-                <a:t>항공편</a:t>
+                <a:t>영화</a:t>
               </a:r>
               <a:endParaRPr lang="en-US" altLang="ko-KR" sz="1100" b="1" dirty="0">
                 <a:latin typeface="+mj-lt"/>
@@ -4495,11 +4516,11 @@
             <a:p>
               <a:pPr algn="ctr"/>
               <a:r>
-                <a:rPr lang="ko-KR" altLang="en-US" sz="1100" b="1"/>
+                <a:rPr lang="ko-KR" altLang="en-US" sz="1100" b="1" dirty="0"/>
                 <a:t>영화 </a:t>
               </a:r>
               <a:r>
-                <a:rPr lang="ko-KR" altLang="en-US" sz="1100" b="1" smtClean="0">
+                <a:rPr lang="ko-KR" altLang="en-US" sz="1100" b="1" dirty="0" smtClean="0">
                   <a:latin typeface="+mj-lt"/>
                 </a:rPr>
                 <a:t>조회</a:t>
@@ -4524,8 +4545,8 @@
           </p:nvSpPr>
           <p:spPr>
             <a:xfrm>
-              <a:off x="2362201" y="2995628"/>
-              <a:ext cx="1355708" cy="805392"/>
+              <a:off x="2246301" y="2995628"/>
+              <a:ext cx="1587508" cy="805392"/>
             </a:xfrm>
             <a:prstGeom prst="flowChartAlternateProcess">
               <a:avLst/>
@@ -4564,11 +4585,38 @@
             <a:p>
               <a:pPr algn="ctr"/>
               <a:r>
-                <a:rPr lang="ko-KR" altLang="en-US" sz="1100" b="1" dirty="0">
+                <a:rPr lang="ko-KR" altLang="en-US" sz="1100" b="1" dirty="0" smtClean="0">
                   <a:latin typeface="+mj-lt"/>
                 </a:rPr>
-                <a:t>항공편 선택</a:t>
+                <a:t>예매 가능영화 출력</a:t>
               </a:r>
+              <a:endParaRPr lang="en-US" altLang="ko-KR" sz="1100" b="1" dirty="0" smtClean="0">
+                <a:latin typeface="+mj-lt"/>
+              </a:endParaRPr>
+            </a:p>
+            <a:p>
+              <a:pPr algn="ctr"/>
+              <a:r>
+                <a:rPr lang="ko-KR" altLang="en-US" sz="1100" b="1" dirty="0" smtClean="0">
+                  <a:latin typeface="+mj-lt"/>
+                </a:rPr>
+                <a:t>이름</a:t>
+              </a:r>
+              <a:r>
+                <a:rPr lang="en-US" altLang="ko-KR" sz="1100" b="1" dirty="0" smtClean="0">
+                  <a:latin typeface="+mj-lt"/>
+                </a:rPr>
+                <a:t>, </a:t>
+              </a:r>
+              <a:r>
+                <a:rPr lang="ko-KR" altLang="en-US" sz="1100" b="1" dirty="0" smtClean="0">
+                  <a:latin typeface="+mj-lt"/>
+                </a:rPr>
+                <a:t>나이 입력</a:t>
+              </a:r>
+              <a:endParaRPr lang="ko-KR" altLang="en-US" sz="1100" b="1" dirty="0">
+                <a:latin typeface="+mj-lt"/>
+              </a:endParaRPr>
             </a:p>
           </p:txBody>
         </p:sp>
@@ -4626,14 +4674,26 @@
             <a:p>
               <a:pPr algn="ctr"/>
               <a:r>
-                <a:rPr lang="ko-KR" altLang="en-US" sz="1100" b="1" dirty="0">
-                  <a:latin typeface="+mj-lt"/>
-                </a:rPr>
-                <a:t>좌석 선택</a:t>
+                <a:rPr lang="ko-KR" altLang="en-US" sz="1100" b="1" dirty="0"/>
+                <a:t>결제 </a:t>
               </a:r>
-              <a:endParaRPr lang="en-US" altLang="ko-KR" sz="1100" b="1" dirty="0">
-                <a:latin typeface="+mj-lt"/>
-              </a:endParaRPr>
+              <a:r>
+                <a:rPr lang="ko-KR" altLang="en-US" sz="1100" b="1" dirty="0" smtClean="0"/>
+                <a:t>비밀번호</a:t>
+              </a:r>
+              <a:endParaRPr lang="en-US" altLang="ko-KR" sz="1100" b="1" dirty="0" smtClean="0"/>
+            </a:p>
+            <a:p>
+              <a:pPr algn="ctr"/>
+              <a:r>
+                <a:rPr lang="ko-KR" altLang="en-US" sz="1100" b="1" dirty="0" smtClean="0"/>
+                <a:t>입</a:t>
+              </a:r>
+              <a:r>
+                <a:rPr lang="ko-KR" altLang="en-US" sz="1100" b="1" dirty="0"/>
+                <a:t>력</a:t>
+              </a:r>
+              <a:endParaRPr lang="en-US" altLang="ko-KR" sz="1100" b="1" dirty="0"/>
             </a:p>
           </p:txBody>
         </p:sp>
@@ -4691,35 +4751,14 @@
             <a:p>
               <a:pPr algn="ctr"/>
               <a:r>
-                <a:rPr lang="ko-KR" altLang="en-US" sz="1100" b="1" dirty="0">
+                <a:rPr lang="ko-KR" altLang="en-US" sz="1100" b="1" dirty="0" smtClean="0">
                   <a:latin typeface="+mj-lt"/>
                 </a:rPr>
-                <a:t>이름</a:t>
+                <a:t>영화 선택</a:t>
               </a:r>
-              <a:r>
-                <a:rPr lang="en-US" altLang="ko-KR" sz="1100" b="1" dirty="0">
-                  <a:latin typeface="+mj-lt"/>
-                </a:rPr>
-                <a:t>, </a:t>
-              </a:r>
-              <a:r>
-                <a:rPr lang="ko-KR" altLang="en-US" sz="1100" b="1" dirty="0">
-                  <a:latin typeface="+mj-lt"/>
-                </a:rPr>
-                <a:t>나이</a:t>
-              </a:r>
-              <a:endParaRPr lang="en-US" altLang="ko-KR" sz="1100" b="1" dirty="0">
+              <a:endParaRPr lang="ko-KR" altLang="en-US" sz="1100" b="1" dirty="0">
                 <a:latin typeface="+mj-lt"/>
               </a:endParaRPr>
-            </a:p>
-            <a:p>
-              <a:pPr algn="ctr"/>
-              <a:r>
-                <a:rPr lang="ko-KR" altLang="en-US" sz="1100" b="1" dirty="0">
-                  <a:latin typeface="+mj-lt"/>
-                </a:rPr>
-                <a:t>입력</a:t>
-              </a:r>
             </a:p>
           </p:txBody>
         </p:sp>
@@ -4788,7 +4827,7 @@
           <p:spPr>
             <a:xfrm>
               <a:off x="1895416" y="3810997"/>
-              <a:ext cx="984456" cy="400110"/>
+              <a:ext cx="984456" cy="418178"/>
             </a:xfrm>
             <a:prstGeom prst="rect">
               <a:avLst/>
@@ -4809,7 +4848,7 @@
             <a:lstStyle/>
             <a:p>
               <a:r>
-                <a:rPr lang="ko-KR" altLang="en-US" sz="1000" b="1" dirty="0">
+                <a:rPr lang="ko-KR" altLang="en-US" sz="1000" b="1" dirty="0" smtClean="0">
                   <a:solidFill>
                     <a:schemeClr val="bg1">
                       <a:lumMod val="50000"/>
@@ -4817,10 +4856,20 @@
                   </a:solidFill>
                   <a:latin typeface="+mj-lt"/>
                 </a:rPr>
-                <a:t>국제선</a:t>
+                <a:t>연령제한</a:t>
               </a:r>
+              <a:endParaRPr lang="en-US" altLang="ko-KR" sz="1000" b="1" dirty="0" smtClean="0">
+                <a:solidFill>
+                  <a:schemeClr val="bg1">
+                    <a:lumMod val="50000"/>
+                  </a:schemeClr>
+                </a:solidFill>
+                <a:latin typeface="+mj-lt"/>
+              </a:endParaRPr>
+            </a:p>
+            <a:p>
               <a:r>
-                <a:rPr lang="en-US" altLang="ko-KR" sz="1000" b="1" dirty="0">
+                <a:rPr lang="ko-KR" altLang="en-US" sz="1000" b="1" dirty="0" smtClean="0">
                   <a:solidFill>
                     <a:schemeClr val="bg1">
                       <a:lumMod val="50000"/>
@@ -4828,42 +4877,7 @@
                   </a:solidFill>
                   <a:latin typeface="+mj-lt"/>
                 </a:rPr>
-                <a:t>,</a:t>
-              </a:r>
-            </a:p>
-            <a:p>
-              <a:r>
-                <a:rPr lang="ko-KR" altLang="en-US" sz="1000" b="1" dirty="0">
-                  <a:solidFill>
-                    <a:schemeClr val="bg1">
-                      <a:lumMod val="50000"/>
-                    </a:schemeClr>
-                  </a:solidFill>
-                  <a:latin typeface="+mj-lt"/>
-                </a:rPr>
-                <a:t>만</a:t>
-              </a:r>
-              <a:r>
-                <a:rPr lang="en-US" altLang="ko-KR" sz="1000" b="1" dirty="0">
-                  <a:solidFill>
-                    <a:schemeClr val="bg1">
-                      <a:lumMod val="50000"/>
-                    </a:schemeClr>
-                  </a:solidFill>
-                  <a:latin typeface="+mj-lt"/>
-                </a:rPr>
-                <a:t>15</a:t>
-              </a:r>
-              <a:r>
-                <a:rPr lang="ko-KR" altLang="en-US" sz="1000" b="1" dirty="0">
-                  <a:solidFill>
-                    <a:schemeClr val="bg1">
-                      <a:lumMod val="50000"/>
-                    </a:schemeClr>
-                  </a:solidFill>
-                  <a:latin typeface="+mj-lt"/>
-                </a:rPr>
-                <a:t>세 미만</a:t>
+                <a:t>되돌리기</a:t>
               </a:r>
               <a:endParaRPr lang="en-US" altLang="ko-KR" sz="1000" b="1" dirty="0">
                 <a:solidFill>
@@ -4890,7 +4904,7 @@
           </p:nvSpPr>
           <p:spPr>
             <a:xfrm>
-              <a:off x="6271278" y="5382446"/>
+              <a:off x="4316739" y="5382446"/>
               <a:ext cx="1355708" cy="805392"/>
             </a:xfrm>
             <a:prstGeom prst="flowChartAlternateProcess">
@@ -4930,10 +4944,8 @@
             <a:p>
               <a:pPr algn="ctr"/>
               <a:r>
-                <a:rPr lang="ko-KR" altLang="en-US" sz="1100" b="1" dirty="0">
-                  <a:latin typeface="+mj-lt"/>
-                </a:rPr>
-                <a:t>결제 비밀번호</a:t>
+                <a:rPr lang="ko-KR" altLang="en-US" sz="1100" b="1" dirty="0" smtClean="0"/>
+                <a:t>좌석 선택</a:t>
               </a:r>
               <a:endParaRPr lang="en-US" altLang="ko-KR" sz="1100" b="1" dirty="0">
                 <a:latin typeface="+mj-lt"/>
@@ -5022,10 +5034,10 @@
             <a:p>
               <a:pPr algn="ctr"/>
               <a:r>
-                <a:rPr lang="ko-KR" altLang="en-US" sz="1100" b="1" dirty="0">
+                <a:rPr lang="ko-KR" altLang="en-US" sz="1100" b="1" dirty="0" smtClean="0">
                   <a:latin typeface="+mj-lt"/>
                 </a:rPr>
-                <a:t>이름</a:t>
+                <a:t>고객 이름</a:t>
               </a:r>
               <a:r>
                 <a:rPr lang="en-US" altLang="ko-KR" sz="1100" b="1" dirty="0">
@@ -5114,10 +5126,16 @@
             <a:p>
               <a:pPr algn="ctr"/>
               <a:r>
+                <a:rPr lang="ko-KR" altLang="en-US" sz="1100" b="1" dirty="0" smtClean="0">
+                  <a:latin typeface="+mj-lt"/>
+                </a:rPr>
+                <a:t>예매 </a:t>
+              </a:r>
+              <a:r>
                 <a:rPr lang="ko-KR" altLang="en-US" sz="1100" b="1" dirty="0">
                   <a:latin typeface="+mj-lt"/>
                 </a:rPr>
-                <a:t>예약 내역 확인</a:t>
+                <a:t>내역 확인</a:t>
               </a:r>
               <a:endParaRPr lang="en-US" altLang="ko-KR" sz="1100" b="1" dirty="0">
                 <a:latin typeface="+mj-lt"/>
@@ -5271,25 +5289,22 @@
             <a:p>
               <a:pPr algn="ctr"/>
               <a:r>
-                <a:rPr lang="ko-KR" altLang="en-US" sz="1100" b="1" dirty="0">
+                <a:rPr lang="ko-KR" altLang="en-US" sz="1100" b="1" dirty="0" smtClean="0">
                   <a:latin typeface="+mj-lt"/>
                 </a:rPr>
-                <a:t>티켓</a:t>
+                <a:t>포토티켓으로</a:t>
               </a:r>
-              <a:r>
-                <a:rPr lang="en-US" altLang="ko-KR" sz="1100" b="1" dirty="0">
-                  <a:latin typeface="+mj-lt"/>
-                </a:rPr>
-                <a:t>.txt </a:t>
-              </a:r>
+              <a:endParaRPr lang="en-US" altLang="ko-KR" sz="1100" b="1" dirty="0" smtClean="0">
+                <a:latin typeface="+mj-lt"/>
+              </a:endParaRPr>
             </a:p>
             <a:p>
               <a:pPr algn="ctr"/>
               <a:r>
-                <a:rPr lang="ko-KR" altLang="en-US" sz="1100" b="1" dirty="0">
+                <a:rPr lang="ko-KR" altLang="en-US" sz="1100" b="1" dirty="0" smtClean="0">
                   <a:latin typeface="+mj-lt"/>
                 </a:rPr>
-                <a:t>파일 저장</a:t>
+                <a:t>출력 여부</a:t>
               </a:r>
               <a:endParaRPr lang="en-US" altLang="ko-KR" sz="1100" b="1" dirty="0">
                 <a:latin typeface="+mj-lt"/>
@@ -5351,16 +5366,22 @@
             <a:p>
               <a:pPr algn="ctr"/>
               <a:r>
-                <a:rPr lang="ko-KR" altLang="en-US" sz="1100" b="1" dirty="0">
+                <a:rPr lang="ko-KR" altLang="en-US" sz="1100" b="1" dirty="0" err="1" smtClean="0">
                   <a:latin typeface="+mj-lt"/>
                 </a:rPr>
-                <a:t>스케줄</a:t>
+                <a:t>새영화목록</a:t>
+              </a:r>
+              <a:r>
+                <a:rPr lang="en-US" altLang="ko-KR" sz="1100" b="1" dirty="0" smtClean="0">
+                  <a:latin typeface="+mj-lt"/>
+                </a:rPr>
+                <a:t>.</a:t>
               </a:r>
               <a:r>
                 <a:rPr lang="en-US" altLang="ko-KR" sz="1100" b="1" dirty="0">
                   <a:latin typeface="+mj-lt"/>
                 </a:rPr>
-                <a:t>.txt</a:t>
+                <a:t>txt</a:t>
               </a:r>
             </a:p>
             <a:p>
@@ -5431,10 +5452,22 @@
             <a:p>
               <a:pPr algn="ctr"/>
               <a:r>
+                <a:rPr lang="ko-KR" altLang="en-US" sz="1100" b="1" dirty="0" smtClean="0">
+                  <a:latin typeface="+mj-lt"/>
+                </a:rPr>
+                <a:t>영화</a:t>
+              </a:r>
+              <a:r>
+                <a:rPr lang="ko-KR" altLang="en-US" sz="1100" b="1" dirty="0" smtClean="0">
+                  <a:latin typeface="+mj-lt"/>
+                </a:rPr>
+                <a:t> </a:t>
+              </a:r>
+              <a:r>
                 <a:rPr lang="ko-KR" altLang="en-US" sz="1100" b="1" dirty="0">
                   <a:latin typeface="+mj-lt"/>
                 </a:rPr>
-                <a:t>항공편 목록에</a:t>
+                <a:t>목록에</a:t>
               </a:r>
               <a:endParaRPr lang="en-US" altLang="ko-KR" sz="1100" b="1" dirty="0">
                 <a:latin typeface="+mj-lt"/>
@@ -5896,14 +5929,13 @@
             <p:cNvCxnSpPr>
               <a:cxnSpLocks/>
               <a:stCxn id="12" idx="3"/>
-              <a:endCxn id="19" idx="1"/>
             </p:cNvCxnSpPr>
             <p:nvPr/>
           </p:nvCxnSpPr>
           <p:spPr>
-            <a:xfrm flipV="1">
-              <a:off x="3717908" y="5785142"/>
-              <a:ext cx="2553370" cy="1"/>
+            <a:xfrm>
+              <a:off x="3717908" y="5785143"/>
+              <a:ext cx="601431" cy="0"/>
             </a:xfrm>
             <a:prstGeom prst="straightConnector1">
               <a:avLst/>
@@ -6002,8 +6034,8 @@
           </p:nvCxnSpPr>
           <p:spPr>
             <a:xfrm rot="5400000">
-              <a:off x="4994593" y="4233299"/>
-              <a:ext cx="1" cy="3909078"/>
+              <a:off x="4017324" y="5210568"/>
+              <a:ext cx="1" cy="1954539"/>
             </a:xfrm>
             <a:prstGeom prst="curvedConnector3">
               <a:avLst>
@@ -6234,7 +6266,128 @@
             </a:fontRef>
           </p:style>
         </p:cxnSp>
+        <p:sp>
+          <p:nvSpPr>
+            <p:cNvPr id="47" name="순서도: 대체 처리 46">
+              <a:extLst>
+                <a:ext uri="{FF2B5EF4-FFF2-40B4-BE49-F238E27FC236}">
+                  <a16:creationId xmlns:a16="http://schemas.microsoft.com/office/drawing/2014/main" xmlns="" id="{2C74A3AC-6ECE-4B78-B36E-34FF21DEB3C6}"/>
+                </a:ext>
+              </a:extLst>
+            </p:cNvPr>
+            <p:cNvSpPr/>
+            <p:nvPr/>
+          </p:nvSpPr>
+          <p:spPr>
+            <a:xfrm>
+              <a:off x="6276475" y="5378433"/>
+              <a:ext cx="1355708" cy="805392"/>
+            </a:xfrm>
+            <a:prstGeom prst="flowChartAlternateProcess">
+              <a:avLst/>
+            </a:prstGeom>
+            <a:solidFill>
+              <a:schemeClr val="dk1"/>
+            </a:solidFill>
+            <a:ln>
+              <a:noFill/>
+            </a:ln>
+            <a:effectLst>
+              <a:outerShdw blurRad="76200" dir="18900000" sy="23000" kx="-1200000" algn="bl" rotWithShape="0">
+                <a:prstClr val="black">
+                  <a:alpha val="20000"/>
+                </a:prstClr>
+              </a:outerShdw>
+            </a:effectLst>
+          </p:spPr>
+          <p:style>
+            <a:lnRef idx="0">
+              <a:scrgbClr r="0" g="0" b="0"/>
+            </a:lnRef>
+            <a:fillRef idx="0">
+              <a:scrgbClr r="0" g="0" b="0"/>
+            </a:fillRef>
+            <a:effectRef idx="0">
+              <a:scrgbClr r="0" g="0" b="0"/>
+            </a:effectRef>
+            <a:fontRef idx="minor">
+              <a:schemeClr val="lt1"/>
+            </a:fontRef>
+          </p:style>
+          <p:txBody>
+            <a:bodyPr rtlCol="0" anchor="ctr"/>
+            <a:lstStyle/>
+            <a:p>
+              <a:pPr algn="ctr"/>
+              <a:r>
+                <a:rPr lang="ko-KR" altLang="en-US" sz="1100" b="1" dirty="0">
+                  <a:latin typeface="+mj-lt"/>
+                </a:rPr>
+                <a:t>티켓</a:t>
+              </a:r>
+              <a:r>
+                <a:rPr lang="en-US" altLang="ko-KR" sz="1100" b="1" dirty="0">
+                  <a:latin typeface="+mj-lt"/>
+                </a:rPr>
+                <a:t>.txt </a:t>
+              </a:r>
+            </a:p>
+            <a:p>
+              <a:pPr algn="ctr"/>
+              <a:r>
+                <a:rPr lang="ko-KR" altLang="en-US" sz="1100" b="1" dirty="0">
+                  <a:latin typeface="+mj-lt"/>
+                </a:rPr>
+                <a:t>파일 저장</a:t>
+              </a:r>
+              <a:endParaRPr lang="en-US" altLang="ko-KR" sz="1100" b="1" dirty="0">
+                <a:latin typeface="+mj-lt"/>
+              </a:endParaRPr>
+            </a:p>
+          </p:txBody>
+        </p:sp>
       </p:grpSp>
+      <p:cxnSp>
+        <p:nvCxnSpPr>
+          <p:cNvPr id="48" name="직선 화살표 연결선 47">
+            <a:extLst>
+              <a:ext uri="{FF2B5EF4-FFF2-40B4-BE49-F238E27FC236}">
+                <a16:creationId xmlns:a16="http://schemas.microsoft.com/office/drawing/2014/main" xmlns="" id="{E717BF73-E9EA-41F5-B2E8-4C7B6F8B3A77}"/>
+              </a:ext>
+            </a:extLst>
+          </p:cNvPr>
+          <p:cNvCxnSpPr>
+            <a:cxnSpLocks/>
+          </p:cNvCxnSpPr>
+          <p:nvPr/>
+        </p:nvCxnSpPr>
+        <p:spPr>
+          <a:xfrm>
+            <a:off x="7032287" y="4741690"/>
+            <a:ext cx="0" cy="371252"/>
+          </a:xfrm>
+          <a:prstGeom prst="straightConnector1">
+            <a:avLst/>
+          </a:prstGeom>
+          <a:ln w="12700">
+            <a:tailEnd type="triangle"/>
+          </a:ln>
+        </p:spPr>
+        <p:style>
+          <a:lnRef idx="1">
+            <a:schemeClr val="dk1"/>
+          </a:lnRef>
+          <a:fillRef idx="0">
+            <a:schemeClr val="dk1"/>
+          </a:fillRef>
+          <a:effectRef idx="0">
+            <a:schemeClr val="dk1"/>
+          </a:effectRef>
+          <a:fontRef idx="minor">
+            <a:schemeClr val="tx1"/>
+          </a:fontRef>
+        </p:style>
+      </p:cxnSp>
     </p:spTree>
     <p:extLst>
       <p:ext uri="{BB962C8B-B14F-4D97-AF65-F5344CB8AC3E}">
@@ -7249,7 +7402,19 @@
               <a:rPr lang="ko-KR" altLang="en-US" sz="1800" dirty="0">
                 <a:latin typeface="+mj-lt"/>
               </a:rPr>
-              <a:t>를 사용하여 항공편 목록과 고객 목록을 저장하고</a:t>
+              <a:t>를 사용하여 </a:t>
+            </a:r>
+            <a:r>
+              <a:rPr lang="ko-KR" altLang="en-US" sz="1800" dirty="0" smtClean="0">
+                <a:latin typeface="+mj-lt"/>
+              </a:rPr>
+              <a:t>영화 </a:t>
+            </a:r>
+            <a:r>
+              <a:rPr lang="ko-KR" altLang="en-US" sz="1800" dirty="0">
+                <a:latin typeface="+mj-lt"/>
+              </a:rPr>
+              <a:t>목록과 고객 목록을 저장하고</a:t>
             </a:r>
             <a:r>
               <a:rPr lang="en-US" altLang="ko-KR" sz="1800" dirty="0">
@@ -7261,13 +7426,31 @@
               <a:rPr lang="ko-KR" altLang="en-US" sz="1800" dirty="0">
                 <a:latin typeface="+mj-lt"/>
               </a:rPr>
-              <a:t>예약한 고객의 이름과 항공편을 매핑하기 위해 </a:t>
-            </a:r>
-            <a:r>
-              <a:rPr lang="en-US" altLang="ko-KR" sz="1800" dirty="0">
-                <a:latin typeface="+mj-lt"/>
-              </a:rPr>
-              <a:t>Map</a:t>
+              <a:t>예약한 고객의 이름과 </a:t>
+            </a:r>
+            <a:r>
+              <a:rPr lang="ko-KR" altLang="en-US" sz="1800" dirty="0" smtClean="0">
+                <a:latin typeface="+mj-lt"/>
+              </a:rPr>
+              <a:t>영화를</a:t>
+            </a:r>
+            <a:r>
+              <a:rPr lang="ko-KR" altLang="en-US" sz="1800" dirty="0" smtClean="0">
+                <a:latin typeface="+mj-lt"/>
+              </a:rPr>
+              <a:t> </a:t>
+            </a:r>
+            <a:r>
+              <a:rPr lang="ko-KR" altLang="en-US" sz="1800" dirty="0">
+                <a:latin typeface="+mj-lt"/>
+              </a:rPr>
+              <a:t>매핑하기 위해 </a:t>
+            </a:r>
+            <a:r>
+              <a:rPr lang="en-US" altLang="ko-KR" sz="1800" dirty="0" err="1" smtClean="0">
+                <a:latin typeface="+mj-lt"/>
+              </a:rPr>
+              <a:t>HashMap</a:t>
             </a:r>
             <a:r>
               <a:rPr lang="ko-KR" altLang="en-US" sz="1800" dirty="0">
@@ -7289,178 +7472,246 @@
               </a:lnSpc>
             </a:pPr>
             <a:r>
+              <a:rPr lang="ko-KR" altLang="en-US" sz="1800" dirty="0" smtClean="0">
+                <a:latin typeface="+mj-lt"/>
+              </a:rPr>
+              <a:t>영</a:t>
+            </a:r>
+            <a:r>
               <a:rPr lang="ko-KR" altLang="en-US" sz="1800" dirty="0">
                 <a:latin typeface="+mj-lt"/>
               </a:rPr>
-              <a:t>항공편 예약 과정에서는</a:t>
+              <a:t>화</a:t>
+            </a:r>
+            <a:r>
+              <a:rPr lang="ko-KR" altLang="en-US" sz="1800" dirty="0" smtClean="0">
+                <a:latin typeface="+mj-lt"/>
+              </a:rPr>
+              <a:t> 예</a:t>
+            </a:r>
+            <a:r>
+              <a:rPr lang="ko-KR" altLang="en-US" sz="1800" dirty="0">
+                <a:latin typeface="+mj-lt"/>
+              </a:rPr>
+              <a:t>매</a:t>
+            </a:r>
+            <a:r>
+              <a:rPr lang="ko-KR" altLang="en-US" sz="1800" dirty="0" smtClean="0">
+                <a:latin typeface="+mj-lt"/>
+              </a:rPr>
+              <a:t> 과정에서는 </a:t>
+            </a:r>
+            <a:r>
+              <a:rPr lang="en-US" altLang="ko-KR" sz="1800" dirty="0" err="1" smtClean="0">
+                <a:latin typeface="+mj-lt"/>
+              </a:rPr>
+              <a:t>LocalDateTime</a:t>
+            </a:r>
+            <a:r>
+              <a:rPr lang="ko-KR" altLang="en-US" sz="1800" dirty="0" smtClean="0">
+                <a:latin typeface="+mj-lt"/>
+              </a:rPr>
+              <a:t>을 이용하여 현재 예매가 가능한 영화목록만 보여줍니다</a:t>
+            </a:r>
+            <a:r>
+              <a:rPr lang="en-US" altLang="ko-KR" sz="1800" dirty="0" smtClean="0">
+                <a:latin typeface="+mj-lt"/>
+              </a:rPr>
+              <a:t>. Screen </a:t>
+            </a:r>
+            <a:r>
+              <a:rPr lang="ko-KR" altLang="en-US" sz="1800" dirty="0" smtClean="0">
+                <a:latin typeface="+mj-lt"/>
+              </a:rPr>
+              <a:t>클래스의 연령제한 내용을 사용자의 </a:t>
+            </a:r>
+            <a:r>
+              <a:rPr lang="ko-KR" altLang="en-US" sz="1800" dirty="0">
+                <a:latin typeface="+mj-lt"/>
+              </a:rPr>
+              <a:t>나이를</a:t>
             </a:r>
             <a:r>
               <a:rPr lang="en-US" altLang="ko-KR" sz="1800" dirty="0">
                 <a:latin typeface="+mj-lt"/>
               </a:rPr>
-              <a:t> Flight </a:t>
+              <a:t> </a:t>
             </a:r>
             <a:r>
               <a:rPr lang="ko-KR" altLang="en-US" sz="1800" dirty="0">
                 <a:latin typeface="+mj-lt"/>
               </a:rPr>
-              <a:t>클래스의 </a:t>
+              <a:t>입력 받아 </a:t>
+            </a:r>
+            <a:r>
+              <a:rPr lang="en-US" altLang="ko-KR" sz="1800" dirty="0" err="1">
+                <a:latin typeface="+mj-lt"/>
+              </a:rPr>
+              <a:t>java.time</a:t>
             </a:r>
             <a:r>
               <a:rPr lang="en-US" altLang="ko-KR" sz="1800" dirty="0">
                 <a:latin typeface="+mj-lt"/>
               </a:rPr>
-              <a:t>Boolean </a:t>
+              <a:t> </a:t>
             </a:r>
             <a:r>
               <a:rPr lang="ko-KR" altLang="en-US" sz="1800" dirty="0">
                 <a:latin typeface="+mj-lt"/>
               </a:rPr>
-              <a:t>변수를 이용하여 사용하여 국제선 여부를 구분합니다</a:t>
+              <a:t>패키지를 통해 만 나이를 추출하고</a:t>
             </a:r>
             <a:r>
               <a:rPr lang="en-US" altLang="ko-KR" sz="1800" dirty="0">
                 <a:latin typeface="+mj-lt"/>
               </a:rPr>
+              <a:t>, </a:t>
+            </a:r>
+            <a:r>
+              <a:rPr lang="ko-KR" altLang="en-US" sz="1800" dirty="0" smtClean="0">
+                <a:latin typeface="+mj-lt"/>
+              </a:rPr>
+              <a:t>관람등</a:t>
+            </a:r>
+            <a:r>
+              <a:rPr lang="ko-KR" altLang="en-US" sz="1800" dirty="0">
+                <a:latin typeface="+mj-lt"/>
+              </a:rPr>
+              <a:t>급</a:t>
+            </a:r>
+            <a:r>
+              <a:rPr lang="ko-KR" altLang="en-US" sz="1800" dirty="0" smtClean="0">
+                <a:latin typeface="+mj-lt"/>
+              </a:rPr>
+              <a:t> </a:t>
+            </a:r>
+            <a:r>
+              <a:rPr lang="ko-KR" altLang="en-US" sz="1800" dirty="0">
+                <a:latin typeface="+mj-lt"/>
+              </a:rPr>
+              <a:t>미만인 경우 </a:t>
+            </a:r>
+            <a:r>
+              <a:rPr lang="ko-KR" altLang="en-US" sz="1800" dirty="0" smtClean="0">
+                <a:latin typeface="+mj-lt"/>
+              </a:rPr>
+              <a:t>예매를 </a:t>
+            </a:r>
+            <a:r>
+              <a:rPr lang="ko-KR" altLang="en-US" sz="1800" dirty="0">
+                <a:latin typeface="+mj-lt"/>
+              </a:rPr>
+              <a:t>거절합니다</a:t>
+            </a:r>
+            <a:r>
+              <a:rPr lang="en-US" altLang="ko-KR" sz="1800" dirty="0">
+                <a:latin typeface="+mj-lt"/>
+              </a:rPr>
+              <a:t>.  </a:t>
+            </a:r>
+            <a:r>
+              <a:rPr lang="ko-KR" altLang="en-US" sz="1800" dirty="0">
+                <a:latin typeface="+mj-lt"/>
+              </a:rPr>
+              <a:t>결제 비밀번호를 입력 받은 후</a:t>
+            </a:r>
+            <a:r>
+              <a:rPr lang="en-US" altLang="ko-KR" sz="1800" dirty="0">
+                <a:latin typeface="+mj-lt"/>
+              </a:rPr>
+              <a:t>, </a:t>
+            </a:r>
+            <a:r>
+              <a:rPr lang="ko-KR" altLang="en-US" sz="1800" dirty="0">
+                <a:latin typeface="+mj-lt"/>
+              </a:rPr>
+              <a:t>해당 정보를 </a:t>
+            </a:r>
+            <a:r>
+              <a:rPr lang="en-US" altLang="ko-KR" sz="1800" dirty="0" smtClean="0">
+                <a:latin typeface="+mj-lt"/>
+              </a:rPr>
+              <a:t>Customer</a:t>
+            </a:r>
+            <a:r>
+              <a:rPr lang="en-US" altLang="ko-KR" sz="1800" dirty="0" smtClean="0">
+                <a:latin typeface="+mj-lt"/>
+              </a:rPr>
+              <a:t> </a:t>
+            </a:r>
+            <a:r>
+              <a:rPr lang="ko-KR" altLang="en-US" sz="1800" dirty="0">
+                <a:latin typeface="+mj-lt"/>
+              </a:rPr>
+              <a:t>객체를 저장하는 </a:t>
+            </a:r>
+            <a:r>
+              <a:rPr lang="en-US" altLang="ko-KR" sz="1800" dirty="0" err="1">
+                <a:latin typeface="+mj-lt"/>
+              </a:rPr>
+              <a:t>ArrayList</a:t>
+            </a:r>
+            <a:r>
+              <a:rPr lang="ko-KR" altLang="en-US" sz="1800" dirty="0">
+                <a:latin typeface="+mj-lt"/>
+              </a:rPr>
+              <a:t>와 </a:t>
+            </a:r>
+            <a:r>
+              <a:rPr lang="en-US" altLang="ko-KR" sz="1800" dirty="0">
+                <a:latin typeface="+mj-lt"/>
+              </a:rPr>
+              <a:t>Map</a:t>
+            </a:r>
+            <a:r>
+              <a:rPr lang="ko-KR" altLang="en-US" sz="1800" dirty="0">
+                <a:latin typeface="+mj-lt"/>
+              </a:rPr>
+              <a:t>에 저장합니다</a:t>
+            </a:r>
+            <a:r>
+              <a:rPr lang="en-US" altLang="ko-KR" sz="1800" dirty="0">
+                <a:latin typeface="+mj-lt"/>
+              </a:rPr>
               <a:t>. </a:t>
             </a:r>
             <a:r>
               <a:rPr lang="ko-KR" altLang="en-US" sz="1800" dirty="0">
                 <a:latin typeface="+mj-lt"/>
               </a:rPr>
-              <a:t>사용자의 나이를</a:t>
+              <a:t>마지막으로 좌석을 선택합니다</a:t>
             </a:r>
             <a:r>
               <a:rPr lang="en-US" altLang="ko-KR" sz="1800" dirty="0">
                 <a:latin typeface="+mj-lt"/>
               </a:rPr>
-              <a:t> </a:t>
+              <a:t>. </a:t>
             </a:r>
             <a:r>
               <a:rPr lang="ko-KR" altLang="en-US" sz="1800" dirty="0">
                 <a:latin typeface="+mj-lt"/>
               </a:rPr>
-              <a:t>입력 받아 </a:t>
-            </a:r>
-            <a:r>
-              <a:rPr lang="en-US" altLang="ko-KR" sz="1800" dirty="0" err="1">
-                <a:latin typeface="+mj-lt"/>
-              </a:rPr>
-              <a:t>java.time</a:t>
-            </a:r>
-            <a:r>
-              <a:rPr lang="en-US" altLang="ko-KR" sz="1800" dirty="0">
-                <a:latin typeface="+mj-lt"/>
-              </a:rPr>
-              <a:t> </a:t>
-            </a:r>
-            <a:r>
-              <a:rPr lang="ko-KR" altLang="en-US" sz="1800" dirty="0">
-                <a:latin typeface="+mj-lt"/>
-              </a:rPr>
-              <a:t>패키지를 통해 만 나이를 추출하고</a:t>
-            </a:r>
-            <a:r>
-              <a:rPr lang="en-US" altLang="ko-KR" sz="1800" dirty="0">
-                <a:latin typeface="+mj-lt"/>
-              </a:rPr>
-              <a:t>, 15</a:t>
-            </a:r>
-            <a:r>
-              <a:rPr lang="ko-KR" altLang="en-US" sz="1800" dirty="0">
-                <a:latin typeface="+mj-lt"/>
-              </a:rPr>
-              <a:t>세 미만인 경우 예약을 거절합니다</a:t>
-            </a:r>
-            <a:r>
-              <a:rPr lang="en-US" altLang="ko-KR" sz="1800" dirty="0">
-                <a:latin typeface="+mj-lt"/>
-              </a:rPr>
-              <a:t>.  </a:t>
-            </a:r>
-            <a:r>
-              <a:rPr lang="ko-KR" altLang="en-US" sz="1800" dirty="0">
-                <a:latin typeface="+mj-lt"/>
-              </a:rPr>
-              <a:t>결제 비밀번호를 입력 받은 후</a:t>
-            </a:r>
-            <a:r>
-              <a:rPr lang="en-US" altLang="ko-KR" sz="1800" dirty="0">
-                <a:latin typeface="+mj-lt"/>
-              </a:rPr>
-              <a:t>, </a:t>
-            </a:r>
-            <a:r>
-              <a:rPr lang="ko-KR" altLang="en-US" sz="1800" dirty="0">
-                <a:latin typeface="+mj-lt"/>
-              </a:rPr>
-              <a:t>해당 정보를 </a:t>
-            </a:r>
-            <a:r>
-              <a:rPr lang="en-US" altLang="ko-KR" sz="1800" dirty="0">
-                <a:latin typeface="+mj-lt"/>
-              </a:rPr>
-              <a:t>Passenger </a:t>
-            </a:r>
-            <a:r>
-              <a:rPr lang="ko-KR" altLang="en-US" sz="1800" dirty="0">
-                <a:latin typeface="+mj-lt"/>
-              </a:rPr>
-              <a:t>객체를 저장하는 </a:t>
-            </a:r>
-            <a:r>
-              <a:rPr lang="en-US" altLang="ko-KR" sz="1800" dirty="0" err="1">
-                <a:latin typeface="+mj-lt"/>
-              </a:rPr>
-              <a:t>ArrayList</a:t>
-            </a:r>
-            <a:r>
-              <a:rPr lang="ko-KR" altLang="en-US" sz="1800" dirty="0">
-                <a:latin typeface="+mj-lt"/>
-              </a:rPr>
-              <a:t>와 </a:t>
-            </a:r>
-            <a:r>
-              <a:rPr lang="en-US" altLang="ko-KR" sz="1800" dirty="0">
-                <a:latin typeface="+mj-lt"/>
-              </a:rPr>
-              <a:t>Map</a:t>
-            </a:r>
-            <a:r>
-              <a:rPr lang="ko-KR" altLang="en-US" sz="1800" dirty="0">
-                <a:latin typeface="+mj-lt"/>
-              </a:rPr>
-              <a:t>에 저장합니다</a:t>
-            </a:r>
-            <a:r>
-              <a:rPr lang="en-US" altLang="ko-KR" sz="1800" dirty="0">
-                <a:latin typeface="+mj-lt"/>
-              </a:rPr>
-              <a:t>. </a:t>
-            </a:r>
-            <a:r>
-              <a:rPr lang="ko-KR" altLang="en-US" sz="1800" dirty="0">
-                <a:latin typeface="+mj-lt"/>
-              </a:rPr>
-              <a:t>마지막으로 좌석을 선택합니다</a:t>
-            </a:r>
-            <a:r>
-              <a:rPr lang="en-US" altLang="ko-KR" sz="1800" dirty="0">
-                <a:latin typeface="+mj-lt"/>
-              </a:rPr>
-              <a:t>. </a:t>
-            </a:r>
-            <a:r>
-              <a:rPr lang="ko-KR" altLang="en-US" sz="1800" dirty="0">
-                <a:latin typeface="+mj-lt"/>
-              </a:rPr>
               <a:t>이미 예약된 좌석은 </a:t>
             </a:r>
             <a:r>
-              <a:rPr lang="en-US" altLang="ko-KR" sz="1800" dirty="0">
-                <a:latin typeface="+mj-lt"/>
-              </a:rPr>
-              <a:t>“[XX]”</a:t>
+              <a:rPr lang="en-US" altLang="ko-KR" sz="1800" dirty="0" smtClean="0">
+                <a:latin typeface="+mj-lt"/>
+              </a:rPr>
+              <a:t>“[</a:t>
+            </a:r>
+            <a:r>
+              <a:rPr lang="ko-KR" altLang="en-US" sz="1800" dirty="0" smtClean="0"/>
+              <a:t>■</a:t>
+            </a:r>
+            <a:r>
+              <a:rPr lang="ko-KR" altLang="en-US" sz="1800" dirty="0"/>
+              <a:t> ■</a:t>
+            </a:r>
+            <a:r>
+              <a:rPr lang="en-US" altLang="ko-KR" sz="1800" dirty="0" smtClean="0">
+                <a:latin typeface="+mj-lt"/>
+              </a:rPr>
+              <a:t>]”</a:t>
             </a:r>
             <a:r>
               <a:rPr lang="ko-KR" altLang="en-US" sz="1800" dirty="0">
@@ -7542,10 +7793,28 @@
               </a:lnSpc>
             </a:pPr>
             <a:r>
+              <a:rPr lang="ko-KR" altLang="en-US" sz="1800" dirty="0" smtClean="0">
+                <a:latin typeface="+mj-lt"/>
+              </a:rPr>
+              <a:t>예</a:t>
+            </a:r>
+            <a:r>
               <a:rPr lang="ko-KR" altLang="en-US" sz="1800" dirty="0">
                 <a:latin typeface="+mj-lt"/>
               </a:rPr>
-              <a:t>예약된 정보는 예약 조회</a:t>
+              <a:t>매</a:t>
+            </a:r>
+            <a:r>
+              <a:rPr lang="ko-KR" altLang="en-US" sz="1800" dirty="0" smtClean="0">
+                <a:latin typeface="+mj-lt"/>
+              </a:rPr>
+              <a:t>된 </a:t>
+            </a:r>
+            <a:r>
+              <a:rPr lang="ko-KR" altLang="en-US" sz="1800" dirty="0">
+                <a:latin typeface="+mj-lt"/>
+              </a:rPr>
+              <a:t>정보는 예약 조회</a:t>
             </a:r>
             <a:r>
               <a:rPr lang="en-US" altLang="ko-KR" sz="1800" dirty="0">
@@ -7557,19 +7826,91 @@
               <a:rPr lang="ko-KR" altLang="en-US" sz="1800" dirty="0">
                 <a:latin typeface="+mj-lt"/>
               </a:rPr>
-              <a:t>티켓 출력으로 조회 및 파일 출력이 가능하며</a:t>
-            </a:r>
-            <a:r>
-              <a:rPr lang="en-US" altLang="ko-KR" sz="1800" dirty="0">
+              <a:t>티켓 </a:t>
+            </a:r>
+            <a:r>
+              <a:rPr lang="ko-KR" altLang="en-US" sz="1800" dirty="0" smtClean="0">
+                <a:latin typeface="+mj-lt"/>
+              </a:rPr>
+              <a:t>출력으로 </a:t>
+            </a:r>
+            <a:r>
+              <a:rPr lang="ko-KR" altLang="en-US" sz="1800" dirty="0">
+                <a:latin typeface="+mj-lt"/>
+              </a:rPr>
+              <a:t>조회 및 파일 출력이 </a:t>
+            </a:r>
+            <a:r>
+              <a:rPr lang="ko-KR" altLang="en-US" sz="1800" dirty="0" smtClean="0">
+                <a:latin typeface="+mj-lt"/>
+              </a:rPr>
+              <a:t>가능하며 </a:t>
+            </a:r>
+            <a:r>
+              <a:rPr lang="ko-KR" altLang="en-US" sz="1800" dirty="0" smtClean="0">
+                <a:latin typeface="+mj-lt"/>
+              </a:rPr>
+              <a:t>포토티켓을 원할 경우 서비스합니다</a:t>
+            </a:r>
+            <a:r>
+              <a:rPr lang="en-US" altLang="ko-KR" sz="1800" dirty="0" smtClean="0">
+                <a:latin typeface="+mj-lt"/>
+              </a:rPr>
+              <a:t>.</a:t>
+            </a:r>
+            <a:r>
+              <a:rPr lang="en-US" altLang="ko-KR" sz="1800" dirty="0" smtClean="0">
                 <a:latin typeface="+mj-lt"/>
               </a:rPr>
               <a:t> </a:t>
             </a:r>
             <a:r>
+              <a:rPr lang="ko-KR" altLang="en-US" sz="1800" dirty="0" smtClean="0">
+                <a:latin typeface="+mj-lt"/>
+              </a:rPr>
+              <a:t>영화목</a:t>
+            </a:r>
+            <a:r>
               <a:rPr lang="ko-KR" altLang="en-US" sz="1800" dirty="0">
                 <a:latin typeface="+mj-lt"/>
               </a:rPr>
-              <a:t>항공편 업로드로 항공편 목록을 추가 할 수 있습니다</a:t>
+              <a:t>록</a:t>
+            </a:r>
+            <a:r>
+              <a:rPr lang="ko-KR" altLang="en-US" sz="1800" dirty="0" smtClean="0">
+                <a:latin typeface="+mj-lt"/>
+              </a:rPr>
+              <a:t> </a:t>
+            </a:r>
+            <a:r>
+              <a:rPr lang="ko-KR" altLang="en-US" sz="1800" dirty="0">
+                <a:latin typeface="+mj-lt"/>
+              </a:rPr>
+              <a:t>업로드로 </a:t>
+            </a:r>
+            <a:r>
+              <a:rPr lang="ko-KR" altLang="en-US" sz="1800" dirty="0" smtClean="0">
+                <a:latin typeface="+mj-lt"/>
+              </a:rPr>
+              <a:t>영</a:t>
+            </a:r>
+            <a:r>
+              <a:rPr lang="ko-KR" altLang="en-US" sz="1800" dirty="0">
+                <a:latin typeface="+mj-lt"/>
+              </a:rPr>
+              <a:t>화</a:t>
+            </a:r>
+            <a:r>
+              <a:rPr lang="ko-KR" altLang="en-US" sz="1800" dirty="0" smtClean="0">
+                <a:latin typeface="+mj-lt"/>
+              </a:rPr>
+              <a:t> </a:t>
+            </a:r>
+            <a:r>
+              <a:rPr lang="ko-KR" altLang="en-US" sz="1800" dirty="0">
+                <a:latin typeface="+mj-lt"/>
+              </a:rPr>
+              <a:t>목록을 추가 할 수 있습니다</a:t>
             </a:r>
             <a:r>
               <a:rPr lang="en-US" altLang="ko-KR" sz="1800" dirty="0">

--- a/vscodejava/Hello/bin/a0403/movie/(영화)자바프로젝트.pptx
+++ b/vscodejava/Hello/bin/a0403/movie/(영화)자바프로젝트.pptx
@@ -110,7 +110,18 @@
   </p:defaultTextStyle>
   <p:extLst>
     <p:ext uri="{EFAFB233-063F-42B5-8137-9DF3F51BA10A}">
-      <p15:sldGuideLst xmlns:p15="http://schemas.microsoft.com/office/powerpoint/2012/main" xmlns=""/>
+      <p15:sldGuideLst xmlns:p15="http://schemas.microsoft.com/office/powerpoint/2012/main">
+        <p15:guide id="1" orient="horz" pos="2160">
+          <p15:clr>
+            <a:srgbClr val="A4A3A4"/>
+          </p15:clr>
+        </p15:guide>
+        <p15:guide id="2" pos="3840">
+          <p15:clr>
+            <a:srgbClr val="A4A3A4"/>
+          </p15:clr>
+        </p15:guide>
+      </p15:sldGuideLst>
     </p:ext>
   </p:extLst>
 </p:presentation>
@@ -138,7 +149,7 @@
           <p:cNvPr id="2" name="제목 1">
             <a:extLst>
               <a:ext uri="{FF2B5EF4-FFF2-40B4-BE49-F238E27FC236}">
-                <a16:creationId xmlns:a16="http://schemas.microsoft.com/office/drawing/2014/main" xmlns="" id="{6EC60E46-1E9B-4B45-8F0C-96A06CB9BA58}"/>
+                <a16:creationId xmlns:a16="http://schemas.microsoft.com/office/drawing/2014/main" id="{6EC60E46-1E9B-4B45-8F0C-96A06CB9BA58}"/>
               </a:ext>
             </a:extLst>
           </p:cNvPr>
@@ -175,7 +186,7 @@
           <p:cNvPr id="3" name="부제목 2">
             <a:extLst>
               <a:ext uri="{FF2B5EF4-FFF2-40B4-BE49-F238E27FC236}">
-                <a16:creationId xmlns:a16="http://schemas.microsoft.com/office/drawing/2014/main" xmlns="" id="{52FF2B7A-490B-4BA8-BC1E-512EF1250EB2}"/>
+                <a16:creationId xmlns:a16="http://schemas.microsoft.com/office/drawing/2014/main" id="{52FF2B7A-490B-4BA8-BC1E-512EF1250EB2}"/>
               </a:ext>
             </a:extLst>
           </p:cNvPr>
@@ -245,7 +256,7 @@
           <p:cNvPr id="4" name="날짜 개체 틀 3">
             <a:extLst>
               <a:ext uri="{FF2B5EF4-FFF2-40B4-BE49-F238E27FC236}">
-                <a16:creationId xmlns:a16="http://schemas.microsoft.com/office/drawing/2014/main" xmlns="" id="{0903A359-0540-4983-B424-A98375860770}"/>
+                <a16:creationId xmlns:a16="http://schemas.microsoft.com/office/drawing/2014/main" id="{0903A359-0540-4983-B424-A98375860770}"/>
               </a:ext>
             </a:extLst>
           </p:cNvPr>
@@ -263,7 +274,7 @@
           <a:p>
             <a:fld id="{1B1D02C3-EB5A-43ED-B5B8-9288D9E43D0B}" type="datetimeFigureOut">
               <a:rPr lang="ko-KR" altLang="en-US" smtClean="0"/>
-              <a:t>2025-04-06</a:t>
+              <a:t>2025-04-08</a:t>
             </a:fld>
             <a:endParaRPr lang="ko-KR" altLang="en-US"/>
           </a:p>
@@ -274,7 +285,7 @@
           <p:cNvPr id="5" name="바닥글 개체 틀 4">
             <a:extLst>
               <a:ext uri="{FF2B5EF4-FFF2-40B4-BE49-F238E27FC236}">
-                <a16:creationId xmlns:a16="http://schemas.microsoft.com/office/drawing/2014/main" xmlns="" id="{0EA02E7C-81DE-426C-B017-CE0CEF0ED203}"/>
+                <a16:creationId xmlns:a16="http://schemas.microsoft.com/office/drawing/2014/main" id="{0EA02E7C-81DE-426C-B017-CE0CEF0ED203}"/>
               </a:ext>
             </a:extLst>
           </p:cNvPr>
@@ -299,7 +310,7 @@
           <p:cNvPr id="6" name="슬라이드 번호 개체 틀 5">
             <a:extLst>
               <a:ext uri="{FF2B5EF4-FFF2-40B4-BE49-F238E27FC236}">
-                <a16:creationId xmlns:a16="http://schemas.microsoft.com/office/drawing/2014/main" xmlns="" id="{AA134F97-3030-4743-8420-CFAE4C24592D}"/>
+                <a16:creationId xmlns:a16="http://schemas.microsoft.com/office/drawing/2014/main" id="{AA134F97-3030-4743-8420-CFAE4C24592D}"/>
               </a:ext>
             </a:extLst>
           </p:cNvPr>
@@ -358,7 +369,7 @@
           <p:cNvPr id="2" name="제목 1">
             <a:extLst>
               <a:ext uri="{FF2B5EF4-FFF2-40B4-BE49-F238E27FC236}">
-                <a16:creationId xmlns:a16="http://schemas.microsoft.com/office/drawing/2014/main" xmlns="" id="{2A3C4B8A-4280-4C93-B3D3-E984F22F24FF}"/>
+                <a16:creationId xmlns:a16="http://schemas.microsoft.com/office/drawing/2014/main" id="{2A3C4B8A-4280-4C93-B3D3-E984F22F24FF}"/>
               </a:ext>
             </a:extLst>
           </p:cNvPr>
@@ -386,7 +397,7 @@
           <p:cNvPr id="3" name="세로 텍스트 개체 틀 2">
             <a:extLst>
               <a:ext uri="{FF2B5EF4-FFF2-40B4-BE49-F238E27FC236}">
-                <a16:creationId xmlns:a16="http://schemas.microsoft.com/office/drawing/2014/main" xmlns="" id="{097317F9-8298-4292-BD92-80366DDD3D6D}"/>
+                <a16:creationId xmlns:a16="http://schemas.microsoft.com/office/drawing/2014/main" id="{097317F9-8298-4292-BD92-80366DDD3D6D}"/>
               </a:ext>
             </a:extLst>
           </p:cNvPr>
@@ -443,7 +454,7 @@
           <p:cNvPr id="4" name="날짜 개체 틀 3">
             <a:extLst>
               <a:ext uri="{FF2B5EF4-FFF2-40B4-BE49-F238E27FC236}">
-                <a16:creationId xmlns:a16="http://schemas.microsoft.com/office/drawing/2014/main" xmlns="" id="{1B850AB2-2B2E-4EF5-9657-FAD5E5B43D51}"/>
+                <a16:creationId xmlns:a16="http://schemas.microsoft.com/office/drawing/2014/main" id="{1B850AB2-2B2E-4EF5-9657-FAD5E5B43D51}"/>
               </a:ext>
             </a:extLst>
           </p:cNvPr>
@@ -461,7 +472,7 @@
           <a:p>
             <a:fld id="{1B1D02C3-EB5A-43ED-B5B8-9288D9E43D0B}" type="datetimeFigureOut">
               <a:rPr lang="ko-KR" altLang="en-US" smtClean="0"/>
-              <a:t>2025-04-06</a:t>
+              <a:t>2025-04-08</a:t>
             </a:fld>
             <a:endParaRPr lang="ko-KR" altLang="en-US"/>
           </a:p>
@@ -472,7 +483,7 @@
           <p:cNvPr id="5" name="바닥글 개체 틀 4">
             <a:extLst>
               <a:ext uri="{FF2B5EF4-FFF2-40B4-BE49-F238E27FC236}">
-                <a16:creationId xmlns:a16="http://schemas.microsoft.com/office/drawing/2014/main" xmlns="" id="{D10197F3-8B6C-4BC7-952C-EED66BCBD4A5}"/>
+                <a16:creationId xmlns:a16="http://schemas.microsoft.com/office/drawing/2014/main" id="{D10197F3-8B6C-4BC7-952C-EED66BCBD4A5}"/>
               </a:ext>
             </a:extLst>
           </p:cNvPr>
@@ -497,7 +508,7 @@
           <p:cNvPr id="6" name="슬라이드 번호 개체 틀 5">
             <a:extLst>
               <a:ext uri="{FF2B5EF4-FFF2-40B4-BE49-F238E27FC236}">
-                <a16:creationId xmlns:a16="http://schemas.microsoft.com/office/drawing/2014/main" xmlns="" id="{173CCB3A-2EB0-4569-A9F1-5B8BC1AFB81D}"/>
+                <a16:creationId xmlns:a16="http://schemas.microsoft.com/office/drawing/2014/main" id="{173CCB3A-2EB0-4569-A9F1-5B8BC1AFB81D}"/>
               </a:ext>
             </a:extLst>
           </p:cNvPr>
@@ -556,7 +567,7 @@
           <p:cNvPr id="2" name="세로 제목 1">
             <a:extLst>
               <a:ext uri="{FF2B5EF4-FFF2-40B4-BE49-F238E27FC236}">
-                <a16:creationId xmlns:a16="http://schemas.microsoft.com/office/drawing/2014/main" xmlns="" id="{44987F89-D0C2-42C4-9E17-C0C48ADFDAC6}"/>
+                <a16:creationId xmlns:a16="http://schemas.microsoft.com/office/drawing/2014/main" id="{44987F89-D0C2-42C4-9E17-C0C48ADFDAC6}"/>
               </a:ext>
             </a:extLst>
           </p:cNvPr>
@@ -589,7 +600,7 @@
           <p:cNvPr id="3" name="세로 텍스트 개체 틀 2">
             <a:extLst>
               <a:ext uri="{FF2B5EF4-FFF2-40B4-BE49-F238E27FC236}">
-                <a16:creationId xmlns:a16="http://schemas.microsoft.com/office/drawing/2014/main" xmlns="" id="{988698BD-FBC6-4888-9F2E-65225CB23C2D}"/>
+                <a16:creationId xmlns:a16="http://schemas.microsoft.com/office/drawing/2014/main" id="{988698BD-FBC6-4888-9F2E-65225CB23C2D}"/>
               </a:ext>
             </a:extLst>
           </p:cNvPr>
@@ -651,7 +662,7 @@
           <p:cNvPr id="4" name="날짜 개체 틀 3">
             <a:extLst>
               <a:ext uri="{FF2B5EF4-FFF2-40B4-BE49-F238E27FC236}">
-                <a16:creationId xmlns:a16="http://schemas.microsoft.com/office/drawing/2014/main" xmlns="" id="{1FFAF85A-EA2E-42BF-A92D-0E4B4C32AB10}"/>
+                <a16:creationId xmlns:a16="http://schemas.microsoft.com/office/drawing/2014/main" id="{1FFAF85A-EA2E-42BF-A92D-0E4B4C32AB10}"/>
               </a:ext>
             </a:extLst>
           </p:cNvPr>
@@ -669,7 +680,7 @@
           <a:p>
             <a:fld id="{1B1D02C3-EB5A-43ED-B5B8-9288D9E43D0B}" type="datetimeFigureOut">
               <a:rPr lang="ko-KR" altLang="en-US" smtClean="0"/>
-              <a:t>2025-04-06</a:t>
+              <a:t>2025-04-08</a:t>
             </a:fld>
             <a:endParaRPr lang="ko-KR" altLang="en-US"/>
           </a:p>
@@ -680,7 +691,7 @@
           <p:cNvPr id="5" name="바닥글 개체 틀 4">
             <a:extLst>
               <a:ext uri="{FF2B5EF4-FFF2-40B4-BE49-F238E27FC236}">
-                <a16:creationId xmlns:a16="http://schemas.microsoft.com/office/drawing/2014/main" xmlns="" id="{3D9AD483-CCB9-4F10-B492-BC93B0561349}"/>
+                <a16:creationId xmlns:a16="http://schemas.microsoft.com/office/drawing/2014/main" id="{3D9AD483-CCB9-4F10-B492-BC93B0561349}"/>
               </a:ext>
             </a:extLst>
           </p:cNvPr>
@@ -705,7 +716,7 @@
           <p:cNvPr id="6" name="슬라이드 번호 개체 틀 5">
             <a:extLst>
               <a:ext uri="{FF2B5EF4-FFF2-40B4-BE49-F238E27FC236}">
-                <a16:creationId xmlns:a16="http://schemas.microsoft.com/office/drawing/2014/main" xmlns="" id="{85DE896D-4E2A-44DE-BCB7-7E7E335CEBBB}"/>
+                <a16:creationId xmlns:a16="http://schemas.microsoft.com/office/drawing/2014/main" id="{85DE896D-4E2A-44DE-BCB7-7E7E335CEBBB}"/>
               </a:ext>
             </a:extLst>
           </p:cNvPr>
@@ -764,7 +775,7 @@
           <p:cNvPr id="2" name="제목 1">
             <a:extLst>
               <a:ext uri="{FF2B5EF4-FFF2-40B4-BE49-F238E27FC236}">
-                <a16:creationId xmlns:a16="http://schemas.microsoft.com/office/drawing/2014/main" xmlns="" id="{95E4BE73-11E5-4AB3-BDEE-D0CE22EF4CCD}"/>
+                <a16:creationId xmlns:a16="http://schemas.microsoft.com/office/drawing/2014/main" id="{95E4BE73-11E5-4AB3-BDEE-D0CE22EF4CCD}"/>
               </a:ext>
             </a:extLst>
           </p:cNvPr>
@@ -792,7 +803,7 @@
           <p:cNvPr id="3" name="내용 개체 틀 2">
             <a:extLst>
               <a:ext uri="{FF2B5EF4-FFF2-40B4-BE49-F238E27FC236}">
-                <a16:creationId xmlns:a16="http://schemas.microsoft.com/office/drawing/2014/main" xmlns="" id="{2FDFAEF4-B159-469B-9CA6-3621123B57E0}"/>
+                <a16:creationId xmlns:a16="http://schemas.microsoft.com/office/drawing/2014/main" id="{2FDFAEF4-B159-469B-9CA6-3621123B57E0}"/>
               </a:ext>
             </a:extLst>
           </p:cNvPr>
@@ -849,7 +860,7 @@
           <p:cNvPr id="4" name="날짜 개체 틀 3">
             <a:extLst>
               <a:ext uri="{FF2B5EF4-FFF2-40B4-BE49-F238E27FC236}">
-                <a16:creationId xmlns:a16="http://schemas.microsoft.com/office/drawing/2014/main" xmlns="" id="{2030647E-9010-4319-AB89-79A9918F0590}"/>
+                <a16:creationId xmlns:a16="http://schemas.microsoft.com/office/drawing/2014/main" id="{2030647E-9010-4319-AB89-79A9918F0590}"/>
               </a:ext>
             </a:extLst>
           </p:cNvPr>
@@ -867,7 +878,7 @@
           <a:p>
             <a:fld id="{1B1D02C3-EB5A-43ED-B5B8-9288D9E43D0B}" type="datetimeFigureOut">
               <a:rPr lang="ko-KR" altLang="en-US" smtClean="0"/>
-              <a:t>2025-04-06</a:t>
+              <a:t>2025-04-08</a:t>
             </a:fld>
             <a:endParaRPr lang="ko-KR" altLang="en-US"/>
           </a:p>
@@ -878,7 +889,7 @@
           <p:cNvPr id="5" name="바닥글 개체 틀 4">
             <a:extLst>
               <a:ext uri="{FF2B5EF4-FFF2-40B4-BE49-F238E27FC236}">
-                <a16:creationId xmlns:a16="http://schemas.microsoft.com/office/drawing/2014/main" xmlns="" id="{D2E4B6DF-5225-4325-A709-83466383C935}"/>
+                <a16:creationId xmlns:a16="http://schemas.microsoft.com/office/drawing/2014/main" id="{D2E4B6DF-5225-4325-A709-83466383C935}"/>
               </a:ext>
             </a:extLst>
           </p:cNvPr>
@@ -903,7 +914,7 @@
           <p:cNvPr id="6" name="슬라이드 번호 개체 틀 5">
             <a:extLst>
               <a:ext uri="{FF2B5EF4-FFF2-40B4-BE49-F238E27FC236}">
-                <a16:creationId xmlns:a16="http://schemas.microsoft.com/office/drawing/2014/main" xmlns="" id="{2C77554C-78A4-4955-87AC-794C56FB0D64}"/>
+                <a16:creationId xmlns:a16="http://schemas.microsoft.com/office/drawing/2014/main" id="{2C77554C-78A4-4955-87AC-794C56FB0D64}"/>
               </a:ext>
             </a:extLst>
           </p:cNvPr>
@@ -962,7 +973,7 @@
           <p:cNvPr id="2" name="제목 1">
             <a:extLst>
               <a:ext uri="{FF2B5EF4-FFF2-40B4-BE49-F238E27FC236}">
-                <a16:creationId xmlns:a16="http://schemas.microsoft.com/office/drawing/2014/main" xmlns="" id="{7F6DA32A-EF51-4619-84A1-671FB15A97C5}"/>
+                <a16:creationId xmlns:a16="http://schemas.microsoft.com/office/drawing/2014/main" id="{7F6DA32A-EF51-4619-84A1-671FB15A97C5}"/>
               </a:ext>
             </a:extLst>
           </p:cNvPr>
@@ -999,7 +1010,7 @@
           <p:cNvPr id="3" name="텍스트 개체 틀 2">
             <a:extLst>
               <a:ext uri="{FF2B5EF4-FFF2-40B4-BE49-F238E27FC236}">
-                <a16:creationId xmlns:a16="http://schemas.microsoft.com/office/drawing/2014/main" xmlns="" id="{979609D7-2BC0-4753-9CF5-BC62C671DA50}"/>
+                <a16:creationId xmlns:a16="http://schemas.microsoft.com/office/drawing/2014/main" id="{979609D7-2BC0-4753-9CF5-BC62C671DA50}"/>
               </a:ext>
             </a:extLst>
           </p:cNvPr>
@@ -1124,7 +1135,7 @@
           <p:cNvPr id="4" name="날짜 개체 틀 3">
             <a:extLst>
               <a:ext uri="{FF2B5EF4-FFF2-40B4-BE49-F238E27FC236}">
-                <a16:creationId xmlns:a16="http://schemas.microsoft.com/office/drawing/2014/main" xmlns="" id="{6FE683CF-EA96-45F0-A5A8-C9873469B780}"/>
+                <a16:creationId xmlns:a16="http://schemas.microsoft.com/office/drawing/2014/main" id="{6FE683CF-EA96-45F0-A5A8-C9873469B780}"/>
               </a:ext>
             </a:extLst>
           </p:cNvPr>
@@ -1142,7 +1153,7 @@
           <a:p>
             <a:fld id="{1B1D02C3-EB5A-43ED-B5B8-9288D9E43D0B}" type="datetimeFigureOut">
               <a:rPr lang="ko-KR" altLang="en-US" smtClean="0"/>
-              <a:t>2025-04-06</a:t>
+              <a:t>2025-04-08</a:t>
             </a:fld>
             <a:endParaRPr lang="ko-KR" altLang="en-US"/>
           </a:p>
@@ -1153,7 +1164,7 @@
           <p:cNvPr id="5" name="바닥글 개체 틀 4">
             <a:extLst>
               <a:ext uri="{FF2B5EF4-FFF2-40B4-BE49-F238E27FC236}">
-                <a16:creationId xmlns:a16="http://schemas.microsoft.com/office/drawing/2014/main" xmlns="" id="{56693A66-BA9C-4950-A41B-5C2844003B41}"/>
+                <a16:creationId xmlns:a16="http://schemas.microsoft.com/office/drawing/2014/main" id="{56693A66-BA9C-4950-A41B-5C2844003B41}"/>
               </a:ext>
             </a:extLst>
           </p:cNvPr>
@@ -1178,7 +1189,7 @@
           <p:cNvPr id="6" name="슬라이드 번호 개체 틀 5">
             <a:extLst>
               <a:ext uri="{FF2B5EF4-FFF2-40B4-BE49-F238E27FC236}">
-                <a16:creationId xmlns:a16="http://schemas.microsoft.com/office/drawing/2014/main" xmlns="" id="{44C7B070-C3CD-4A36-94DA-39EB6E999ACA}"/>
+                <a16:creationId xmlns:a16="http://schemas.microsoft.com/office/drawing/2014/main" id="{44C7B070-C3CD-4A36-94DA-39EB6E999ACA}"/>
               </a:ext>
             </a:extLst>
           </p:cNvPr>
@@ -1237,7 +1248,7 @@
           <p:cNvPr id="2" name="제목 1">
             <a:extLst>
               <a:ext uri="{FF2B5EF4-FFF2-40B4-BE49-F238E27FC236}">
-                <a16:creationId xmlns:a16="http://schemas.microsoft.com/office/drawing/2014/main" xmlns="" id="{F025ED5F-99D6-4306-8C86-09F30526508C}"/>
+                <a16:creationId xmlns:a16="http://schemas.microsoft.com/office/drawing/2014/main" id="{F025ED5F-99D6-4306-8C86-09F30526508C}"/>
               </a:ext>
             </a:extLst>
           </p:cNvPr>
@@ -1265,7 +1276,7 @@
           <p:cNvPr id="3" name="내용 개체 틀 2">
             <a:extLst>
               <a:ext uri="{FF2B5EF4-FFF2-40B4-BE49-F238E27FC236}">
-                <a16:creationId xmlns:a16="http://schemas.microsoft.com/office/drawing/2014/main" xmlns="" id="{B6E75830-CE14-4960-A0DD-D97179800A9A}"/>
+                <a16:creationId xmlns:a16="http://schemas.microsoft.com/office/drawing/2014/main" id="{B6E75830-CE14-4960-A0DD-D97179800A9A}"/>
               </a:ext>
             </a:extLst>
           </p:cNvPr>
@@ -1327,7 +1338,7 @@
           <p:cNvPr id="4" name="내용 개체 틀 3">
             <a:extLst>
               <a:ext uri="{FF2B5EF4-FFF2-40B4-BE49-F238E27FC236}">
-                <a16:creationId xmlns:a16="http://schemas.microsoft.com/office/drawing/2014/main" xmlns="" id="{667588A1-189A-4C3C-8910-551AA5FF2AE8}"/>
+                <a16:creationId xmlns:a16="http://schemas.microsoft.com/office/drawing/2014/main" id="{667588A1-189A-4C3C-8910-551AA5FF2AE8}"/>
               </a:ext>
             </a:extLst>
           </p:cNvPr>
@@ -1389,7 +1400,7 @@
           <p:cNvPr id="5" name="날짜 개체 틀 4">
             <a:extLst>
               <a:ext uri="{FF2B5EF4-FFF2-40B4-BE49-F238E27FC236}">
-                <a16:creationId xmlns:a16="http://schemas.microsoft.com/office/drawing/2014/main" xmlns="" id="{DAD327CB-3B11-43A2-A79F-8ED087D19BE1}"/>
+                <a16:creationId xmlns:a16="http://schemas.microsoft.com/office/drawing/2014/main" id="{DAD327CB-3B11-43A2-A79F-8ED087D19BE1}"/>
               </a:ext>
             </a:extLst>
           </p:cNvPr>
@@ -1407,7 +1418,7 @@
           <a:p>
             <a:fld id="{1B1D02C3-EB5A-43ED-B5B8-9288D9E43D0B}" type="datetimeFigureOut">
               <a:rPr lang="ko-KR" altLang="en-US" smtClean="0"/>
-              <a:t>2025-04-06</a:t>
+              <a:t>2025-04-08</a:t>
             </a:fld>
             <a:endParaRPr lang="ko-KR" altLang="en-US"/>
           </a:p>
@@ -1418,7 +1429,7 @@
           <p:cNvPr id="6" name="바닥글 개체 틀 5">
             <a:extLst>
               <a:ext uri="{FF2B5EF4-FFF2-40B4-BE49-F238E27FC236}">
-                <a16:creationId xmlns:a16="http://schemas.microsoft.com/office/drawing/2014/main" xmlns="" id="{8E47620D-4D1D-4449-8333-E4A433609F38}"/>
+                <a16:creationId xmlns:a16="http://schemas.microsoft.com/office/drawing/2014/main" id="{8E47620D-4D1D-4449-8333-E4A433609F38}"/>
               </a:ext>
             </a:extLst>
           </p:cNvPr>
@@ -1443,7 +1454,7 @@
           <p:cNvPr id="7" name="슬라이드 번호 개체 틀 6">
             <a:extLst>
               <a:ext uri="{FF2B5EF4-FFF2-40B4-BE49-F238E27FC236}">
-                <a16:creationId xmlns:a16="http://schemas.microsoft.com/office/drawing/2014/main" xmlns="" id="{1875223E-CDD7-429C-8A24-3D44187B6F51}"/>
+                <a16:creationId xmlns:a16="http://schemas.microsoft.com/office/drawing/2014/main" id="{1875223E-CDD7-429C-8A24-3D44187B6F51}"/>
               </a:ext>
             </a:extLst>
           </p:cNvPr>
@@ -1502,7 +1513,7 @@
           <p:cNvPr id="2" name="제목 1">
             <a:extLst>
               <a:ext uri="{FF2B5EF4-FFF2-40B4-BE49-F238E27FC236}">
-                <a16:creationId xmlns:a16="http://schemas.microsoft.com/office/drawing/2014/main" xmlns="" id="{32708FEE-B432-4BE6-BD01-25013FF87BEE}"/>
+                <a16:creationId xmlns:a16="http://schemas.microsoft.com/office/drawing/2014/main" id="{32708FEE-B432-4BE6-BD01-25013FF87BEE}"/>
               </a:ext>
             </a:extLst>
           </p:cNvPr>
@@ -1535,7 +1546,7 @@
           <p:cNvPr id="3" name="텍스트 개체 틀 2">
             <a:extLst>
               <a:ext uri="{FF2B5EF4-FFF2-40B4-BE49-F238E27FC236}">
-                <a16:creationId xmlns:a16="http://schemas.microsoft.com/office/drawing/2014/main" xmlns="" id="{CC569624-79D7-4B93-B956-26CA9D619288}"/>
+                <a16:creationId xmlns:a16="http://schemas.microsoft.com/office/drawing/2014/main" id="{CC569624-79D7-4B93-B956-26CA9D619288}"/>
               </a:ext>
             </a:extLst>
           </p:cNvPr>
@@ -1606,7 +1617,7 @@
           <p:cNvPr id="4" name="내용 개체 틀 3">
             <a:extLst>
               <a:ext uri="{FF2B5EF4-FFF2-40B4-BE49-F238E27FC236}">
-                <a16:creationId xmlns:a16="http://schemas.microsoft.com/office/drawing/2014/main" xmlns="" id="{0CF6685F-0AD8-439A-BB7E-EB399BC3FE94}"/>
+                <a16:creationId xmlns:a16="http://schemas.microsoft.com/office/drawing/2014/main" id="{0CF6685F-0AD8-439A-BB7E-EB399BC3FE94}"/>
               </a:ext>
             </a:extLst>
           </p:cNvPr>
@@ -1668,7 +1679,7 @@
           <p:cNvPr id="5" name="텍스트 개체 틀 4">
             <a:extLst>
               <a:ext uri="{FF2B5EF4-FFF2-40B4-BE49-F238E27FC236}">
-                <a16:creationId xmlns:a16="http://schemas.microsoft.com/office/drawing/2014/main" xmlns="" id="{7E86231B-8803-4634-8187-107F3450275F}"/>
+                <a16:creationId xmlns:a16="http://schemas.microsoft.com/office/drawing/2014/main" id="{7E86231B-8803-4634-8187-107F3450275F}"/>
               </a:ext>
             </a:extLst>
           </p:cNvPr>
@@ -1739,7 +1750,7 @@
           <p:cNvPr id="6" name="내용 개체 틀 5">
             <a:extLst>
               <a:ext uri="{FF2B5EF4-FFF2-40B4-BE49-F238E27FC236}">
-                <a16:creationId xmlns:a16="http://schemas.microsoft.com/office/drawing/2014/main" xmlns="" id="{4E1470BB-DF29-4E4B-B988-94090050A4BB}"/>
+                <a16:creationId xmlns:a16="http://schemas.microsoft.com/office/drawing/2014/main" id="{4E1470BB-DF29-4E4B-B988-94090050A4BB}"/>
               </a:ext>
             </a:extLst>
           </p:cNvPr>
@@ -1801,7 +1812,7 @@
           <p:cNvPr id="7" name="날짜 개체 틀 6">
             <a:extLst>
               <a:ext uri="{FF2B5EF4-FFF2-40B4-BE49-F238E27FC236}">
-                <a16:creationId xmlns:a16="http://schemas.microsoft.com/office/drawing/2014/main" xmlns="" id="{BA130BA7-2069-4027-994C-CE8305844581}"/>
+                <a16:creationId xmlns:a16="http://schemas.microsoft.com/office/drawing/2014/main" id="{BA130BA7-2069-4027-994C-CE8305844581}"/>
               </a:ext>
             </a:extLst>
           </p:cNvPr>
@@ -1819,7 +1830,7 @@
           <a:p>
             <a:fld id="{1B1D02C3-EB5A-43ED-B5B8-9288D9E43D0B}" type="datetimeFigureOut">
               <a:rPr lang="ko-KR" altLang="en-US" smtClean="0"/>
-              <a:t>2025-04-06</a:t>
+              <a:t>2025-04-08</a:t>
             </a:fld>
             <a:endParaRPr lang="ko-KR" altLang="en-US"/>
           </a:p>
@@ -1830,7 +1841,7 @@
           <p:cNvPr id="8" name="바닥글 개체 틀 7">
             <a:extLst>
               <a:ext uri="{FF2B5EF4-FFF2-40B4-BE49-F238E27FC236}">
-                <a16:creationId xmlns:a16="http://schemas.microsoft.com/office/drawing/2014/main" xmlns="" id="{FC00E5BF-AFC2-4F62-B945-DCE8E67E5E07}"/>
+                <a16:creationId xmlns:a16="http://schemas.microsoft.com/office/drawing/2014/main" id="{FC00E5BF-AFC2-4F62-B945-DCE8E67E5E07}"/>
               </a:ext>
             </a:extLst>
           </p:cNvPr>
@@ -1855,7 +1866,7 @@
           <p:cNvPr id="9" name="슬라이드 번호 개체 틀 8">
             <a:extLst>
               <a:ext uri="{FF2B5EF4-FFF2-40B4-BE49-F238E27FC236}">
-                <a16:creationId xmlns:a16="http://schemas.microsoft.com/office/drawing/2014/main" xmlns="" id="{A9FA92A6-43C1-46B9-B9A8-94443ABE73B5}"/>
+                <a16:creationId xmlns:a16="http://schemas.microsoft.com/office/drawing/2014/main" id="{A9FA92A6-43C1-46B9-B9A8-94443ABE73B5}"/>
               </a:ext>
             </a:extLst>
           </p:cNvPr>
@@ -1914,7 +1925,7 @@
           <p:cNvPr id="2" name="제목 1">
             <a:extLst>
               <a:ext uri="{FF2B5EF4-FFF2-40B4-BE49-F238E27FC236}">
-                <a16:creationId xmlns:a16="http://schemas.microsoft.com/office/drawing/2014/main" xmlns="" id="{5DEDE81F-1FC1-4656-AA51-9DB5EED38D13}"/>
+                <a16:creationId xmlns:a16="http://schemas.microsoft.com/office/drawing/2014/main" id="{5DEDE81F-1FC1-4656-AA51-9DB5EED38D13}"/>
               </a:ext>
             </a:extLst>
           </p:cNvPr>
@@ -1942,7 +1953,7 @@
           <p:cNvPr id="3" name="날짜 개체 틀 2">
             <a:extLst>
               <a:ext uri="{FF2B5EF4-FFF2-40B4-BE49-F238E27FC236}">
-                <a16:creationId xmlns:a16="http://schemas.microsoft.com/office/drawing/2014/main" xmlns="" id="{C303D352-F5E1-47A3-8A02-EE3CCD30FCA4}"/>
+                <a16:creationId xmlns:a16="http://schemas.microsoft.com/office/drawing/2014/main" id="{C303D352-F5E1-47A3-8A02-EE3CCD30FCA4}"/>
               </a:ext>
             </a:extLst>
           </p:cNvPr>
@@ -1960,7 +1971,7 @@
           <a:p>
             <a:fld id="{1B1D02C3-EB5A-43ED-B5B8-9288D9E43D0B}" type="datetimeFigureOut">
               <a:rPr lang="ko-KR" altLang="en-US" smtClean="0"/>
-              <a:t>2025-04-06</a:t>
+              <a:t>2025-04-08</a:t>
             </a:fld>
             <a:endParaRPr lang="ko-KR" altLang="en-US"/>
           </a:p>
@@ -1971,7 +1982,7 @@
           <p:cNvPr id="4" name="바닥글 개체 틀 3">
             <a:extLst>
               <a:ext uri="{FF2B5EF4-FFF2-40B4-BE49-F238E27FC236}">
-                <a16:creationId xmlns:a16="http://schemas.microsoft.com/office/drawing/2014/main" xmlns="" id="{08B83FF7-B7FA-49EF-B876-329C02BAD0F9}"/>
+                <a16:creationId xmlns:a16="http://schemas.microsoft.com/office/drawing/2014/main" id="{08B83FF7-B7FA-49EF-B876-329C02BAD0F9}"/>
               </a:ext>
             </a:extLst>
           </p:cNvPr>
@@ -1996,7 +2007,7 @@
           <p:cNvPr id="5" name="슬라이드 번호 개체 틀 4">
             <a:extLst>
               <a:ext uri="{FF2B5EF4-FFF2-40B4-BE49-F238E27FC236}">
-                <a16:creationId xmlns:a16="http://schemas.microsoft.com/office/drawing/2014/main" xmlns="" id="{691300FE-D11A-4BB0-96E3-B327836D218C}"/>
+                <a16:creationId xmlns:a16="http://schemas.microsoft.com/office/drawing/2014/main" id="{691300FE-D11A-4BB0-96E3-B327836D218C}"/>
               </a:ext>
             </a:extLst>
           </p:cNvPr>
@@ -2055,7 +2066,7 @@
           <p:cNvPr id="2" name="날짜 개체 틀 1">
             <a:extLst>
               <a:ext uri="{FF2B5EF4-FFF2-40B4-BE49-F238E27FC236}">
-                <a16:creationId xmlns:a16="http://schemas.microsoft.com/office/drawing/2014/main" xmlns="" id="{F7CBC2D7-DCBC-4880-A4B6-AAC035DFBC6E}"/>
+                <a16:creationId xmlns:a16="http://schemas.microsoft.com/office/drawing/2014/main" id="{F7CBC2D7-DCBC-4880-A4B6-AAC035DFBC6E}"/>
               </a:ext>
             </a:extLst>
           </p:cNvPr>
@@ -2073,7 +2084,7 @@
           <a:p>
             <a:fld id="{1B1D02C3-EB5A-43ED-B5B8-9288D9E43D0B}" type="datetimeFigureOut">
               <a:rPr lang="ko-KR" altLang="en-US" smtClean="0"/>
-              <a:t>2025-04-06</a:t>
+              <a:t>2025-04-08</a:t>
             </a:fld>
             <a:endParaRPr lang="ko-KR" altLang="en-US"/>
           </a:p>
@@ -2084,7 +2095,7 @@
           <p:cNvPr id="3" name="바닥글 개체 틀 2">
             <a:extLst>
               <a:ext uri="{FF2B5EF4-FFF2-40B4-BE49-F238E27FC236}">
-                <a16:creationId xmlns:a16="http://schemas.microsoft.com/office/drawing/2014/main" xmlns="" id="{FC4A4D1A-329B-485F-B7AC-D25048B3F9BC}"/>
+                <a16:creationId xmlns:a16="http://schemas.microsoft.com/office/drawing/2014/main" id="{FC4A4D1A-329B-485F-B7AC-D25048B3F9BC}"/>
               </a:ext>
             </a:extLst>
           </p:cNvPr>
@@ -2109,7 +2120,7 @@
           <p:cNvPr id="4" name="슬라이드 번호 개체 틀 3">
             <a:extLst>
               <a:ext uri="{FF2B5EF4-FFF2-40B4-BE49-F238E27FC236}">
-                <a16:creationId xmlns:a16="http://schemas.microsoft.com/office/drawing/2014/main" xmlns="" id="{22075871-B70F-4348-A936-BD2C603E378B}"/>
+                <a16:creationId xmlns:a16="http://schemas.microsoft.com/office/drawing/2014/main" id="{22075871-B70F-4348-A936-BD2C603E378B}"/>
               </a:ext>
             </a:extLst>
           </p:cNvPr>
@@ -2168,7 +2179,7 @@
           <p:cNvPr id="2" name="제목 1">
             <a:extLst>
               <a:ext uri="{FF2B5EF4-FFF2-40B4-BE49-F238E27FC236}">
-                <a16:creationId xmlns:a16="http://schemas.microsoft.com/office/drawing/2014/main" xmlns="" id="{E3C10B91-8275-46A5-A43C-06086FA145C1}"/>
+                <a16:creationId xmlns:a16="http://schemas.microsoft.com/office/drawing/2014/main" id="{E3C10B91-8275-46A5-A43C-06086FA145C1}"/>
               </a:ext>
             </a:extLst>
           </p:cNvPr>
@@ -2205,7 +2216,7 @@
           <p:cNvPr id="3" name="내용 개체 틀 2">
             <a:extLst>
               <a:ext uri="{FF2B5EF4-FFF2-40B4-BE49-F238E27FC236}">
-                <a16:creationId xmlns:a16="http://schemas.microsoft.com/office/drawing/2014/main" xmlns="" id="{8FA1028C-1BEB-4FAA-98FF-5A88D0F23416}"/>
+                <a16:creationId xmlns:a16="http://schemas.microsoft.com/office/drawing/2014/main" id="{8FA1028C-1BEB-4FAA-98FF-5A88D0F23416}"/>
               </a:ext>
             </a:extLst>
           </p:cNvPr>
@@ -2295,7 +2306,7 @@
           <p:cNvPr id="4" name="텍스트 개체 틀 3">
             <a:extLst>
               <a:ext uri="{FF2B5EF4-FFF2-40B4-BE49-F238E27FC236}">
-                <a16:creationId xmlns:a16="http://schemas.microsoft.com/office/drawing/2014/main" xmlns="" id="{1A09C394-A32D-4570-8724-5A8514A1CB1E}"/>
+                <a16:creationId xmlns:a16="http://schemas.microsoft.com/office/drawing/2014/main" id="{1A09C394-A32D-4570-8724-5A8514A1CB1E}"/>
               </a:ext>
             </a:extLst>
           </p:cNvPr>
@@ -2366,7 +2377,7 @@
           <p:cNvPr id="5" name="날짜 개체 틀 4">
             <a:extLst>
               <a:ext uri="{FF2B5EF4-FFF2-40B4-BE49-F238E27FC236}">
-                <a16:creationId xmlns:a16="http://schemas.microsoft.com/office/drawing/2014/main" xmlns="" id="{6E3539DD-228E-4DD0-949B-352571FD5A6A}"/>
+                <a16:creationId xmlns:a16="http://schemas.microsoft.com/office/drawing/2014/main" id="{6E3539DD-228E-4DD0-949B-352571FD5A6A}"/>
               </a:ext>
             </a:extLst>
           </p:cNvPr>
@@ -2384,7 +2395,7 @@
           <a:p>
             <a:fld id="{1B1D02C3-EB5A-43ED-B5B8-9288D9E43D0B}" type="datetimeFigureOut">
               <a:rPr lang="ko-KR" altLang="en-US" smtClean="0"/>
-              <a:t>2025-04-06</a:t>
+              <a:t>2025-04-08</a:t>
             </a:fld>
             <a:endParaRPr lang="ko-KR" altLang="en-US"/>
           </a:p>
@@ -2395,7 +2406,7 @@
           <p:cNvPr id="6" name="바닥글 개체 틀 5">
             <a:extLst>
               <a:ext uri="{FF2B5EF4-FFF2-40B4-BE49-F238E27FC236}">
-                <a16:creationId xmlns:a16="http://schemas.microsoft.com/office/drawing/2014/main" xmlns="" id="{CCCF2E96-C919-481B-9E58-6BE49EC2A445}"/>
+                <a16:creationId xmlns:a16="http://schemas.microsoft.com/office/drawing/2014/main" id="{CCCF2E96-C919-481B-9E58-6BE49EC2A445}"/>
               </a:ext>
             </a:extLst>
           </p:cNvPr>
@@ -2420,7 +2431,7 @@
           <p:cNvPr id="7" name="슬라이드 번호 개체 틀 6">
             <a:extLst>
               <a:ext uri="{FF2B5EF4-FFF2-40B4-BE49-F238E27FC236}">
-                <a16:creationId xmlns:a16="http://schemas.microsoft.com/office/drawing/2014/main" xmlns="" id="{4D4EB589-17B4-4485-B6CD-4929237B39BF}"/>
+                <a16:creationId xmlns:a16="http://schemas.microsoft.com/office/drawing/2014/main" id="{4D4EB589-17B4-4485-B6CD-4929237B39BF}"/>
               </a:ext>
             </a:extLst>
           </p:cNvPr>
@@ -2479,7 +2490,7 @@
           <p:cNvPr id="2" name="제목 1">
             <a:extLst>
               <a:ext uri="{FF2B5EF4-FFF2-40B4-BE49-F238E27FC236}">
-                <a16:creationId xmlns:a16="http://schemas.microsoft.com/office/drawing/2014/main" xmlns="" id="{EA8FB325-780D-4624-AC83-83FA92C4DDBF}"/>
+                <a16:creationId xmlns:a16="http://schemas.microsoft.com/office/drawing/2014/main" id="{EA8FB325-780D-4624-AC83-83FA92C4DDBF}"/>
               </a:ext>
             </a:extLst>
           </p:cNvPr>
@@ -2516,7 +2527,7 @@
           <p:cNvPr id="3" name="그림 개체 틀 2">
             <a:extLst>
               <a:ext uri="{FF2B5EF4-FFF2-40B4-BE49-F238E27FC236}">
-                <a16:creationId xmlns:a16="http://schemas.microsoft.com/office/drawing/2014/main" xmlns="" id="{1D84C046-1952-4E46-83D3-2AB6CC245A18}"/>
+                <a16:creationId xmlns:a16="http://schemas.microsoft.com/office/drawing/2014/main" id="{1D84C046-1952-4E46-83D3-2AB6CC245A18}"/>
               </a:ext>
             </a:extLst>
           </p:cNvPr>
@@ -2583,7 +2594,7 @@
           <p:cNvPr id="4" name="텍스트 개체 틀 3">
             <a:extLst>
               <a:ext uri="{FF2B5EF4-FFF2-40B4-BE49-F238E27FC236}">
-                <a16:creationId xmlns:a16="http://schemas.microsoft.com/office/drawing/2014/main" xmlns="" id="{42E08000-72AE-4250-BB04-D7489452917C}"/>
+                <a16:creationId xmlns:a16="http://schemas.microsoft.com/office/drawing/2014/main" id="{42E08000-72AE-4250-BB04-D7489452917C}"/>
               </a:ext>
             </a:extLst>
           </p:cNvPr>
@@ -2654,7 +2665,7 @@
           <p:cNvPr id="5" name="날짜 개체 틀 4">
             <a:extLst>
               <a:ext uri="{FF2B5EF4-FFF2-40B4-BE49-F238E27FC236}">
-                <a16:creationId xmlns:a16="http://schemas.microsoft.com/office/drawing/2014/main" xmlns="" id="{7684654B-F678-4763-B626-71DE3B55795C}"/>
+                <a16:creationId xmlns:a16="http://schemas.microsoft.com/office/drawing/2014/main" id="{7684654B-F678-4763-B626-71DE3B55795C}"/>
               </a:ext>
             </a:extLst>
           </p:cNvPr>
@@ -2672,7 +2683,7 @@
           <a:p>
             <a:fld id="{1B1D02C3-EB5A-43ED-B5B8-9288D9E43D0B}" type="datetimeFigureOut">
               <a:rPr lang="ko-KR" altLang="en-US" smtClean="0"/>
-              <a:t>2025-04-06</a:t>
+              <a:t>2025-04-08</a:t>
             </a:fld>
             <a:endParaRPr lang="ko-KR" altLang="en-US"/>
           </a:p>
@@ -2683,7 +2694,7 @@
           <p:cNvPr id="6" name="바닥글 개체 틀 5">
             <a:extLst>
               <a:ext uri="{FF2B5EF4-FFF2-40B4-BE49-F238E27FC236}">
-                <a16:creationId xmlns:a16="http://schemas.microsoft.com/office/drawing/2014/main" xmlns="" id="{5BF065D5-E560-4B22-BAD8-FB8AD5695A2E}"/>
+                <a16:creationId xmlns:a16="http://schemas.microsoft.com/office/drawing/2014/main" id="{5BF065D5-E560-4B22-BAD8-FB8AD5695A2E}"/>
               </a:ext>
             </a:extLst>
           </p:cNvPr>
@@ -2708,7 +2719,7 @@
           <p:cNvPr id="7" name="슬라이드 번호 개체 틀 6">
             <a:extLst>
               <a:ext uri="{FF2B5EF4-FFF2-40B4-BE49-F238E27FC236}">
-                <a16:creationId xmlns:a16="http://schemas.microsoft.com/office/drawing/2014/main" xmlns="" id="{940DB793-4667-45D7-A9F9-9D06424498C1}"/>
+                <a16:creationId xmlns:a16="http://schemas.microsoft.com/office/drawing/2014/main" id="{940DB793-4667-45D7-A9F9-9D06424498C1}"/>
               </a:ext>
             </a:extLst>
           </p:cNvPr>
@@ -2772,7 +2783,7 @@
           <p:cNvPr id="2" name="제목 개체 틀 1">
             <a:extLst>
               <a:ext uri="{FF2B5EF4-FFF2-40B4-BE49-F238E27FC236}">
-                <a16:creationId xmlns:a16="http://schemas.microsoft.com/office/drawing/2014/main" xmlns="" id="{1BADC848-96B3-4363-8E3A-F32A1A2F439C}"/>
+                <a16:creationId xmlns:a16="http://schemas.microsoft.com/office/drawing/2014/main" id="{1BADC848-96B3-4363-8E3A-F32A1A2F439C}"/>
               </a:ext>
             </a:extLst>
           </p:cNvPr>
@@ -2810,7 +2821,7 @@
           <p:cNvPr id="3" name="텍스트 개체 틀 2">
             <a:extLst>
               <a:ext uri="{FF2B5EF4-FFF2-40B4-BE49-F238E27FC236}">
-                <a16:creationId xmlns:a16="http://schemas.microsoft.com/office/drawing/2014/main" xmlns="" id="{B9A3C17F-70E5-46C5-94CC-4C031AE1C4CD}"/>
+                <a16:creationId xmlns:a16="http://schemas.microsoft.com/office/drawing/2014/main" id="{B9A3C17F-70E5-46C5-94CC-4C031AE1C4CD}"/>
               </a:ext>
             </a:extLst>
           </p:cNvPr>
@@ -2877,7 +2888,7 @@
           <p:cNvPr id="4" name="날짜 개체 틀 3">
             <a:extLst>
               <a:ext uri="{FF2B5EF4-FFF2-40B4-BE49-F238E27FC236}">
-                <a16:creationId xmlns:a16="http://schemas.microsoft.com/office/drawing/2014/main" xmlns="" id="{9695ED33-059A-4E1E-8BBA-44215243CCC7}"/>
+                <a16:creationId xmlns:a16="http://schemas.microsoft.com/office/drawing/2014/main" id="{9695ED33-059A-4E1E-8BBA-44215243CCC7}"/>
               </a:ext>
             </a:extLst>
           </p:cNvPr>
@@ -2913,7 +2924,7 @@
           <a:p>
             <a:fld id="{1B1D02C3-EB5A-43ED-B5B8-9288D9E43D0B}" type="datetimeFigureOut">
               <a:rPr lang="ko-KR" altLang="en-US" smtClean="0"/>
-              <a:t>2025-04-06</a:t>
+              <a:t>2025-04-08</a:t>
             </a:fld>
             <a:endParaRPr lang="ko-KR" altLang="en-US"/>
           </a:p>
@@ -2924,7 +2935,7 @@
           <p:cNvPr id="5" name="바닥글 개체 틀 4">
             <a:extLst>
               <a:ext uri="{FF2B5EF4-FFF2-40B4-BE49-F238E27FC236}">
-                <a16:creationId xmlns:a16="http://schemas.microsoft.com/office/drawing/2014/main" xmlns="" id="{3705C714-97C0-45C9-931B-C85D44DDF8FB}"/>
+                <a16:creationId xmlns:a16="http://schemas.microsoft.com/office/drawing/2014/main" id="{3705C714-97C0-45C9-931B-C85D44DDF8FB}"/>
               </a:ext>
             </a:extLst>
           </p:cNvPr>
@@ -2967,7 +2978,7 @@
           <p:cNvPr id="6" name="슬라이드 번호 개체 틀 5">
             <a:extLst>
               <a:ext uri="{FF2B5EF4-FFF2-40B4-BE49-F238E27FC236}">
-                <a16:creationId xmlns:a16="http://schemas.microsoft.com/office/drawing/2014/main" xmlns="" id="{770DE1ED-ECC9-487E-AD69-87D76C2FF13D}"/>
+                <a16:creationId xmlns:a16="http://schemas.microsoft.com/office/drawing/2014/main" id="{770DE1ED-ECC9-487E-AD69-87D76C2FF13D}"/>
               </a:ext>
             </a:extLst>
           </p:cNvPr>
@@ -3384,7 +3395,7 @@
           <p:cNvPr id="8" name="TextBox 7">
             <a:extLst>
               <a:ext uri="{FF2B5EF4-FFF2-40B4-BE49-F238E27FC236}">
-                <a16:creationId xmlns:a16="http://schemas.microsoft.com/office/drawing/2014/main" xmlns="" id="{662110B8-D14B-4879-9CBC-FF10B2BFAA16}"/>
+                <a16:creationId xmlns:a16="http://schemas.microsoft.com/office/drawing/2014/main" id="{662110B8-D14B-4879-9CBC-FF10B2BFAA16}"/>
               </a:ext>
             </a:extLst>
           </p:cNvPr>
@@ -3408,7 +3419,7 @@
           <a:lstStyle/>
           <a:p>
             <a:r>
-              <a:rPr lang="en-US" altLang="ko-KR" sz="3600" b="1" dirty="0" smtClean="0">
+              <a:rPr lang="en-US" altLang="ko-KR" sz="3600" b="1" dirty="0">
                 <a:solidFill>
                   <a:schemeClr val="bg1">
                     <a:lumMod val="75000"/>
@@ -3418,7 +3429,7 @@
               <a:t>The </a:t>
             </a:r>
             <a:r>
-              <a:rPr lang="en-US" altLang="ko-KR" sz="3600" b="1" dirty="0" err="1" smtClean="0">
+              <a:rPr lang="en-US" altLang="ko-KR" sz="3600" b="1" dirty="0" err="1">
                 <a:solidFill>
                   <a:schemeClr val="bg1">
                     <a:lumMod val="75000"/>
@@ -3428,7 +3439,7 @@
               <a:t>Joeun</a:t>
             </a:r>
             <a:r>
-              <a:rPr lang="en-US" altLang="ko-KR" sz="3600" b="1" dirty="0" smtClean="0">
+              <a:rPr lang="en-US" altLang="ko-KR" sz="3600" b="1" dirty="0">
                 <a:solidFill>
                   <a:schemeClr val="bg1">
                     <a:lumMod val="75000"/>
@@ -3452,7 +3463,7 @@
           <p:cNvPr id="9" name="TextBox 8">
             <a:extLst>
               <a:ext uri="{FF2B5EF4-FFF2-40B4-BE49-F238E27FC236}">
-                <a16:creationId xmlns:a16="http://schemas.microsoft.com/office/drawing/2014/main" xmlns="" id="{D1435553-D930-43D6-BBD7-3D78F760CF8E}"/>
+                <a16:creationId xmlns:a16="http://schemas.microsoft.com/office/drawing/2014/main" id="{D1435553-D930-43D6-BBD7-3D78F760CF8E}"/>
               </a:ext>
             </a:extLst>
           </p:cNvPr>
@@ -3542,7 +3553,7 @@
           <p:cNvPr id="2" name="제목 1">
             <a:extLst>
               <a:ext uri="{FF2B5EF4-FFF2-40B4-BE49-F238E27FC236}">
-                <a16:creationId xmlns:a16="http://schemas.microsoft.com/office/drawing/2014/main" xmlns="" id="{EE988003-2CBE-451C-992D-939DFC1C63A6}"/>
+                <a16:creationId xmlns:a16="http://schemas.microsoft.com/office/drawing/2014/main" id="{EE988003-2CBE-451C-992D-939DFC1C63A6}"/>
               </a:ext>
             </a:extLst>
           </p:cNvPr>
@@ -3575,21 +3586,12 @@
             </a:r>
             <a:r>
               <a:rPr lang="en-US" altLang="ko-KR" b="1" dirty="0"/>
-              <a:t> </a:t>
-            </a:r>
-            <a:r>
-              <a:rPr lang="en-US" altLang="ko-KR" b="1" dirty="0" smtClean="0"/>
-              <a:t>Movie</a:t>
+              <a:t> Movie</a:t>
             </a:r>
             <a:r>
               <a:rPr lang="ko-KR" altLang="en-US" dirty="0"/>
-              <a:t> </a:t>
-            </a:r>
-            <a:r>
-              <a:rPr lang="ko-KR" altLang="en-US" dirty="0" smtClean="0"/>
-              <a:t>기능</a:t>
-            </a:r>
-            <a:endParaRPr lang="ko-KR" altLang="en-US" dirty="0"/>
+              <a:t> 기능</a:t>
+            </a:r>
           </a:p>
         </p:txBody>
       </p:sp>
@@ -3598,7 +3600,7 @@
           <p:cNvPr id="3" name="내용 개체 틀 2">
             <a:extLst>
               <a:ext uri="{FF2B5EF4-FFF2-40B4-BE49-F238E27FC236}">
-                <a16:creationId xmlns:a16="http://schemas.microsoft.com/office/drawing/2014/main" xmlns="" id="{43140D36-B20C-44D0-90CE-6785341CAA00}"/>
+                <a16:creationId xmlns:a16="http://schemas.microsoft.com/office/drawing/2014/main" id="{43140D36-B20C-44D0-90CE-6785341CAA00}"/>
               </a:ext>
             </a:extLst>
           </p:cNvPr>
@@ -3634,28 +3636,10 @@
               <a:t> Movie </a:t>
             </a:r>
             <a:r>
-              <a:rPr lang="ko-KR" altLang="en-US" sz="2000" dirty="0" smtClean="0">
-                <a:latin typeface="+mj-lt"/>
-              </a:rPr>
-              <a:t>는 </a:t>
-            </a:r>
-            <a:r>
-              <a:rPr lang="ko-KR" altLang="en-US" sz="2000" dirty="0" smtClean="0">
-                <a:latin typeface="+mj-lt"/>
-              </a:rPr>
-              <a:t>영화</a:t>
-            </a:r>
-            <a:r>
-              <a:rPr lang="ko-KR" altLang="en-US" sz="2000" dirty="0" smtClean="0">
-                <a:latin typeface="+mj-lt"/>
-              </a:rPr>
-              <a:t> </a:t>
-            </a:r>
-            <a:r>
               <a:rPr lang="ko-KR" altLang="en-US" sz="2000" dirty="0">
                 <a:latin typeface="+mj-lt"/>
               </a:rPr>
-              <a:t>조회</a:t>
+              <a:t>는 영화 조회</a:t>
             </a:r>
             <a:r>
               <a:rPr lang="en-US" altLang="ko-KR" sz="2000" dirty="0">
@@ -3679,22 +3663,10 @@
               <a:rPr lang="ko-KR" altLang="en-US" sz="2000" dirty="0">
                 <a:latin typeface="+mj-lt"/>
               </a:rPr>
-              <a:t>프로그램을 시작하면 사용자는 </a:t>
-            </a:r>
-            <a:r>
-              <a:rPr lang="ko-KR" altLang="en-US" sz="2000" dirty="0" smtClean="0">
-                <a:latin typeface="+mj-lt"/>
-              </a:rPr>
-              <a:t>영화 목록 </a:t>
-            </a:r>
-            <a:r>
-              <a:rPr lang="ko-KR" altLang="en-US" sz="2000" dirty="0">
-                <a:latin typeface="+mj-lt"/>
-              </a:rPr>
-              <a:t>조회 및 예약을 할 수 있습니다</a:t>
-            </a:r>
-            <a:r>
-              <a:rPr lang="en-US" altLang="ko-KR" sz="2000" dirty="0" smtClean="0">
+              <a:t>프로그램을 시작하면 사용자는 영화 목록 조회 및 예약을 할 수 있습니다</a:t>
+            </a:r>
+            <a:r>
+              <a:rPr lang="en-US" altLang="ko-KR" sz="2000" dirty="0">
                 <a:latin typeface="+mj-lt"/>
               </a:rPr>
               <a:t>.</a:t>
@@ -3707,20 +3679,17 @@
               </a:lnSpc>
             </a:pPr>
             <a:r>
-              <a:rPr lang="ko-KR" altLang="en-US" sz="2000" dirty="0" smtClean="0">
+              <a:rPr lang="ko-KR" altLang="en-US" sz="2000" dirty="0">
                 <a:latin typeface="+mj-lt"/>
               </a:rPr>
               <a:t>영화 목록은 극장에서 상영중인 영화의 전체 목록과 정보를 조회할 수 있습니다</a:t>
             </a:r>
             <a:r>
-              <a:rPr lang="en-US" altLang="ko-KR" sz="2000" dirty="0" smtClean="0">
+              <a:rPr lang="en-US" altLang="ko-KR" sz="2000" dirty="0">
                 <a:latin typeface="+mj-lt"/>
               </a:rPr>
               <a:t>.</a:t>
             </a:r>
-            <a:endParaRPr lang="en-US" altLang="ko-KR" sz="2000" dirty="0">
-              <a:latin typeface="+mj-lt"/>
-            </a:endParaRPr>
           </a:p>
           <a:p>
             <a:pPr>
@@ -3729,104 +3698,89 @@
               </a:lnSpc>
             </a:pPr>
             <a:r>
-              <a:rPr lang="ko-KR" altLang="en-US" sz="2000" dirty="0" smtClean="0">
-                <a:latin typeface="+mj-lt"/>
-              </a:rPr>
-              <a:t>영화 예매 </a:t>
-            </a:r>
-            <a:r>
               <a:rPr lang="ko-KR" altLang="en-US" sz="2000" dirty="0">
                 <a:latin typeface="+mj-lt"/>
               </a:rPr>
-              <a:t>메뉴에서는 </a:t>
-            </a:r>
-            <a:r>
-              <a:rPr lang="ko-KR" altLang="en-US" sz="2000" dirty="0" smtClean="0">
-                <a:latin typeface="+mj-lt"/>
-              </a:rPr>
-              <a:t>당일 현재 시각에서 예매할 수 있는 영화만 목록으로 보여주고</a:t>
-            </a:r>
-            <a:r>
-              <a:rPr lang="en-US" altLang="ko-KR" sz="2000" dirty="0" smtClean="0">
+              <a:t>영화 예매 메뉴에서는 당일 현재 시각에서 예매할 수 있는 영화만 목록으로 보여주고</a:t>
+            </a:r>
+            <a:r>
+              <a:rPr lang="en-US" altLang="ko-KR" sz="2000" dirty="0">
                 <a:latin typeface="+mj-lt"/>
               </a:rPr>
               <a:t>, </a:t>
             </a:r>
             <a:r>
-              <a:rPr lang="ko-KR" altLang="en-US" sz="2000" dirty="0" smtClean="0">
+              <a:rPr lang="ko-KR" altLang="en-US" sz="2000" dirty="0">
                 <a:latin typeface="+mj-lt"/>
               </a:rPr>
               <a:t>예매자의 이름과 생년월일을 입력 후 영화를 선택합니다</a:t>
             </a:r>
             <a:r>
-              <a:rPr lang="en-US" altLang="ko-KR" sz="2000" dirty="0" smtClean="0">
+              <a:rPr lang="en-US" altLang="ko-KR" sz="2000" dirty="0">
                 <a:latin typeface="+mj-lt"/>
               </a:rPr>
               <a:t>. </a:t>
             </a:r>
             <a:r>
-              <a:rPr lang="ko-KR" altLang="en-US" sz="2000" dirty="0" smtClean="0">
+              <a:rPr lang="ko-KR" altLang="en-US" sz="2000" dirty="0">
                 <a:latin typeface="+mj-lt"/>
               </a:rPr>
               <a:t>영화의 </a:t>
             </a:r>
             <a:r>
-              <a:rPr lang="ko-KR" altLang="en-US" sz="2000" dirty="0" err="1" smtClean="0">
+              <a:rPr lang="ko-KR" altLang="en-US" sz="2000" dirty="0" err="1">
                 <a:latin typeface="+mj-lt"/>
               </a:rPr>
               <a:t>제한연령가에</a:t>
             </a:r>
             <a:r>
-              <a:rPr lang="ko-KR" altLang="en-US" sz="2000" dirty="0" smtClean="0">
+              <a:rPr lang="ko-KR" altLang="en-US" sz="2000" dirty="0">
                 <a:latin typeface="+mj-lt"/>
               </a:rPr>
               <a:t> 따라 나이가 제한되면 예매가 거절됩니다</a:t>
             </a:r>
             <a:r>
-              <a:rPr lang="en-US" altLang="ko-KR" sz="2000" dirty="0" smtClean="0">
+              <a:rPr lang="en-US" altLang="ko-KR" sz="2000" dirty="0">
                 <a:latin typeface="+mj-lt"/>
               </a:rPr>
               <a:t>. </a:t>
             </a:r>
             <a:r>
-              <a:rPr lang="ko-KR" altLang="en-US" sz="2000" dirty="0" smtClean="0">
+              <a:rPr lang="ko-KR" altLang="en-US" sz="2000" dirty="0">
                 <a:latin typeface="+mj-lt"/>
               </a:rPr>
               <a:t>관람연령에 문제가 없는 경우 좌석 선택 메뉴로 이동하며</a:t>
             </a:r>
             <a:r>
-              <a:rPr lang="en-US" altLang="ko-KR" sz="2000" dirty="0" smtClean="0">
+              <a:rPr lang="en-US" altLang="ko-KR" sz="2000" dirty="0">
                 <a:latin typeface="+mj-lt"/>
               </a:rPr>
               <a:t>, </a:t>
             </a:r>
             <a:r>
-              <a:rPr lang="ko-KR" altLang="en-US" sz="2000" dirty="0" smtClean="0">
+              <a:rPr lang="ko-KR" altLang="en-US" sz="2000" dirty="0">
                 <a:latin typeface="+mj-lt"/>
               </a:rPr>
               <a:t>이미 예매된 좌석은 예약이 불가합니다</a:t>
             </a:r>
             <a:r>
-              <a:rPr lang="en-US" altLang="ko-KR" sz="2000" dirty="0" smtClean="0">
+              <a:rPr lang="en-US" altLang="ko-KR" sz="2000" dirty="0">
                 <a:latin typeface="+mj-lt"/>
               </a:rPr>
               <a:t>. </a:t>
             </a:r>
             <a:r>
-              <a:rPr lang="ko-KR" altLang="en-US" sz="2000" dirty="0" smtClean="0">
+              <a:rPr lang="ko-KR" altLang="en-US" sz="2000" dirty="0">
                 <a:latin typeface="+mj-lt"/>
               </a:rPr>
               <a:t>빈 좌석의 번호를 선택하면 정상적으로 예매가 완료됩니다</a:t>
             </a:r>
             <a:r>
-              <a:rPr lang="en-US" altLang="ko-KR" sz="2000" dirty="0" smtClean="0">
+              <a:rPr lang="en-US" altLang="ko-KR" sz="2000" dirty="0">
                 <a:latin typeface="+mj-lt"/>
               </a:rPr>
               <a:t>.</a:t>
             </a:r>
-            <a:endParaRPr lang="en-US" altLang="ko-KR" sz="2000" dirty="0" smtClean="0">
-              <a:latin typeface="+mj-lt"/>
-            </a:endParaRPr>
           </a:p>
           <a:p>
             <a:pPr>
@@ -3835,28 +3789,10 @@
               </a:lnSpc>
             </a:pPr>
             <a:r>
-              <a:rPr lang="ko-KR" altLang="en-US" sz="2000" dirty="0" smtClean="0">
-                <a:latin typeface="+mj-lt"/>
-              </a:rPr>
-              <a:t>예매가 </a:t>
-            </a:r>
-            <a:r>
               <a:rPr lang="ko-KR" altLang="en-US" sz="2000" dirty="0">
                 <a:latin typeface="+mj-lt"/>
               </a:rPr>
-              <a:t>완료하면 </a:t>
-            </a:r>
-            <a:r>
-              <a:rPr lang="ko-KR" altLang="en-US" sz="2000" dirty="0" smtClean="0">
-                <a:latin typeface="+mj-lt"/>
-              </a:rPr>
-              <a:t>예매자의 </a:t>
-            </a:r>
-            <a:r>
-              <a:rPr lang="ko-KR" altLang="en-US" sz="2000" dirty="0">
-                <a:latin typeface="+mj-lt"/>
-              </a:rPr>
-              <a:t>이름과 결제 비밀번호를 입력 받아 예약 조회</a:t>
+              <a:t>예매가 완료하면 예매자의 이름과 결제 비밀번호를 입력 받아 예약 조회</a:t>
             </a:r>
             <a:r>
               <a:rPr lang="en-US" altLang="ko-KR" sz="2000" dirty="0">
@@ -3890,34 +3826,20 @@
               <a:t>항공편 업로드 메뉴를 선택하면 </a:t>
             </a:r>
             <a:r>
-              <a:rPr lang="en-US" altLang="ko-KR" sz="2000" dirty="0" smtClean="0">
+              <a:rPr lang="en-US" altLang="ko-KR" sz="2000" dirty="0">
                 <a:latin typeface="+mj-lt"/>
               </a:rPr>
               <a:t>‘</a:t>
             </a:r>
             <a:r>
-              <a:rPr lang="en-US" altLang="ko-KR" sz="1800" dirty="0" smtClean="0"/>
-              <a:t>D:\\</a:t>
-            </a:r>
-            <a:r>
               <a:rPr lang="en-US" altLang="ko-KR" sz="1800" dirty="0"/>
-              <a:t>ticket\\</a:t>
-            </a:r>
-            <a:r>
-              <a:rPr lang="en-US" altLang="ko-KR" sz="1800" dirty="0" smtClean="0"/>
-              <a:t>addMonvieList.txt </a:t>
-            </a:r>
-            <a:r>
-              <a:rPr lang="ko-KR" altLang="en-US" sz="2000" dirty="0" smtClean="0">
-                <a:latin typeface="+mj-lt"/>
-              </a:rPr>
-              <a:t>파일을 </a:t>
+              <a:t>D:\\ticket\\addMonvieList.txt </a:t>
             </a:r>
             <a:r>
               <a:rPr lang="ko-KR" altLang="en-US" sz="2000" dirty="0">
                 <a:latin typeface="+mj-lt"/>
               </a:rPr>
-              <a:t>불러와 항공편 목록에 추가 할 수 있습니다</a:t>
+              <a:t>파일을 불러와 항공편 목록에 추가 할 수 있습니다</a:t>
             </a:r>
             <a:r>
               <a:rPr lang="en-US" altLang="ko-KR" sz="2000" dirty="0">
@@ -3966,7 +3888,7 @@
           <p:cNvPr id="2" name="제목 1">
             <a:extLst>
               <a:ext uri="{FF2B5EF4-FFF2-40B4-BE49-F238E27FC236}">
-                <a16:creationId xmlns:a16="http://schemas.microsoft.com/office/drawing/2014/main" xmlns="" id="{7389F732-4FF3-430E-BA89-C88923AA5B8C}"/>
+                <a16:creationId xmlns:a16="http://schemas.microsoft.com/office/drawing/2014/main" id="{7389F732-4FF3-430E-BA89-C88923AA5B8C}"/>
               </a:ext>
             </a:extLst>
           </p:cNvPr>
@@ -4003,2356 +3925,2269 @@
               <a:rPr lang="ko-KR" altLang="en-US" dirty="0"/>
               <a:t> 설계</a:t>
             </a:r>
-            <a:endParaRPr lang="ko-KR" altLang="en-US" dirty="0"/>
-          </a:p>
-        </p:txBody>
-      </p:sp>
-      <p:grpSp>
-        <p:nvGrpSpPr>
-          <p:cNvPr id="3" name="그룹 2">
-            <a:extLst>
-              <a:ext uri="{FF2B5EF4-FFF2-40B4-BE49-F238E27FC236}">
-                <a16:creationId xmlns:a16="http://schemas.microsoft.com/office/drawing/2014/main" xmlns="" id="{AFE75811-B5CF-4DC5-91A9-31310C541A7E}"/>
-              </a:ext>
-            </a:extLst>
-          </p:cNvPr>
-          <p:cNvGrpSpPr/>
+          </a:p>
+        </p:txBody>
+      </p:sp>
+      <p:sp>
+        <p:nvSpPr>
+          <p:cNvPr id="4" name="순서도: 대체 처리 3">
+            <a:extLst>
+              <a:ext uri="{FF2B5EF4-FFF2-40B4-BE49-F238E27FC236}">
+                <a16:creationId xmlns:a16="http://schemas.microsoft.com/office/drawing/2014/main" id="{F04F56D2-8BB2-4264-B18A-43A6AE620560}"/>
+              </a:ext>
+            </a:extLst>
+          </p:cNvPr>
+          <p:cNvSpPr/>
           <p:nvPr/>
-        </p:nvGrpSpPr>
-        <p:grpSpPr>
-          <a:xfrm>
-            <a:off x="765992" y="1665521"/>
-            <a:ext cx="10660015" cy="4692440"/>
-            <a:chOff x="405064" y="1775336"/>
-            <a:chExt cx="11141393" cy="4904338"/>
-          </a:xfrm>
-        </p:grpSpPr>
-        <p:sp>
-          <p:nvSpPr>
-            <p:cNvPr id="4" name="순서도: 대체 처리 3">
-              <a:extLst>
-                <a:ext uri="{FF2B5EF4-FFF2-40B4-BE49-F238E27FC236}">
-                  <a16:creationId xmlns:a16="http://schemas.microsoft.com/office/drawing/2014/main" xmlns="" id="{F04F56D2-8BB2-4264-B18A-43A6AE620560}"/>
-                </a:ext>
-              </a:extLst>
-            </p:cNvPr>
-            <p:cNvSpPr/>
-            <p:nvPr/>
-          </p:nvSpPr>
-          <p:spPr>
-            <a:xfrm>
-              <a:off x="405064" y="1775336"/>
-              <a:ext cx="1355708" cy="805392"/>
-            </a:xfrm>
-            <a:prstGeom prst="flowChartAlternateProcess">
-              <a:avLst/>
-            </a:prstGeom>
-            <a:solidFill>
-              <a:schemeClr val="dk1"/>
-            </a:solidFill>
-            <a:ln>
-              <a:noFill/>
-            </a:ln>
-            <a:effectLst>
-              <a:outerShdw blurRad="76200" dir="18900000" sy="23000" kx="-1200000" algn="bl" rotWithShape="0">
-                <a:prstClr val="black">
-                  <a:alpha val="20000"/>
-                </a:prstClr>
-              </a:outerShdw>
-            </a:effectLst>
-          </p:spPr>
-          <p:style>
-            <a:lnRef idx="0">
-              <a:scrgbClr r="0" g="0" b="0"/>
-            </a:lnRef>
-            <a:fillRef idx="0">
-              <a:scrgbClr r="0" g="0" b="0"/>
-            </a:fillRef>
-            <a:effectRef idx="0">
-              <a:scrgbClr r="0" g="0" b="0"/>
-            </a:effectRef>
-            <a:fontRef idx="minor">
-              <a:schemeClr val="lt1"/>
-            </a:fontRef>
-          </p:style>
-          <p:txBody>
-            <a:bodyPr rtlCol="0" anchor="ctr"/>
-            <a:lstStyle/>
-            <a:p>
-              <a:pPr algn="ctr"/>
-              <a:r>
-                <a:rPr lang="ko-KR" altLang="en-US" sz="1100" b="1" dirty="0" smtClean="0">
-                  <a:latin typeface="+mj-lt"/>
-                </a:rPr>
-                <a:t>영</a:t>
-              </a:r>
-              <a:r>
-                <a:rPr lang="ko-KR" altLang="en-US" sz="1100" b="1" dirty="0">
-                  <a:latin typeface="+mj-lt"/>
-                </a:rPr>
-                <a:t>화</a:t>
-              </a:r>
-              <a:r>
-                <a:rPr lang="ko-KR" altLang="en-US" sz="1100" b="1" dirty="0" smtClean="0">
-                  <a:latin typeface="+mj-lt"/>
-                </a:rPr>
-                <a:t> </a:t>
-              </a:r>
-              <a:r>
-                <a:rPr lang="ko-KR" altLang="en-US" sz="1100" b="1" dirty="0">
-                  <a:latin typeface="+mj-lt"/>
-                </a:rPr>
-                <a:t>목록</a:t>
-              </a:r>
-            </a:p>
-          </p:txBody>
-        </p:sp>
-        <p:sp>
-          <p:nvSpPr>
-            <p:cNvPr id="5" name="순서도: 대체 처리 4">
-              <a:extLst>
-                <a:ext uri="{FF2B5EF4-FFF2-40B4-BE49-F238E27FC236}">
-                  <a16:creationId xmlns:a16="http://schemas.microsoft.com/office/drawing/2014/main" xmlns="" id="{61336E03-0824-4196-9960-0D93DC431748}"/>
-                </a:ext>
-              </a:extLst>
-            </p:cNvPr>
-            <p:cNvSpPr/>
-            <p:nvPr/>
-          </p:nvSpPr>
-          <p:spPr>
-            <a:xfrm>
-              <a:off x="2362201" y="1775336"/>
-              <a:ext cx="1355708" cy="805392"/>
-            </a:xfrm>
-            <a:prstGeom prst="flowChartAlternateProcess">
-              <a:avLst/>
-            </a:prstGeom>
-            <a:solidFill>
-              <a:schemeClr val="dk1"/>
-            </a:solidFill>
-            <a:ln>
-              <a:noFill/>
-            </a:ln>
-            <a:effectLst>
-              <a:outerShdw blurRad="76200" dir="18900000" sy="23000" kx="-1200000" algn="bl" rotWithShape="0">
-                <a:prstClr val="black">
-                  <a:alpha val="20000"/>
-                </a:prstClr>
-              </a:outerShdw>
-            </a:effectLst>
-          </p:spPr>
-          <p:style>
-            <a:lnRef idx="0">
-              <a:scrgbClr r="0" g="0" b="0"/>
-            </a:lnRef>
-            <a:fillRef idx="0">
-              <a:scrgbClr r="0" g="0" b="0"/>
-            </a:fillRef>
-            <a:effectRef idx="0">
-              <a:scrgbClr r="0" g="0" b="0"/>
-            </a:effectRef>
-            <a:fontRef idx="minor">
-              <a:schemeClr val="lt1"/>
-            </a:fontRef>
-          </p:style>
-          <p:txBody>
-            <a:bodyPr rtlCol="0" anchor="ctr"/>
-            <a:lstStyle/>
-            <a:p>
-              <a:pPr algn="ctr"/>
-              <a:r>
-                <a:rPr lang="ko-KR" altLang="en-US" sz="1100" b="1" dirty="0" smtClean="0">
-                  <a:latin typeface="+mj-lt"/>
-                </a:rPr>
-                <a:t>영</a:t>
-              </a:r>
-              <a:r>
-                <a:rPr lang="ko-KR" altLang="en-US" sz="1100" b="1" dirty="0">
-                  <a:latin typeface="+mj-lt"/>
-                </a:rPr>
-                <a:t>화</a:t>
-              </a:r>
-              <a:r>
-                <a:rPr lang="ko-KR" altLang="en-US" sz="1100" b="1" dirty="0" smtClean="0">
-                  <a:latin typeface="+mj-lt"/>
-                </a:rPr>
-                <a:t> </a:t>
-              </a:r>
-              <a:r>
-                <a:rPr lang="ko-KR" altLang="en-US" sz="1100" b="1" dirty="0">
-                  <a:latin typeface="+mj-lt"/>
-                </a:rPr>
-                <a:t>예매</a:t>
-              </a:r>
-            </a:p>
-          </p:txBody>
-        </p:sp>
-        <p:sp>
-          <p:nvSpPr>
-            <p:cNvPr id="6" name="순서도: 대체 처리 5">
-              <a:extLst>
-                <a:ext uri="{FF2B5EF4-FFF2-40B4-BE49-F238E27FC236}">
-                  <a16:creationId xmlns:a16="http://schemas.microsoft.com/office/drawing/2014/main" xmlns="" id="{C0E74CBB-E9DB-423D-94B0-B106ABB0B64E}"/>
-                </a:ext>
-              </a:extLst>
-            </p:cNvPr>
-            <p:cNvSpPr/>
-            <p:nvPr/>
-          </p:nvSpPr>
-          <p:spPr>
-            <a:xfrm>
-              <a:off x="4319338" y="1775336"/>
-              <a:ext cx="1355708" cy="805392"/>
-            </a:xfrm>
-            <a:prstGeom prst="flowChartAlternateProcess">
-              <a:avLst/>
-            </a:prstGeom>
-            <a:solidFill>
-              <a:schemeClr val="dk1"/>
-            </a:solidFill>
-            <a:ln>
-              <a:noFill/>
-            </a:ln>
-            <a:effectLst>
-              <a:outerShdw blurRad="76200" dir="18900000" sy="23000" kx="-1200000" algn="bl" rotWithShape="0">
-                <a:prstClr val="black">
-                  <a:alpha val="20000"/>
-                </a:prstClr>
-              </a:outerShdw>
-            </a:effectLst>
-          </p:spPr>
-          <p:style>
-            <a:lnRef idx="0">
-              <a:scrgbClr r="0" g="0" b="0"/>
-            </a:lnRef>
-            <a:fillRef idx="0">
-              <a:scrgbClr r="0" g="0" b="0"/>
-            </a:fillRef>
-            <a:effectRef idx="0">
-              <a:scrgbClr r="0" g="0" b="0"/>
-            </a:effectRef>
-            <a:fontRef idx="minor">
-              <a:schemeClr val="lt1"/>
-            </a:fontRef>
-          </p:style>
-          <p:txBody>
-            <a:bodyPr rtlCol="0" anchor="ctr"/>
-            <a:lstStyle/>
-            <a:p>
-              <a:pPr algn="ctr"/>
-              <a:r>
-                <a:rPr lang="ko-KR" altLang="en-US" sz="1100" b="1" dirty="0" smtClean="0">
-                  <a:latin typeface="+mj-lt"/>
-                </a:rPr>
-                <a:t>예매 조회</a:t>
-              </a:r>
-              <a:endParaRPr lang="ko-KR" altLang="en-US" sz="1100" b="1" dirty="0">
-                <a:latin typeface="+mj-lt"/>
-              </a:endParaRPr>
-            </a:p>
-          </p:txBody>
-        </p:sp>
-        <p:sp>
-          <p:nvSpPr>
-            <p:cNvPr id="7" name="순서도: 대체 처리 6">
-              <a:extLst>
-                <a:ext uri="{FF2B5EF4-FFF2-40B4-BE49-F238E27FC236}">
-                  <a16:creationId xmlns:a16="http://schemas.microsoft.com/office/drawing/2014/main" xmlns="" id="{CF02F836-27AF-4292-A4F5-FF902A294C15}"/>
-                </a:ext>
-              </a:extLst>
-            </p:cNvPr>
-            <p:cNvSpPr/>
-            <p:nvPr/>
-          </p:nvSpPr>
-          <p:spPr>
-            <a:xfrm>
-              <a:off x="6276475" y="1775336"/>
-              <a:ext cx="1355708" cy="805392"/>
-            </a:xfrm>
-            <a:prstGeom prst="flowChartAlternateProcess">
-              <a:avLst/>
-            </a:prstGeom>
-            <a:solidFill>
-              <a:schemeClr val="dk1"/>
-            </a:solidFill>
-            <a:ln>
-              <a:noFill/>
-            </a:ln>
-            <a:effectLst>
-              <a:outerShdw blurRad="76200" dir="18900000" sy="23000" kx="-1200000" algn="bl" rotWithShape="0">
-                <a:prstClr val="black">
-                  <a:alpha val="20000"/>
-                </a:prstClr>
-              </a:outerShdw>
-            </a:effectLst>
-          </p:spPr>
-          <p:style>
-            <a:lnRef idx="0">
-              <a:scrgbClr r="0" g="0" b="0"/>
-            </a:lnRef>
-            <a:fillRef idx="0">
-              <a:scrgbClr r="0" g="0" b="0"/>
-            </a:fillRef>
-            <a:effectRef idx="0">
-              <a:scrgbClr r="0" g="0" b="0"/>
-            </a:effectRef>
-            <a:fontRef idx="minor">
-              <a:schemeClr val="lt1"/>
-            </a:fontRef>
-          </p:style>
-          <p:txBody>
-            <a:bodyPr rtlCol="0" anchor="ctr"/>
-            <a:lstStyle/>
-            <a:p>
-              <a:pPr algn="ctr"/>
-              <a:r>
-                <a:rPr lang="ko-KR" altLang="en-US" sz="1100" b="1" dirty="0">
-                  <a:latin typeface="+mj-lt"/>
-                </a:rPr>
-                <a:t>티켓 출력</a:t>
-              </a:r>
-            </a:p>
-          </p:txBody>
-        </p:sp>
-        <p:sp>
-          <p:nvSpPr>
-            <p:cNvPr id="8" name="순서도: 대체 처리 7">
-              <a:extLst>
-                <a:ext uri="{FF2B5EF4-FFF2-40B4-BE49-F238E27FC236}">
-                  <a16:creationId xmlns:a16="http://schemas.microsoft.com/office/drawing/2014/main" xmlns="" id="{FCAE2197-735F-4AF8-A9CB-1A43B6FCB2D1}"/>
-                </a:ext>
-              </a:extLst>
-            </p:cNvPr>
-            <p:cNvSpPr/>
-            <p:nvPr/>
-          </p:nvSpPr>
-          <p:spPr>
-            <a:xfrm>
-              <a:off x="8233612" y="1775336"/>
-              <a:ext cx="1355708" cy="805392"/>
-            </a:xfrm>
-            <a:prstGeom prst="flowChartAlternateProcess">
-              <a:avLst/>
-            </a:prstGeom>
-            <a:solidFill>
-              <a:schemeClr val="dk1"/>
-            </a:solidFill>
-            <a:ln>
-              <a:noFill/>
-            </a:ln>
-            <a:effectLst>
-              <a:outerShdw blurRad="76200" dir="18900000" sy="23000" kx="-1200000" algn="bl" rotWithShape="0">
-                <a:prstClr val="black">
-                  <a:alpha val="20000"/>
-                </a:prstClr>
-              </a:outerShdw>
-            </a:effectLst>
-          </p:spPr>
-          <p:style>
-            <a:lnRef idx="0">
-              <a:scrgbClr r="0" g="0" b="0"/>
-            </a:lnRef>
-            <a:fillRef idx="0">
-              <a:scrgbClr r="0" g="0" b="0"/>
-            </a:fillRef>
-            <a:effectRef idx="0">
-              <a:scrgbClr r="0" g="0" b="0"/>
-            </a:effectRef>
-            <a:fontRef idx="minor">
-              <a:schemeClr val="lt1"/>
-            </a:fontRef>
-          </p:style>
-          <p:txBody>
-            <a:bodyPr rtlCol="0" anchor="ctr"/>
-            <a:lstStyle/>
-            <a:p>
-              <a:pPr algn="ctr"/>
-              <a:r>
-                <a:rPr lang="ko-KR" altLang="en-US" sz="1100" b="1" dirty="0" smtClean="0">
-                  <a:latin typeface="+mj-lt"/>
-                </a:rPr>
-                <a:t>영화</a:t>
-              </a:r>
-              <a:endParaRPr lang="en-US" altLang="ko-KR" sz="1100" b="1" dirty="0">
-                <a:latin typeface="+mj-lt"/>
-              </a:endParaRPr>
-            </a:p>
-            <a:p>
-              <a:pPr algn="ctr"/>
-              <a:r>
-                <a:rPr lang="ko-KR" altLang="en-US" sz="1100" b="1" dirty="0">
-                  <a:latin typeface="+mj-lt"/>
-                </a:rPr>
-                <a:t>업로드</a:t>
-              </a:r>
-            </a:p>
-          </p:txBody>
-        </p:sp>
-        <p:sp>
-          <p:nvSpPr>
-            <p:cNvPr id="9" name="순서도: 대체 처리 8">
-              <a:extLst>
-                <a:ext uri="{FF2B5EF4-FFF2-40B4-BE49-F238E27FC236}">
-                  <a16:creationId xmlns:a16="http://schemas.microsoft.com/office/drawing/2014/main" xmlns="" id="{607ABCCD-9AF3-418B-833E-CA227B70C5EF}"/>
-                </a:ext>
-              </a:extLst>
-            </p:cNvPr>
-            <p:cNvSpPr/>
-            <p:nvPr/>
-          </p:nvSpPr>
-          <p:spPr>
-            <a:xfrm>
-              <a:off x="10190749" y="1775336"/>
-              <a:ext cx="1355708" cy="805392"/>
-            </a:xfrm>
-            <a:prstGeom prst="flowChartAlternateProcess">
-              <a:avLst/>
-            </a:prstGeom>
-            <a:solidFill>
-              <a:schemeClr val="dk1"/>
-            </a:solidFill>
-            <a:ln>
-              <a:noFill/>
-            </a:ln>
-            <a:effectLst>
-              <a:outerShdw blurRad="76200" dir="18900000" sy="23000" kx="-1200000" algn="bl" rotWithShape="0">
-                <a:prstClr val="black">
-                  <a:alpha val="20000"/>
-                </a:prstClr>
-              </a:outerShdw>
-            </a:effectLst>
-          </p:spPr>
-          <p:style>
-            <a:lnRef idx="0">
-              <a:scrgbClr r="0" g="0" b="0"/>
-            </a:lnRef>
-            <a:fillRef idx="0">
-              <a:scrgbClr r="0" g="0" b="0"/>
-            </a:fillRef>
-            <a:effectRef idx="0">
-              <a:scrgbClr r="0" g="0" b="0"/>
-            </a:effectRef>
-            <a:fontRef idx="minor">
-              <a:schemeClr val="lt1"/>
-            </a:fontRef>
-          </p:style>
-          <p:txBody>
-            <a:bodyPr rtlCol="0" anchor="ctr"/>
-            <a:lstStyle/>
-            <a:p>
-              <a:pPr algn="ctr"/>
-              <a:r>
-                <a:rPr lang="ko-KR" altLang="en-US" sz="1100" b="1" dirty="0">
-                  <a:latin typeface="+mj-lt"/>
-                </a:rPr>
-                <a:t>프로그램</a:t>
-              </a:r>
-              <a:endParaRPr lang="en-US" altLang="ko-KR" sz="1100" b="1" dirty="0">
-                <a:latin typeface="+mj-lt"/>
-              </a:endParaRPr>
-            </a:p>
-            <a:p>
-              <a:pPr algn="ctr"/>
-              <a:r>
-                <a:rPr lang="ko-KR" altLang="en-US" sz="1100" b="1" dirty="0">
-                  <a:latin typeface="+mj-lt"/>
-                </a:rPr>
-                <a:t>종료</a:t>
-              </a:r>
-            </a:p>
-          </p:txBody>
-        </p:sp>
-        <p:sp>
-          <p:nvSpPr>
-            <p:cNvPr id="10" name="순서도: 대체 처리 9">
-              <a:extLst>
-                <a:ext uri="{FF2B5EF4-FFF2-40B4-BE49-F238E27FC236}">
-                  <a16:creationId xmlns:a16="http://schemas.microsoft.com/office/drawing/2014/main" xmlns="" id="{8BD5E63E-84B7-48E6-8FB8-82080269065F}"/>
-                </a:ext>
-              </a:extLst>
-            </p:cNvPr>
-            <p:cNvSpPr/>
-            <p:nvPr/>
-          </p:nvSpPr>
-          <p:spPr>
-            <a:xfrm>
-              <a:off x="405064" y="2995628"/>
-              <a:ext cx="1355708" cy="805392"/>
-            </a:xfrm>
-            <a:prstGeom prst="flowChartAlternateProcess">
-              <a:avLst/>
-            </a:prstGeom>
-            <a:solidFill>
-              <a:schemeClr val="dk1"/>
-            </a:solidFill>
-            <a:ln>
-              <a:noFill/>
-            </a:ln>
-            <a:effectLst>
-              <a:outerShdw blurRad="76200" dir="18900000" sy="23000" kx="-1200000" algn="bl" rotWithShape="0">
-                <a:prstClr val="black">
-                  <a:alpha val="20000"/>
-                </a:prstClr>
-              </a:outerShdw>
-            </a:effectLst>
-          </p:spPr>
-          <p:style>
-            <a:lnRef idx="0">
-              <a:scrgbClr r="0" g="0" b="0"/>
-            </a:lnRef>
-            <a:fillRef idx="0">
-              <a:scrgbClr r="0" g="0" b="0"/>
-            </a:fillRef>
-            <a:effectRef idx="0">
-              <a:scrgbClr r="0" g="0" b="0"/>
-            </a:effectRef>
-            <a:fontRef idx="minor">
-              <a:schemeClr val="lt1"/>
-            </a:fontRef>
-          </p:style>
-          <p:txBody>
-            <a:bodyPr rtlCol="0" anchor="ctr"/>
-            <a:lstStyle/>
-            <a:p>
-              <a:pPr algn="ctr"/>
-              <a:r>
-                <a:rPr lang="ko-KR" altLang="en-US" sz="1100" b="1" dirty="0"/>
-                <a:t>영화 </a:t>
-              </a:r>
-              <a:r>
-                <a:rPr lang="ko-KR" altLang="en-US" sz="1100" b="1" dirty="0" smtClean="0">
-                  <a:latin typeface="+mj-lt"/>
-                </a:rPr>
-                <a:t>조회</a:t>
-              </a:r>
-              <a:endParaRPr lang="ko-KR" altLang="en-US" sz="1100" b="1" dirty="0">
-                <a:latin typeface="+mj-lt"/>
-              </a:endParaRPr>
-            </a:p>
-          </p:txBody>
-        </p:sp>
-        <p:sp>
-          <p:nvSpPr>
-            <p:cNvPr id="11" name="순서도: 대체 처리 10">
-              <a:extLst>
-                <a:ext uri="{FF2B5EF4-FFF2-40B4-BE49-F238E27FC236}">
-                  <a16:creationId xmlns:a16="http://schemas.microsoft.com/office/drawing/2014/main" xmlns="" id="{914AE32F-E325-4DB0-B1D7-4BCD91712141}"/>
-                </a:ext>
-              </a:extLst>
-            </p:cNvPr>
-            <p:cNvSpPr/>
-            <p:nvPr/>
-          </p:nvSpPr>
-          <p:spPr>
-            <a:xfrm>
-              <a:off x="2246301" y="2995628"/>
-              <a:ext cx="1587508" cy="805392"/>
-            </a:xfrm>
-            <a:prstGeom prst="flowChartAlternateProcess">
-              <a:avLst/>
-            </a:prstGeom>
-            <a:solidFill>
-              <a:schemeClr val="dk1"/>
-            </a:solidFill>
-            <a:ln>
-              <a:noFill/>
-            </a:ln>
-            <a:effectLst>
-              <a:outerShdw blurRad="76200" dir="18900000" sy="23000" kx="-1200000" algn="bl" rotWithShape="0">
-                <a:prstClr val="black">
-                  <a:alpha val="20000"/>
-                </a:prstClr>
-              </a:outerShdw>
-            </a:effectLst>
-          </p:spPr>
-          <p:style>
-            <a:lnRef idx="0">
-              <a:scrgbClr r="0" g="0" b="0"/>
-            </a:lnRef>
-            <a:fillRef idx="0">
-              <a:scrgbClr r="0" g="0" b="0"/>
-            </a:fillRef>
-            <a:effectRef idx="0">
-              <a:scrgbClr r="0" g="0" b="0"/>
-            </a:effectRef>
-            <a:fontRef idx="minor">
-              <a:schemeClr val="lt1"/>
-            </a:fontRef>
-          </p:style>
-          <p:txBody>
-            <a:bodyPr rtlCol="0" anchor="ctr"/>
-            <a:lstStyle/>
-            <a:p>
-              <a:pPr algn="ctr"/>
-              <a:r>
-                <a:rPr lang="ko-KR" altLang="en-US" sz="1100" b="1" dirty="0" smtClean="0">
-                  <a:latin typeface="+mj-lt"/>
-                </a:rPr>
-                <a:t>예매 가능영화 출력</a:t>
-              </a:r>
-              <a:endParaRPr lang="en-US" altLang="ko-KR" sz="1100" b="1" dirty="0" smtClean="0">
-                <a:latin typeface="+mj-lt"/>
-              </a:endParaRPr>
-            </a:p>
-            <a:p>
-              <a:pPr algn="ctr"/>
-              <a:r>
-                <a:rPr lang="ko-KR" altLang="en-US" sz="1100" b="1" dirty="0" smtClean="0">
-                  <a:latin typeface="+mj-lt"/>
-                </a:rPr>
-                <a:t>이름</a:t>
-              </a:r>
-              <a:r>
-                <a:rPr lang="en-US" altLang="ko-KR" sz="1100" b="1" dirty="0" smtClean="0">
-                  <a:latin typeface="+mj-lt"/>
-                </a:rPr>
-                <a:t>, </a:t>
-              </a:r>
-              <a:r>
-                <a:rPr lang="ko-KR" altLang="en-US" sz="1100" b="1" dirty="0" smtClean="0">
-                  <a:latin typeface="+mj-lt"/>
-                </a:rPr>
-                <a:t>나이 입력</a:t>
-              </a:r>
-              <a:endParaRPr lang="ko-KR" altLang="en-US" sz="1100" b="1" dirty="0">
-                <a:latin typeface="+mj-lt"/>
-              </a:endParaRPr>
-            </a:p>
-          </p:txBody>
-        </p:sp>
-        <p:sp>
-          <p:nvSpPr>
-            <p:cNvPr id="12" name="순서도: 대체 처리 11">
-              <a:extLst>
-                <a:ext uri="{FF2B5EF4-FFF2-40B4-BE49-F238E27FC236}">
-                  <a16:creationId xmlns:a16="http://schemas.microsoft.com/office/drawing/2014/main" xmlns="" id="{CD74E96C-F9ED-490B-A5F6-07011C403CE1}"/>
-                </a:ext>
-              </a:extLst>
-            </p:cNvPr>
-            <p:cNvSpPr/>
-            <p:nvPr/>
-          </p:nvSpPr>
-          <p:spPr>
-            <a:xfrm>
-              <a:off x="2362200" y="5382447"/>
-              <a:ext cx="1355708" cy="805392"/>
-            </a:xfrm>
-            <a:prstGeom prst="flowChartAlternateProcess">
-              <a:avLst/>
-            </a:prstGeom>
-            <a:solidFill>
-              <a:schemeClr val="dk1"/>
-            </a:solidFill>
-            <a:ln>
-              <a:noFill/>
-            </a:ln>
-            <a:effectLst>
-              <a:outerShdw blurRad="76200" dir="18900000" sy="23000" kx="-1200000" algn="bl" rotWithShape="0">
-                <a:prstClr val="black">
-                  <a:alpha val="20000"/>
-                </a:prstClr>
-              </a:outerShdw>
-            </a:effectLst>
-          </p:spPr>
-          <p:style>
-            <a:lnRef idx="0">
-              <a:scrgbClr r="0" g="0" b="0"/>
-            </a:lnRef>
-            <a:fillRef idx="0">
-              <a:scrgbClr r="0" g="0" b="0"/>
-            </a:fillRef>
-            <a:effectRef idx="0">
-              <a:scrgbClr r="0" g="0" b="0"/>
-            </a:effectRef>
-            <a:fontRef idx="minor">
-              <a:schemeClr val="lt1"/>
-            </a:fontRef>
-          </p:style>
-          <p:txBody>
-            <a:bodyPr rtlCol="0" anchor="ctr"/>
-            <a:lstStyle/>
-            <a:p>
-              <a:pPr algn="ctr"/>
-              <a:r>
-                <a:rPr lang="ko-KR" altLang="en-US" sz="1100" b="1" dirty="0"/>
-                <a:t>결제 </a:t>
-              </a:r>
-              <a:r>
-                <a:rPr lang="ko-KR" altLang="en-US" sz="1100" b="1" dirty="0" smtClean="0"/>
-                <a:t>비밀번호</a:t>
-              </a:r>
-              <a:endParaRPr lang="en-US" altLang="ko-KR" sz="1100" b="1" dirty="0" smtClean="0"/>
-            </a:p>
-            <a:p>
-              <a:pPr algn="ctr"/>
-              <a:r>
-                <a:rPr lang="ko-KR" altLang="en-US" sz="1100" b="1" dirty="0" smtClean="0"/>
-                <a:t>입</a:t>
-              </a:r>
-              <a:r>
-                <a:rPr lang="ko-KR" altLang="en-US" sz="1100" b="1" dirty="0"/>
-                <a:t>력</a:t>
-              </a:r>
-              <a:endParaRPr lang="en-US" altLang="ko-KR" sz="1100" b="1" dirty="0"/>
-            </a:p>
-          </p:txBody>
-        </p:sp>
-        <p:sp>
-          <p:nvSpPr>
-            <p:cNvPr id="13" name="순서도: 대체 처리 12">
-              <a:extLst>
-                <a:ext uri="{FF2B5EF4-FFF2-40B4-BE49-F238E27FC236}">
-                  <a16:creationId xmlns:a16="http://schemas.microsoft.com/office/drawing/2014/main" xmlns="" id="{69342619-3B79-408C-AF59-3DD09BC702CE}"/>
-                </a:ext>
-              </a:extLst>
-            </p:cNvPr>
-            <p:cNvSpPr/>
-            <p:nvPr/>
-          </p:nvSpPr>
-          <p:spPr>
-            <a:xfrm>
-              <a:off x="2362201" y="4208329"/>
-              <a:ext cx="1355708" cy="805392"/>
-            </a:xfrm>
-            <a:prstGeom prst="flowChartAlternateProcess">
-              <a:avLst/>
-            </a:prstGeom>
-            <a:solidFill>
-              <a:schemeClr val="dk1"/>
-            </a:solidFill>
-            <a:ln>
-              <a:noFill/>
-            </a:ln>
-            <a:effectLst>
-              <a:outerShdw blurRad="76200" dir="18900000" sy="23000" kx="-1200000" algn="bl" rotWithShape="0">
-                <a:prstClr val="black">
-                  <a:alpha val="20000"/>
-                </a:prstClr>
-              </a:outerShdw>
-            </a:effectLst>
-          </p:spPr>
-          <p:style>
-            <a:lnRef idx="0">
-              <a:scrgbClr r="0" g="0" b="0"/>
-            </a:lnRef>
-            <a:fillRef idx="0">
-              <a:scrgbClr r="0" g="0" b="0"/>
-            </a:fillRef>
-            <a:effectRef idx="0">
-              <a:scrgbClr r="0" g="0" b="0"/>
-            </a:effectRef>
-            <a:fontRef idx="minor">
-              <a:schemeClr val="lt1"/>
-            </a:fontRef>
-          </p:style>
-          <p:txBody>
-            <a:bodyPr rtlCol="0" anchor="ctr"/>
-            <a:lstStyle/>
-            <a:p>
-              <a:pPr algn="ctr"/>
-              <a:r>
-                <a:rPr lang="ko-KR" altLang="en-US" sz="1100" b="1" dirty="0" smtClean="0">
-                  <a:latin typeface="+mj-lt"/>
-                </a:rPr>
-                <a:t>영화 선택</a:t>
-              </a:r>
-              <a:endParaRPr lang="ko-KR" altLang="en-US" sz="1100" b="1" dirty="0">
-                <a:latin typeface="+mj-lt"/>
-              </a:endParaRPr>
-            </a:p>
-          </p:txBody>
-        </p:sp>
-        <p:cxnSp>
-          <p:nvCxnSpPr>
-            <p:cNvPr id="15" name="연결선: 구부러짐 14">
-              <a:extLst>
-                <a:ext uri="{FF2B5EF4-FFF2-40B4-BE49-F238E27FC236}">
-                  <a16:creationId xmlns:a16="http://schemas.microsoft.com/office/drawing/2014/main" xmlns="" id="{30DF917A-0A3F-4AC2-9407-F5163A4C375D}"/>
-                </a:ext>
-              </a:extLst>
-            </p:cNvPr>
-            <p:cNvCxnSpPr>
-              <a:cxnSpLocks/>
-            </p:cNvCxnSpPr>
-            <p:nvPr/>
-          </p:nvCxnSpPr>
-          <p:spPr>
-            <a:xfrm flipV="1">
-              <a:off x="2381294" y="3417616"/>
-              <a:ext cx="12700" cy="1212701"/>
-            </a:xfrm>
-            <a:prstGeom prst="curvedConnector3">
-              <a:avLst>
-                <a:gd name="adj1" fmla="val -3616512"/>
-              </a:avLst>
-            </a:prstGeom>
-            <a:ln w="12700">
-              <a:tailEnd type="triangle"/>
-            </a:ln>
-            <a:effectLst>
-              <a:outerShdw blurRad="76200" dist="12700" dir="2700000" sy="-23000" kx="-800400" algn="bl" rotWithShape="0">
-                <a:prstClr val="black">
-                  <a:alpha val="20000"/>
-                </a:prstClr>
-              </a:outerShdw>
-            </a:effectLst>
-          </p:spPr>
-          <p:style>
-            <a:lnRef idx="1">
-              <a:schemeClr val="dk1"/>
-            </a:lnRef>
-            <a:fillRef idx="0">
-              <a:schemeClr val="dk1"/>
-            </a:fillRef>
-            <a:effectRef idx="0">
-              <a:schemeClr val="dk1"/>
-            </a:effectRef>
-            <a:fontRef idx="minor">
-              <a:schemeClr val="tx1"/>
-            </a:fontRef>
-          </p:style>
-        </p:cxnSp>
-        <p:sp>
-          <p:nvSpPr>
-            <p:cNvPr id="18" name="TextBox 17">
-              <a:extLst>
-                <a:ext uri="{FF2B5EF4-FFF2-40B4-BE49-F238E27FC236}">
-                  <a16:creationId xmlns:a16="http://schemas.microsoft.com/office/drawing/2014/main" xmlns="" id="{9C658B33-5349-4382-8E92-CFDD6DB6213F}"/>
-                </a:ext>
-              </a:extLst>
-            </p:cNvPr>
-            <p:cNvSpPr txBox="1"/>
-            <p:nvPr/>
-          </p:nvSpPr>
-          <p:spPr>
-            <a:xfrm>
-              <a:off x="1895416" y="3810997"/>
-              <a:ext cx="984456" cy="418178"/>
-            </a:xfrm>
-            <a:prstGeom prst="rect">
-              <a:avLst/>
-            </a:prstGeom>
+        </p:nvSpPr>
+        <p:spPr>
+          <a:xfrm>
+            <a:off x="308668" y="1664337"/>
+            <a:ext cx="1297133" cy="770594"/>
+          </a:xfrm>
+          <a:prstGeom prst="flowChartAlternateProcess">
+            <a:avLst/>
+          </a:prstGeom>
+          <a:solidFill>
+            <a:schemeClr val="dk1"/>
+          </a:solidFill>
+          <a:ln>
             <a:noFill/>
-            <a:effectLst>
-              <a:outerShdw blurRad="76200" dist="12700" dir="2700000" sy="-23000" kx="-800400" algn="bl" rotWithShape="0">
-                <a:prstClr val="black">
-                  <a:alpha val="20000"/>
-                </a:prstClr>
-              </a:outerShdw>
-            </a:effectLst>
-          </p:spPr>
-          <p:txBody>
-            <a:bodyPr wrap="square" rtlCol="0">
-              <a:spAutoFit/>
-            </a:bodyPr>
-            <a:lstStyle/>
-            <a:p>
-              <a:r>
-                <a:rPr lang="ko-KR" altLang="en-US" sz="1000" b="1" dirty="0" smtClean="0">
-                  <a:solidFill>
-                    <a:schemeClr val="bg1">
-                      <a:lumMod val="50000"/>
-                    </a:schemeClr>
-                  </a:solidFill>
-                  <a:latin typeface="+mj-lt"/>
-                </a:rPr>
-                <a:t>연령제한</a:t>
-              </a:r>
-              <a:endParaRPr lang="en-US" altLang="ko-KR" sz="1000" b="1" dirty="0" smtClean="0">
+          </a:ln>
+          <a:effectLst>
+            <a:outerShdw blurRad="76200" dir="18900000" sy="23000" kx="-1200000" algn="bl" rotWithShape="0">
+              <a:prstClr val="black">
+                <a:alpha val="20000"/>
+              </a:prstClr>
+            </a:outerShdw>
+          </a:effectLst>
+        </p:spPr>
+        <p:style>
+          <a:lnRef idx="0">
+            <a:scrgbClr r="0" g="0" b="0"/>
+          </a:lnRef>
+          <a:fillRef idx="0">
+            <a:scrgbClr r="0" g="0" b="0"/>
+          </a:fillRef>
+          <a:effectRef idx="0">
+            <a:scrgbClr r="0" g="0" b="0"/>
+          </a:effectRef>
+          <a:fontRef idx="minor">
+            <a:schemeClr val="lt1"/>
+          </a:fontRef>
+        </p:style>
+        <p:txBody>
+          <a:bodyPr rtlCol="0" anchor="ctr"/>
+          <a:lstStyle/>
+          <a:p>
+            <a:pPr algn="ctr"/>
+            <a:r>
+              <a:rPr lang="ko-KR" altLang="en-US" sz="1100" b="1" dirty="0">
+                <a:latin typeface="+mj-lt"/>
+              </a:rPr>
+              <a:t>영화 목록</a:t>
+            </a:r>
+          </a:p>
+        </p:txBody>
+      </p:sp>
+      <p:sp>
+        <p:nvSpPr>
+          <p:cNvPr id="5" name="순서도: 대체 처리 4">
+            <a:extLst>
+              <a:ext uri="{FF2B5EF4-FFF2-40B4-BE49-F238E27FC236}">
+                <a16:creationId xmlns:a16="http://schemas.microsoft.com/office/drawing/2014/main" id="{61336E03-0824-4196-9960-0D93DC431748}"/>
+              </a:ext>
+            </a:extLst>
+          </p:cNvPr>
+          <p:cNvSpPr/>
+          <p:nvPr/>
+        </p:nvSpPr>
+        <p:spPr>
+          <a:xfrm>
+            <a:off x="2027625" y="1665521"/>
+            <a:ext cx="1297133" cy="770594"/>
+          </a:xfrm>
+          <a:prstGeom prst="flowChartAlternateProcess">
+            <a:avLst/>
+          </a:prstGeom>
+          <a:solidFill>
+            <a:schemeClr val="dk1"/>
+          </a:solidFill>
+          <a:ln>
+            <a:noFill/>
+          </a:ln>
+          <a:effectLst>
+            <a:outerShdw blurRad="76200" dir="18900000" sy="23000" kx="-1200000" algn="bl" rotWithShape="0">
+              <a:prstClr val="black">
+                <a:alpha val="20000"/>
+              </a:prstClr>
+            </a:outerShdw>
+          </a:effectLst>
+        </p:spPr>
+        <p:style>
+          <a:lnRef idx="0">
+            <a:scrgbClr r="0" g="0" b="0"/>
+          </a:lnRef>
+          <a:fillRef idx="0">
+            <a:scrgbClr r="0" g="0" b="0"/>
+          </a:fillRef>
+          <a:effectRef idx="0">
+            <a:scrgbClr r="0" g="0" b="0"/>
+          </a:effectRef>
+          <a:fontRef idx="minor">
+            <a:schemeClr val="lt1"/>
+          </a:fontRef>
+        </p:style>
+        <p:txBody>
+          <a:bodyPr rtlCol="0" anchor="ctr"/>
+          <a:lstStyle/>
+          <a:p>
+            <a:pPr algn="ctr"/>
+            <a:r>
+              <a:rPr lang="ko-KR" altLang="en-US" sz="1100" b="1" dirty="0">
+                <a:latin typeface="+mj-lt"/>
+              </a:rPr>
+              <a:t>영화 예매</a:t>
+            </a:r>
+          </a:p>
+        </p:txBody>
+      </p:sp>
+      <p:sp>
+        <p:nvSpPr>
+          <p:cNvPr id="6" name="순서도: 대체 처리 5">
+            <a:extLst>
+              <a:ext uri="{FF2B5EF4-FFF2-40B4-BE49-F238E27FC236}">
+                <a16:creationId xmlns:a16="http://schemas.microsoft.com/office/drawing/2014/main" id="{C0E74CBB-E9DB-423D-94B0-B106ABB0B64E}"/>
+              </a:ext>
+            </a:extLst>
+          </p:cNvPr>
+          <p:cNvSpPr/>
+          <p:nvPr/>
+        </p:nvSpPr>
+        <p:spPr>
+          <a:xfrm>
+            <a:off x="3746582" y="1665521"/>
+            <a:ext cx="1297133" cy="770594"/>
+          </a:xfrm>
+          <a:prstGeom prst="flowChartAlternateProcess">
+            <a:avLst/>
+          </a:prstGeom>
+          <a:solidFill>
+            <a:schemeClr val="dk1"/>
+          </a:solidFill>
+          <a:ln>
+            <a:noFill/>
+          </a:ln>
+          <a:effectLst>
+            <a:outerShdw blurRad="76200" dir="18900000" sy="23000" kx="-1200000" algn="bl" rotWithShape="0">
+              <a:prstClr val="black">
+                <a:alpha val="20000"/>
+              </a:prstClr>
+            </a:outerShdw>
+          </a:effectLst>
+        </p:spPr>
+        <p:style>
+          <a:lnRef idx="0">
+            <a:scrgbClr r="0" g="0" b="0"/>
+          </a:lnRef>
+          <a:fillRef idx="0">
+            <a:scrgbClr r="0" g="0" b="0"/>
+          </a:fillRef>
+          <a:effectRef idx="0">
+            <a:scrgbClr r="0" g="0" b="0"/>
+          </a:effectRef>
+          <a:fontRef idx="minor">
+            <a:schemeClr val="lt1"/>
+          </a:fontRef>
+        </p:style>
+        <p:txBody>
+          <a:bodyPr rtlCol="0" anchor="ctr"/>
+          <a:lstStyle/>
+          <a:p>
+            <a:pPr algn="ctr"/>
+            <a:r>
+              <a:rPr lang="ko-KR" altLang="en-US" sz="1100" b="1" dirty="0">
+                <a:latin typeface="+mj-lt"/>
+              </a:rPr>
+              <a:t>예매 조회</a:t>
+            </a:r>
+          </a:p>
+        </p:txBody>
+      </p:sp>
+      <p:sp>
+        <p:nvSpPr>
+          <p:cNvPr id="7" name="순서도: 대체 처리 6">
+            <a:extLst>
+              <a:ext uri="{FF2B5EF4-FFF2-40B4-BE49-F238E27FC236}">
+                <a16:creationId xmlns:a16="http://schemas.microsoft.com/office/drawing/2014/main" id="{CF02F836-27AF-4292-A4F5-FF902A294C15}"/>
+              </a:ext>
+            </a:extLst>
+          </p:cNvPr>
+          <p:cNvSpPr/>
+          <p:nvPr/>
+        </p:nvSpPr>
+        <p:spPr>
+          <a:xfrm>
+            <a:off x="5465539" y="1665521"/>
+            <a:ext cx="1297133" cy="770594"/>
+          </a:xfrm>
+          <a:prstGeom prst="flowChartAlternateProcess">
+            <a:avLst/>
+          </a:prstGeom>
+          <a:solidFill>
+            <a:schemeClr val="dk1"/>
+          </a:solidFill>
+          <a:ln>
+            <a:noFill/>
+          </a:ln>
+          <a:effectLst>
+            <a:outerShdw blurRad="76200" dir="18900000" sy="23000" kx="-1200000" algn="bl" rotWithShape="0">
+              <a:prstClr val="black">
+                <a:alpha val="20000"/>
+              </a:prstClr>
+            </a:outerShdw>
+          </a:effectLst>
+        </p:spPr>
+        <p:style>
+          <a:lnRef idx="0">
+            <a:scrgbClr r="0" g="0" b="0"/>
+          </a:lnRef>
+          <a:fillRef idx="0">
+            <a:scrgbClr r="0" g="0" b="0"/>
+          </a:fillRef>
+          <a:effectRef idx="0">
+            <a:scrgbClr r="0" g="0" b="0"/>
+          </a:effectRef>
+          <a:fontRef idx="minor">
+            <a:schemeClr val="lt1"/>
+          </a:fontRef>
+        </p:style>
+        <p:txBody>
+          <a:bodyPr rtlCol="0" anchor="ctr"/>
+          <a:lstStyle/>
+          <a:p>
+            <a:pPr algn="ctr"/>
+            <a:r>
+              <a:rPr lang="ko-KR" altLang="en-US" sz="1100" b="1" dirty="0">
+                <a:latin typeface="+mj-lt"/>
+              </a:rPr>
+              <a:t>예매 취소</a:t>
+            </a:r>
+          </a:p>
+        </p:txBody>
+      </p:sp>
+      <p:sp>
+        <p:nvSpPr>
+          <p:cNvPr id="8" name="순서도: 대체 처리 7">
+            <a:extLst>
+              <a:ext uri="{FF2B5EF4-FFF2-40B4-BE49-F238E27FC236}">
+                <a16:creationId xmlns:a16="http://schemas.microsoft.com/office/drawing/2014/main" id="{FCAE2197-735F-4AF8-A9CB-1A43B6FCB2D1}"/>
+              </a:ext>
+            </a:extLst>
+          </p:cNvPr>
+          <p:cNvSpPr/>
+          <p:nvPr/>
+        </p:nvSpPr>
+        <p:spPr>
+          <a:xfrm>
+            <a:off x="7184496" y="1665521"/>
+            <a:ext cx="1297133" cy="770594"/>
+          </a:xfrm>
+          <a:prstGeom prst="flowChartAlternateProcess">
+            <a:avLst/>
+          </a:prstGeom>
+          <a:solidFill>
+            <a:schemeClr val="dk1"/>
+          </a:solidFill>
+          <a:ln>
+            <a:noFill/>
+          </a:ln>
+          <a:effectLst>
+            <a:outerShdw blurRad="76200" dir="18900000" sy="23000" kx="-1200000" algn="bl" rotWithShape="0">
+              <a:prstClr val="black">
+                <a:alpha val="20000"/>
+              </a:prstClr>
+            </a:outerShdw>
+          </a:effectLst>
+        </p:spPr>
+        <p:style>
+          <a:lnRef idx="0">
+            <a:scrgbClr r="0" g="0" b="0"/>
+          </a:lnRef>
+          <a:fillRef idx="0">
+            <a:scrgbClr r="0" g="0" b="0"/>
+          </a:fillRef>
+          <a:effectRef idx="0">
+            <a:scrgbClr r="0" g="0" b="0"/>
+          </a:effectRef>
+          <a:fontRef idx="minor">
+            <a:schemeClr val="lt1"/>
+          </a:fontRef>
+        </p:style>
+        <p:txBody>
+          <a:bodyPr rtlCol="0" anchor="ctr"/>
+          <a:lstStyle/>
+          <a:p>
+            <a:pPr algn="ctr"/>
+            <a:r>
+              <a:rPr lang="ko-KR" altLang="en-US" sz="1100" b="1" dirty="0">
+                <a:latin typeface="+mj-lt"/>
+              </a:rPr>
+              <a:t>티켓 출력</a:t>
+            </a:r>
+          </a:p>
+        </p:txBody>
+      </p:sp>
+      <p:sp>
+        <p:nvSpPr>
+          <p:cNvPr id="9" name="순서도: 대체 처리 8">
+            <a:extLst>
+              <a:ext uri="{FF2B5EF4-FFF2-40B4-BE49-F238E27FC236}">
+                <a16:creationId xmlns:a16="http://schemas.microsoft.com/office/drawing/2014/main" id="{607ABCCD-9AF3-418B-833E-CA227B70C5EF}"/>
+              </a:ext>
+            </a:extLst>
+          </p:cNvPr>
+          <p:cNvSpPr/>
+          <p:nvPr/>
+        </p:nvSpPr>
+        <p:spPr>
+          <a:xfrm>
+            <a:off x="8903453" y="1665521"/>
+            <a:ext cx="1297133" cy="770594"/>
+          </a:xfrm>
+          <a:prstGeom prst="flowChartAlternateProcess">
+            <a:avLst/>
+          </a:prstGeom>
+          <a:solidFill>
+            <a:schemeClr val="dk1"/>
+          </a:solidFill>
+          <a:ln>
+            <a:noFill/>
+          </a:ln>
+          <a:effectLst>
+            <a:outerShdw blurRad="76200" dir="18900000" sy="23000" kx="-1200000" algn="bl" rotWithShape="0">
+              <a:prstClr val="black">
+                <a:alpha val="20000"/>
+              </a:prstClr>
+            </a:outerShdw>
+          </a:effectLst>
+        </p:spPr>
+        <p:style>
+          <a:lnRef idx="0">
+            <a:scrgbClr r="0" g="0" b="0"/>
+          </a:lnRef>
+          <a:fillRef idx="0">
+            <a:scrgbClr r="0" g="0" b="0"/>
+          </a:fillRef>
+          <a:effectRef idx="0">
+            <a:scrgbClr r="0" g="0" b="0"/>
+          </a:effectRef>
+          <a:fontRef idx="minor">
+            <a:schemeClr val="lt1"/>
+          </a:fontRef>
+        </p:style>
+        <p:txBody>
+          <a:bodyPr rtlCol="0" anchor="ctr"/>
+          <a:lstStyle/>
+          <a:p>
+            <a:pPr algn="ctr"/>
+            <a:r>
+              <a:rPr lang="ko-KR" altLang="en-US" sz="1100" b="1" dirty="0">
+                <a:latin typeface="+mj-lt"/>
+              </a:rPr>
+              <a:t>영화</a:t>
+            </a:r>
+            <a:endParaRPr lang="en-US" altLang="ko-KR" sz="1100" b="1" dirty="0">
+              <a:latin typeface="+mj-lt"/>
+            </a:endParaRPr>
+          </a:p>
+          <a:p>
+            <a:pPr algn="ctr"/>
+            <a:r>
+              <a:rPr lang="ko-KR" altLang="en-US" sz="1100" b="1" dirty="0">
+                <a:latin typeface="+mj-lt"/>
+              </a:rPr>
+              <a:t>업로드</a:t>
+            </a:r>
+          </a:p>
+        </p:txBody>
+      </p:sp>
+      <p:sp>
+        <p:nvSpPr>
+          <p:cNvPr id="10" name="순서도: 대체 처리 9">
+            <a:extLst>
+              <a:ext uri="{FF2B5EF4-FFF2-40B4-BE49-F238E27FC236}">
+                <a16:creationId xmlns:a16="http://schemas.microsoft.com/office/drawing/2014/main" id="{8BD5E63E-84B7-48E6-8FB8-82080269065F}"/>
+              </a:ext>
+            </a:extLst>
+          </p:cNvPr>
+          <p:cNvSpPr/>
+          <p:nvPr/>
+        </p:nvSpPr>
+        <p:spPr>
+          <a:xfrm>
+            <a:off x="308668" y="2833089"/>
+            <a:ext cx="1297133" cy="770594"/>
+          </a:xfrm>
+          <a:prstGeom prst="flowChartAlternateProcess">
+            <a:avLst/>
+          </a:prstGeom>
+          <a:solidFill>
+            <a:schemeClr val="dk1"/>
+          </a:solidFill>
+          <a:ln>
+            <a:noFill/>
+          </a:ln>
+          <a:effectLst>
+            <a:outerShdw blurRad="76200" dir="18900000" sy="23000" kx="-1200000" algn="bl" rotWithShape="0">
+              <a:prstClr val="black">
+                <a:alpha val="20000"/>
+              </a:prstClr>
+            </a:outerShdw>
+          </a:effectLst>
+        </p:spPr>
+        <p:style>
+          <a:lnRef idx="0">
+            <a:scrgbClr r="0" g="0" b="0"/>
+          </a:lnRef>
+          <a:fillRef idx="0">
+            <a:scrgbClr r="0" g="0" b="0"/>
+          </a:fillRef>
+          <a:effectRef idx="0">
+            <a:scrgbClr r="0" g="0" b="0"/>
+          </a:effectRef>
+          <a:fontRef idx="minor">
+            <a:schemeClr val="lt1"/>
+          </a:fontRef>
+        </p:style>
+        <p:txBody>
+          <a:bodyPr rtlCol="0" anchor="ctr"/>
+          <a:lstStyle/>
+          <a:p>
+            <a:pPr algn="ctr"/>
+            <a:r>
+              <a:rPr lang="ko-KR" altLang="en-US" sz="1100" b="1" dirty="0"/>
+              <a:t>영화 </a:t>
+            </a:r>
+            <a:r>
+              <a:rPr lang="ko-KR" altLang="en-US" sz="1100" b="1" dirty="0">
+                <a:latin typeface="+mj-lt"/>
+              </a:rPr>
+              <a:t>조회</a:t>
+            </a:r>
+          </a:p>
+        </p:txBody>
+      </p:sp>
+      <p:sp>
+        <p:nvSpPr>
+          <p:cNvPr id="11" name="순서도: 대체 처리 10">
+            <a:extLst>
+              <a:ext uri="{FF2B5EF4-FFF2-40B4-BE49-F238E27FC236}">
+                <a16:creationId xmlns:a16="http://schemas.microsoft.com/office/drawing/2014/main" id="{914AE32F-E325-4DB0-B1D7-4BCD91712141}"/>
+              </a:ext>
+            </a:extLst>
+          </p:cNvPr>
+          <p:cNvSpPr/>
+          <p:nvPr/>
+        </p:nvSpPr>
+        <p:spPr>
+          <a:xfrm>
+            <a:off x="1915516" y="2842635"/>
+            <a:ext cx="1518918" cy="770594"/>
+          </a:xfrm>
+          <a:prstGeom prst="flowChartAlternateProcess">
+            <a:avLst/>
+          </a:prstGeom>
+          <a:solidFill>
+            <a:schemeClr val="dk1"/>
+          </a:solidFill>
+          <a:ln>
+            <a:noFill/>
+          </a:ln>
+          <a:effectLst>
+            <a:outerShdw blurRad="76200" dir="18900000" sy="23000" kx="-1200000" algn="bl" rotWithShape="0">
+              <a:prstClr val="black">
+                <a:alpha val="20000"/>
+              </a:prstClr>
+            </a:outerShdw>
+          </a:effectLst>
+        </p:spPr>
+        <p:style>
+          <a:lnRef idx="0">
+            <a:scrgbClr r="0" g="0" b="0"/>
+          </a:lnRef>
+          <a:fillRef idx="0">
+            <a:scrgbClr r="0" g="0" b="0"/>
+          </a:fillRef>
+          <a:effectRef idx="0">
+            <a:scrgbClr r="0" g="0" b="0"/>
+          </a:effectRef>
+          <a:fontRef idx="minor">
+            <a:schemeClr val="lt1"/>
+          </a:fontRef>
+        </p:style>
+        <p:txBody>
+          <a:bodyPr rtlCol="0" anchor="ctr"/>
+          <a:lstStyle/>
+          <a:p>
+            <a:pPr algn="ctr"/>
+            <a:r>
+              <a:rPr lang="ko-KR" altLang="en-US" sz="1100" b="1" dirty="0">
+                <a:latin typeface="+mj-lt"/>
+              </a:rPr>
+              <a:t>예매 가능영화 출력</a:t>
+            </a:r>
+            <a:endParaRPr lang="en-US" altLang="ko-KR" sz="1100" b="1" dirty="0">
+              <a:latin typeface="+mj-lt"/>
+            </a:endParaRPr>
+          </a:p>
+          <a:p>
+            <a:pPr algn="ctr"/>
+            <a:r>
+              <a:rPr lang="ko-KR" altLang="en-US" sz="1100" b="1" dirty="0">
+                <a:latin typeface="+mj-lt"/>
+              </a:rPr>
+              <a:t>이름</a:t>
+            </a:r>
+            <a:r>
+              <a:rPr lang="en-US" altLang="ko-KR" sz="1100" b="1" dirty="0">
+                <a:latin typeface="+mj-lt"/>
+              </a:rPr>
+              <a:t>, </a:t>
+            </a:r>
+            <a:r>
+              <a:rPr lang="ko-KR" altLang="en-US" sz="1100" b="1" dirty="0">
+                <a:latin typeface="+mj-lt"/>
+              </a:rPr>
+              <a:t>나이 입력</a:t>
+            </a:r>
+          </a:p>
+        </p:txBody>
+      </p:sp>
+      <p:sp>
+        <p:nvSpPr>
+          <p:cNvPr id="12" name="순서도: 대체 처리 11">
+            <a:extLst>
+              <a:ext uri="{FF2B5EF4-FFF2-40B4-BE49-F238E27FC236}">
+                <a16:creationId xmlns:a16="http://schemas.microsoft.com/office/drawing/2014/main" id="{CD74E96C-F9ED-490B-A5F6-07011C403CE1}"/>
+              </a:ext>
+            </a:extLst>
+          </p:cNvPr>
+          <p:cNvSpPr/>
+          <p:nvPr/>
+        </p:nvSpPr>
+        <p:spPr>
+          <a:xfrm>
+            <a:off x="2027625" y="5116782"/>
+            <a:ext cx="1297133" cy="770594"/>
+          </a:xfrm>
+          <a:prstGeom prst="flowChartAlternateProcess">
+            <a:avLst/>
+          </a:prstGeom>
+          <a:solidFill>
+            <a:schemeClr val="dk1"/>
+          </a:solidFill>
+          <a:ln>
+            <a:noFill/>
+          </a:ln>
+          <a:effectLst>
+            <a:outerShdw blurRad="76200" dir="18900000" sy="23000" kx="-1200000" algn="bl" rotWithShape="0">
+              <a:prstClr val="black">
+                <a:alpha val="20000"/>
+              </a:prstClr>
+            </a:outerShdw>
+          </a:effectLst>
+        </p:spPr>
+        <p:style>
+          <a:lnRef idx="0">
+            <a:scrgbClr r="0" g="0" b="0"/>
+          </a:lnRef>
+          <a:fillRef idx="0">
+            <a:scrgbClr r="0" g="0" b="0"/>
+          </a:fillRef>
+          <a:effectRef idx="0">
+            <a:scrgbClr r="0" g="0" b="0"/>
+          </a:effectRef>
+          <a:fontRef idx="minor">
+            <a:schemeClr val="lt1"/>
+          </a:fontRef>
+        </p:style>
+        <p:txBody>
+          <a:bodyPr rtlCol="0" anchor="ctr"/>
+          <a:lstStyle/>
+          <a:p>
+            <a:pPr algn="ctr"/>
+            <a:r>
+              <a:rPr lang="ko-KR" altLang="en-US" sz="1100" b="1" dirty="0"/>
+              <a:t>결제 비밀번호</a:t>
+            </a:r>
+            <a:endParaRPr lang="en-US" altLang="ko-KR" sz="1100" b="1" dirty="0"/>
+          </a:p>
+          <a:p>
+            <a:pPr algn="ctr"/>
+            <a:r>
+              <a:rPr lang="ko-KR" altLang="en-US" sz="1100" b="1" dirty="0"/>
+              <a:t>입력</a:t>
+            </a:r>
+            <a:endParaRPr lang="en-US" altLang="ko-KR" sz="1100" b="1" dirty="0"/>
+          </a:p>
+        </p:txBody>
+      </p:sp>
+      <p:sp>
+        <p:nvSpPr>
+          <p:cNvPr id="13" name="순서도: 대체 처리 12">
+            <a:extLst>
+              <a:ext uri="{FF2B5EF4-FFF2-40B4-BE49-F238E27FC236}">
+                <a16:creationId xmlns:a16="http://schemas.microsoft.com/office/drawing/2014/main" id="{69342619-3B79-408C-AF59-3DD09BC702CE}"/>
+              </a:ext>
+            </a:extLst>
+          </p:cNvPr>
+          <p:cNvSpPr/>
+          <p:nvPr/>
+        </p:nvSpPr>
+        <p:spPr>
+          <a:xfrm>
+            <a:off x="2027625" y="3993394"/>
+            <a:ext cx="1297133" cy="770594"/>
+          </a:xfrm>
+          <a:prstGeom prst="flowChartAlternateProcess">
+            <a:avLst/>
+          </a:prstGeom>
+          <a:solidFill>
+            <a:schemeClr val="dk1"/>
+          </a:solidFill>
+          <a:ln>
+            <a:noFill/>
+          </a:ln>
+          <a:effectLst>
+            <a:outerShdw blurRad="76200" dir="18900000" sy="23000" kx="-1200000" algn="bl" rotWithShape="0">
+              <a:prstClr val="black">
+                <a:alpha val="20000"/>
+              </a:prstClr>
+            </a:outerShdw>
+          </a:effectLst>
+        </p:spPr>
+        <p:style>
+          <a:lnRef idx="0">
+            <a:scrgbClr r="0" g="0" b="0"/>
+          </a:lnRef>
+          <a:fillRef idx="0">
+            <a:scrgbClr r="0" g="0" b="0"/>
+          </a:fillRef>
+          <a:effectRef idx="0">
+            <a:scrgbClr r="0" g="0" b="0"/>
+          </a:effectRef>
+          <a:fontRef idx="minor">
+            <a:schemeClr val="lt1"/>
+          </a:fontRef>
+        </p:style>
+        <p:txBody>
+          <a:bodyPr rtlCol="0" anchor="ctr"/>
+          <a:lstStyle/>
+          <a:p>
+            <a:pPr algn="ctr"/>
+            <a:r>
+              <a:rPr lang="ko-KR" altLang="en-US" sz="1100" b="1" dirty="0">
+                <a:latin typeface="+mj-lt"/>
+              </a:rPr>
+              <a:t>영화 선택</a:t>
+            </a:r>
+          </a:p>
+        </p:txBody>
+      </p:sp>
+      <p:cxnSp>
+        <p:nvCxnSpPr>
+          <p:cNvPr id="15" name="연결선: 구부러짐 14">
+            <a:extLst>
+              <a:ext uri="{FF2B5EF4-FFF2-40B4-BE49-F238E27FC236}">
+                <a16:creationId xmlns:a16="http://schemas.microsoft.com/office/drawing/2014/main" id="{30DF917A-0A3F-4AC2-9407-F5163A4C375D}"/>
+              </a:ext>
+            </a:extLst>
+          </p:cNvPr>
+          <p:cNvCxnSpPr>
+            <a:cxnSpLocks/>
+          </p:cNvCxnSpPr>
+          <p:nvPr/>
+        </p:nvCxnSpPr>
+        <p:spPr>
+          <a:xfrm flipV="1">
+            <a:off x="1952160" y="3236844"/>
+            <a:ext cx="12151" cy="1160305"/>
+          </a:xfrm>
+          <a:prstGeom prst="curvedConnector3">
+            <a:avLst>
+              <a:gd name="adj1" fmla="val -3616512"/>
+            </a:avLst>
+          </a:prstGeom>
+          <a:ln w="12700">
+            <a:tailEnd type="triangle"/>
+          </a:ln>
+          <a:effectLst>
+            <a:outerShdw blurRad="76200" dist="12700" dir="2700000" sy="-23000" kx="-800400" algn="bl" rotWithShape="0">
+              <a:prstClr val="black">
+                <a:alpha val="20000"/>
+              </a:prstClr>
+            </a:outerShdw>
+          </a:effectLst>
+        </p:spPr>
+        <p:style>
+          <a:lnRef idx="1">
+            <a:schemeClr val="dk1"/>
+          </a:lnRef>
+          <a:fillRef idx="0">
+            <a:schemeClr val="dk1"/>
+          </a:fillRef>
+          <a:effectRef idx="0">
+            <a:schemeClr val="dk1"/>
+          </a:effectRef>
+          <a:fontRef idx="minor">
+            <a:schemeClr val="tx1"/>
+          </a:fontRef>
+        </p:style>
+      </p:cxnSp>
+      <p:sp>
+        <p:nvSpPr>
+          <p:cNvPr id="18" name="TextBox 17">
+            <a:extLst>
+              <a:ext uri="{FF2B5EF4-FFF2-40B4-BE49-F238E27FC236}">
+                <a16:creationId xmlns:a16="http://schemas.microsoft.com/office/drawing/2014/main" id="{9C658B33-5349-4382-8E92-CFDD6DB6213F}"/>
+              </a:ext>
+            </a:extLst>
+          </p:cNvPr>
+          <p:cNvSpPr txBox="1"/>
+          <p:nvPr/>
+        </p:nvSpPr>
+        <p:spPr>
+          <a:xfrm>
+            <a:off x="1487275" y="3613229"/>
+            <a:ext cx="941921" cy="400110"/>
+          </a:xfrm>
+          <a:prstGeom prst="rect">
+            <a:avLst/>
+          </a:prstGeom>
+          <a:noFill/>
+          <a:effectLst>
+            <a:outerShdw blurRad="76200" dist="12700" dir="2700000" sy="-23000" kx="-800400" algn="bl" rotWithShape="0">
+              <a:prstClr val="black">
+                <a:alpha val="20000"/>
+              </a:prstClr>
+            </a:outerShdw>
+          </a:effectLst>
+        </p:spPr>
+        <p:txBody>
+          <a:bodyPr wrap="square" rtlCol="0">
+            <a:spAutoFit/>
+          </a:bodyPr>
+          <a:lstStyle/>
+          <a:p>
+            <a:r>
+              <a:rPr lang="ko-KR" altLang="en-US" sz="1000" b="1" dirty="0">
                 <a:solidFill>
                   <a:schemeClr val="bg1">
                     <a:lumMod val="50000"/>
                   </a:schemeClr>
                 </a:solidFill>
                 <a:latin typeface="+mj-lt"/>
-              </a:endParaRPr>
-            </a:p>
-            <a:p>
-              <a:r>
-                <a:rPr lang="ko-KR" altLang="en-US" sz="1000" b="1" dirty="0" smtClean="0">
-                  <a:solidFill>
-                    <a:schemeClr val="bg1">
-                      <a:lumMod val="50000"/>
-                    </a:schemeClr>
-                  </a:solidFill>
-                  <a:latin typeface="+mj-lt"/>
-                </a:rPr>
-                <a:t>되돌리기</a:t>
-              </a:r>
-              <a:endParaRPr lang="en-US" altLang="ko-KR" sz="1000" b="1" dirty="0">
+              </a:rPr>
+              <a:t>연령제한</a:t>
+            </a:r>
+            <a:endParaRPr lang="en-US" altLang="ko-KR" sz="1000" b="1" dirty="0">
+              <a:solidFill>
+                <a:schemeClr val="bg1">
+                  <a:lumMod val="50000"/>
+                </a:schemeClr>
+              </a:solidFill>
+              <a:latin typeface="+mj-lt"/>
+            </a:endParaRPr>
+          </a:p>
+          <a:p>
+            <a:r>
+              <a:rPr lang="ko-KR" altLang="en-US" sz="1000" b="1" dirty="0">
                 <a:solidFill>
                   <a:schemeClr val="bg1">
                     <a:lumMod val="50000"/>
                   </a:schemeClr>
                 </a:solidFill>
                 <a:latin typeface="+mj-lt"/>
-              </a:endParaRPr>
-            </a:p>
-          </p:txBody>
-        </p:sp>
-        <p:sp>
-          <p:nvSpPr>
-            <p:cNvPr id="19" name="순서도: 대체 처리 18">
-              <a:extLst>
-                <a:ext uri="{FF2B5EF4-FFF2-40B4-BE49-F238E27FC236}">
-                  <a16:creationId xmlns:a16="http://schemas.microsoft.com/office/drawing/2014/main" xmlns="" id="{D8D4DBCA-DAA8-466E-B1A0-5A2F4B64FE06}"/>
-                </a:ext>
-              </a:extLst>
-            </p:cNvPr>
-            <p:cNvSpPr/>
-            <p:nvPr/>
-          </p:nvSpPr>
-          <p:spPr>
-            <a:xfrm>
-              <a:off x="4316739" y="5382446"/>
-              <a:ext cx="1355708" cy="805392"/>
-            </a:xfrm>
-            <a:prstGeom prst="flowChartAlternateProcess">
-              <a:avLst/>
-            </a:prstGeom>
-            <a:solidFill>
-              <a:schemeClr val="dk1"/>
-            </a:solidFill>
-            <a:ln>
-              <a:noFill/>
-            </a:ln>
-            <a:effectLst>
-              <a:outerShdw blurRad="76200" dir="18900000" sy="23000" kx="-1200000" algn="bl" rotWithShape="0">
-                <a:prstClr val="black">
-                  <a:alpha val="20000"/>
-                </a:prstClr>
-              </a:outerShdw>
-            </a:effectLst>
-          </p:spPr>
-          <p:style>
-            <a:lnRef idx="0">
-              <a:scrgbClr r="0" g="0" b="0"/>
-            </a:lnRef>
-            <a:fillRef idx="0">
-              <a:scrgbClr r="0" g="0" b="0"/>
-            </a:fillRef>
-            <a:effectRef idx="0">
-              <a:scrgbClr r="0" g="0" b="0"/>
-            </a:effectRef>
-            <a:fontRef idx="minor">
-              <a:schemeClr val="lt1"/>
-            </a:fontRef>
-          </p:style>
-          <p:txBody>
-            <a:bodyPr rtlCol="0" anchor="ctr"/>
-            <a:lstStyle/>
-            <a:p>
-              <a:pPr algn="ctr"/>
-              <a:r>
-                <a:rPr lang="ko-KR" altLang="en-US" sz="1100" b="1" dirty="0" smtClean="0"/>
-                <a:t>좌석 선택</a:t>
-              </a:r>
-              <a:endParaRPr lang="en-US" altLang="ko-KR" sz="1100" b="1" dirty="0">
-                <a:latin typeface="+mj-lt"/>
-              </a:endParaRPr>
-            </a:p>
-            <a:p>
-              <a:pPr algn="ctr"/>
-              <a:r>
-                <a:rPr lang="ko-KR" altLang="en-US" sz="1100" b="1" dirty="0">
-                  <a:latin typeface="+mj-lt"/>
-                </a:rPr>
-                <a:t>입력</a:t>
-              </a:r>
-              <a:endParaRPr lang="en-US" altLang="ko-KR" sz="1100" b="1" dirty="0">
-                <a:latin typeface="+mj-lt"/>
-              </a:endParaRPr>
-            </a:p>
-            <a:p>
-              <a:pPr algn="ctr"/>
-              <a:r>
-                <a:rPr lang="en-US" altLang="ko-KR" sz="1100" b="1" dirty="0">
-                  <a:latin typeface="+mj-lt"/>
-                </a:rPr>
-                <a:t>&gt; </a:t>
-              </a:r>
-              <a:r>
-                <a:rPr lang="ko-KR" altLang="en-US" sz="1100" b="1" dirty="0">
-                  <a:latin typeface="+mj-lt"/>
-                </a:rPr>
-                <a:t>예약 성공</a:t>
-              </a:r>
-            </a:p>
-          </p:txBody>
-        </p:sp>
-        <p:sp>
-          <p:nvSpPr>
-            <p:cNvPr id="21" name="순서도: 대체 처리 20">
-              <a:extLst>
-                <a:ext uri="{FF2B5EF4-FFF2-40B4-BE49-F238E27FC236}">
-                  <a16:creationId xmlns:a16="http://schemas.microsoft.com/office/drawing/2014/main" xmlns="" id="{073F6CDF-4625-4484-B8D0-F537BE40E582}"/>
-                </a:ext>
-              </a:extLst>
-            </p:cNvPr>
-            <p:cNvSpPr/>
-            <p:nvPr/>
-          </p:nvSpPr>
-          <p:spPr>
-            <a:xfrm>
-              <a:off x="4319338" y="2995628"/>
-              <a:ext cx="1355708" cy="805392"/>
-            </a:xfrm>
-            <a:prstGeom prst="flowChartAlternateProcess">
-              <a:avLst/>
-            </a:prstGeom>
-            <a:solidFill>
-              <a:schemeClr val="dk1"/>
-            </a:solidFill>
-            <a:ln>
-              <a:noFill/>
-            </a:ln>
-            <a:effectLst>
-              <a:outerShdw blurRad="76200" dir="18900000" sy="23000" kx="-1200000" algn="bl" rotWithShape="0">
-                <a:prstClr val="black">
-                  <a:alpha val="20000"/>
-                </a:prstClr>
-              </a:outerShdw>
-            </a:effectLst>
-          </p:spPr>
-          <p:style>
-            <a:lnRef idx="0">
-              <a:scrgbClr r="0" g="0" b="0"/>
-            </a:lnRef>
-            <a:fillRef idx="0">
-              <a:scrgbClr r="0" g="0" b="0"/>
-            </a:fillRef>
-            <a:effectRef idx="0">
-              <a:scrgbClr r="0" g="0" b="0"/>
-            </a:effectRef>
-            <a:fontRef idx="minor">
-              <a:schemeClr val="lt1"/>
-            </a:fontRef>
-          </p:style>
-          <p:txBody>
-            <a:bodyPr rtlCol="0" anchor="ctr"/>
-            <a:lstStyle/>
-            <a:p>
-              <a:pPr algn="ctr"/>
-              <a:r>
-                <a:rPr lang="ko-KR" altLang="en-US" sz="1100" b="1" dirty="0" smtClean="0">
-                  <a:latin typeface="+mj-lt"/>
-                </a:rPr>
-                <a:t>고객 이름</a:t>
-              </a:r>
-              <a:r>
-                <a:rPr lang="en-US" altLang="ko-KR" sz="1100" b="1" dirty="0">
-                  <a:latin typeface="+mj-lt"/>
-                </a:rPr>
-                <a:t>,</a:t>
-              </a:r>
-            </a:p>
-            <a:p>
-              <a:pPr algn="ctr"/>
-              <a:r>
-                <a:rPr lang="ko-KR" altLang="en-US" sz="1100" b="1" dirty="0">
-                  <a:latin typeface="+mj-lt"/>
-                </a:rPr>
-                <a:t>결제 비밀번호</a:t>
-              </a:r>
-              <a:endParaRPr lang="en-US" altLang="ko-KR" sz="1100" b="1" dirty="0">
-                <a:latin typeface="+mj-lt"/>
-              </a:endParaRPr>
-            </a:p>
-            <a:p>
-              <a:pPr algn="ctr"/>
-              <a:r>
-                <a:rPr lang="ko-KR" altLang="en-US" sz="1100" b="1" dirty="0">
-                  <a:latin typeface="+mj-lt"/>
-                </a:rPr>
-                <a:t>확인</a:t>
-              </a:r>
-              <a:endParaRPr lang="en-US" altLang="ko-KR" sz="1100" b="1" dirty="0">
-                <a:latin typeface="+mj-lt"/>
-              </a:endParaRPr>
-            </a:p>
-          </p:txBody>
-        </p:sp>
-        <p:sp>
-          <p:nvSpPr>
-            <p:cNvPr id="23" name="순서도: 대체 처리 22">
-              <a:extLst>
-                <a:ext uri="{FF2B5EF4-FFF2-40B4-BE49-F238E27FC236}">
-                  <a16:creationId xmlns:a16="http://schemas.microsoft.com/office/drawing/2014/main" xmlns="" id="{F624BC32-24A5-4D0E-A5F8-A63618E53EE1}"/>
-                </a:ext>
-              </a:extLst>
-            </p:cNvPr>
-            <p:cNvSpPr/>
-            <p:nvPr/>
-          </p:nvSpPr>
-          <p:spPr>
-            <a:xfrm>
-              <a:off x="4319338" y="4189037"/>
-              <a:ext cx="1355708" cy="805392"/>
-            </a:xfrm>
-            <a:prstGeom prst="flowChartAlternateProcess">
-              <a:avLst/>
-            </a:prstGeom>
-            <a:solidFill>
-              <a:schemeClr val="dk1"/>
-            </a:solidFill>
-            <a:ln>
-              <a:noFill/>
-            </a:ln>
-            <a:effectLst>
-              <a:outerShdw blurRad="76200" dir="18900000" sy="23000" kx="-1200000" algn="bl" rotWithShape="0">
-                <a:prstClr val="black">
-                  <a:alpha val="20000"/>
-                </a:prstClr>
-              </a:outerShdw>
-            </a:effectLst>
-          </p:spPr>
-          <p:style>
-            <a:lnRef idx="0">
-              <a:scrgbClr r="0" g="0" b="0"/>
-            </a:lnRef>
-            <a:fillRef idx="0">
-              <a:scrgbClr r="0" g="0" b="0"/>
-            </a:fillRef>
-            <a:effectRef idx="0">
-              <a:scrgbClr r="0" g="0" b="0"/>
-            </a:effectRef>
-            <a:fontRef idx="minor">
-              <a:schemeClr val="lt1"/>
-            </a:fontRef>
-          </p:style>
-          <p:txBody>
-            <a:bodyPr rtlCol="0" anchor="ctr"/>
-            <a:lstStyle/>
-            <a:p>
-              <a:pPr algn="ctr"/>
-              <a:r>
-                <a:rPr lang="ko-KR" altLang="en-US" sz="1100" b="1" dirty="0" smtClean="0">
-                  <a:latin typeface="+mj-lt"/>
-                </a:rPr>
-                <a:t>예매 </a:t>
-              </a:r>
-              <a:r>
-                <a:rPr lang="ko-KR" altLang="en-US" sz="1100" b="1" dirty="0">
-                  <a:latin typeface="+mj-lt"/>
-                </a:rPr>
-                <a:t>내역 확인</a:t>
-              </a:r>
-              <a:endParaRPr lang="en-US" altLang="ko-KR" sz="1100" b="1" dirty="0">
-                <a:latin typeface="+mj-lt"/>
-              </a:endParaRPr>
-            </a:p>
-          </p:txBody>
-        </p:sp>
-        <p:sp>
-          <p:nvSpPr>
-            <p:cNvPr id="24" name="순서도: 대체 처리 23">
-              <a:extLst>
-                <a:ext uri="{FF2B5EF4-FFF2-40B4-BE49-F238E27FC236}">
-                  <a16:creationId xmlns:a16="http://schemas.microsoft.com/office/drawing/2014/main" xmlns="" id="{45EA7DDD-4D09-4AAA-87AF-E8B5953A437E}"/>
-                </a:ext>
-              </a:extLst>
-            </p:cNvPr>
-            <p:cNvSpPr/>
-            <p:nvPr/>
-          </p:nvSpPr>
-          <p:spPr>
-            <a:xfrm>
-              <a:off x="6276475" y="2995628"/>
-              <a:ext cx="1355708" cy="805392"/>
-            </a:xfrm>
-            <a:prstGeom prst="flowChartAlternateProcess">
-              <a:avLst/>
-            </a:prstGeom>
-            <a:solidFill>
-              <a:schemeClr val="dk1"/>
-            </a:solidFill>
-            <a:ln>
-              <a:noFill/>
-            </a:ln>
-            <a:effectLst>
-              <a:outerShdw blurRad="76200" dir="18900000" sy="23000" kx="-1200000" algn="bl" rotWithShape="0">
-                <a:prstClr val="black">
-                  <a:alpha val="20000"/>
-                </a:prstClr>
-              </a:outerShdw>
-            </a:effectLst>
-          </p:spPr>
-          <p:style>
-            <a:lnRef idx="0">
-              <a:scrgbClr r="0" g="0" b="0"/>
-            </a:lnRef>
-            <a:fillRef idx="0">
-              <a:scrgbClr r="0" g="0" b="0"/>
-            </a:fillRef>
-            <a:effectRef idx="0">
-              <a:scrgbClr r="0" g="0" b="0"/>
-            </a:effectRef>
-            <a:fontRef idx="minor">
-              <a:schemeClr val="lt1"/>
-            </a:fontRef>
-          </p:style>
-          <p:txBody>
-            <a:bodyPr rtlCol="0" anchor="ctr"/>
-            <a:lstStyle/>
-            <a:p>
-              <a:pPr algn="ctr"/>
-              <a:r>
-                <a:rPr lang="ko-KR" altLang="en-US" sz="1100" b="1" dirty="0">
-                  <a:latin typeface="+mj-lt"/>
-                </a:rPr>
-                <a:t>이름</a:t>
-              </a:r>
-              <a:r>
-                <a:rPr lang="en-US" altLang="ko-KR" sz="1100" b="1" dirty="0">
-                  <a:latin typeface="+mj-lt"/>
-                </a:rPr>
-                <a:t>,</a:t>
-              </a:r>
-            </a:p>
-            <a:p>
-              <a:pPr algn="ctr"/>
-              <a:r>
-                <a:rPr lang="ko-KR" altLang="en-US" sz="1100" b="1" dirty="0">
-                  <a:latin typeface="+mj-lt"/>
-                </a:rPr>
-                <a:t>결제 비밀번호</a:t>
-              </a:r>
-              <a:endParaRPr lang="en-US" altLang="ko-KR" sz="1100" b="1" dirty="0">
-                <a:latin typeface="+mj-lt"/>
-              </a:endParaRPr>
-            </a:p>
-            <a:p>
-              <a:pPr algn="ctr"/>
-              <a:r>
-                <a:rPr lang="ko-KR" altLang="en-US" sz="1100" b="1" dirty="0">
-                  <a:latin typeface="+mj-lt"/>
-                </a:rPr>
-                <a:t>확인</a:t>
-              </a:r>
-              <a:endParaRPr lang="en-US" altLang="ko-KR" sz="1100" b="1" dirty="0">
-                <a:latin typeface="+mj-lt"/>
-              </a:endParaRPr>
-            </a:p>
-          </p:txBody>
-        </p:sp>
-        <p:sp>
-          <p:nvSpPr>
-            <p:cNvPr id="25" name="순서도: 대체 처리 24">
-              <a:extLst>
-                <a:ext uri="{FF2B5EF4-FFF2-40B4-BE49-F238E27FC236}">
-                  <a16:creationId xmlns:a16="http://schemas.microsoft.com/office/drawing/2014/main" xmlns="" id="{2C74A3AC-6ECE-4B78-B36E-34FF21DEB3C6}"/>
-                </a:ext>
-              </a:extLst>
-            </p:cNvPr>
-            <p:cNvSpPr/>
-            <p:nvPr/>
-          </p:nvSpPr>
-          <p:spPr>
-            <a:xfrm>
-              <a:off x="6276475" y="4189037"/>
-              <a:ext cx="1355708" cy="805392"/>
-            </a:xfrm>
-            <a:prstGeom prst="flowChartAlternateProcess">
-              <a:avLst/>
-            </a:prstGeom>
-            <a:solidFill>
-              <a:schemeClr val="dk1"/>
-            </a:solidFill>
-            <a:ln>
-              <a:noFill/>
-            </a:ln>
-            <a:effectLst>
-              <a:outerShdw blurRad="76200" dir="18900000" sy="23000" kx="-1200000" algn="bl" rotWithShape="0">
-                <a:prstClr val="black">
-                  <a:alpha val="20000"/>
-                </a:prstClr>
-              </a:outerShdw>
-            </a:effectLst>
-          </p:spPr>
-          <p:style>
-            <a:lnRef idx="0">
-              <a:scrgbClr r="0" g="0" b="0"/>
-            </a:lnRef>
-            <a:fillRef idx="0">
-              <a:scrgbClr r="0" g="0" b="0"/>
-            </a:fillRef>
-            <a:effectRef idx="0">
-              <a:scrgbClr r="0" g="0" b="0"/>
-            </a:effectRef>
-            <a:fontRef idx="minor">
-              <a:schemeClr val="lt1"/>
-            </a:fontRef>
-          </p:style>
-          <p:txBody>
-            <a:bodyPr rtlCol="0" anchor="ctr"/>
-            <a:lstStyle/>
-            <a:p>
-              <a:pPr algn="ctr"/>
-              <a:r>
-                <a:rPr lang="ko-KR" altLang="en-US" sz="1100" b="1" dirty="0" smtClean="0">
-                  <a:latin typeface="+mj-lt"/>
-                </a:rPr>
-                <a:t>포토티켓으로</a:t>
-              </a:r>
-              <a:endParaRPr lang="en-US" altLang="ko-KR" sz="1100" b="1" dirty="0" smtClean="0">
-                <a:latin typeface="+mj-lt"/>
-              </a:endParaRPr>
-            </a:p>
-            <a:p>
-              <a:pPr algn="ctr"/>
-              <a:r>
-                <a:rPr lang="ko-KR" altLang="en-US" sz="1100" b="1" dirty="0" smtClean="0">
-                  <a:latin typeface="+mj-lt"/>
-                </a:rPr>
-                <a:t>출력 여부</a:t>
-              </a:r>
-              <a:endParaRPr lang="en-US" altLang="ko-KR" sz="1100" b="1" dirty="0">
-                <a:latin typeface="+mj-lt"/>
-              </a:endParaRPr>
-            </a:p>
-          </p:txBody>
-        </p:sp>
-        <p:sp>
-          <p:nvSpPr>
-            <p:cNvPr id="26" name="순서도: 대체 처리 25">
-              <a:extLst>
-                <a:ext uri="{FF2B5EF4-FFF2-40B4-BE49-F238E27FC236}">
-                  <a16:creationId xmlns:a16="http://schemas.microsoft.com/office/drawing/2014/main" xmlns="" id="{BF35B2D3-F85B-4C52-9D6B-878DCDD6E515}"/>
-                </a:ext>
-              </a:extLst>
-            </p:cNvPr>
-            <p:cNvSpPr/>
-            <p:nvPr/>
-          </p:nvSpPr>
-          <p:spPr>
-            <a:xfrm>
-              <a:off x="8233612" y="2995628"/>
-              <a:ext cx="1355708" cy="805392"/>
-            </a:xfrm>
-            <a:prstGeom prst="flowChartAlternateProcess">
-              <a:avLst/>
-            </a:prstGeom>
-            <a:solidFill>
-              <a:schemeClr val="dk1"/>
-            </a:solidFill>
-            <a:ln>
-              <a:noFill/>
-            </a:ln>
-            <a:effectLst>
-              <a:outerShdw blurRad="76200" dir="18900000" sy="23000" kx="-1200000" algn="bl" rotWithShape="0">
-                <a:prstClr val="black">
-                  <a:alpha val="20000"/>
-                </a:prstClr>
-              </a:outerShdw>
-            </a:effectLst>
-          </p:spPr>
-          <p:style>
-            <a:lnRef idx="0">
-              <a:scrgbClr r="0" g="0" b="0"/>
-            </a:lnRef>
-            <a:fillRef idx="0">
-              <a:scrgbClr r="0" g="0" b="0"/>
-            </a:fillRef>
-            <a:effectRef idx="0">
-              <a:scrgbClr r="0" g="0" b="0"/>
-            </a:effectRef>
-            <a:fontRef idx="minor">
-              <a:schemeClr val="lt1"/>
-            </a:fontRef>
-          </p:style>
-          <p:txBody>
-            <a:bodyPr rtlCol="0" anchor="ctr"/>
-            <a:lstStyle/>
-            <a:p>
-              <a:pPr algn="ctr"/>
-              <a:r>
-                <a:rPr lang="ko-KR" altLang="en-US" sz="1100" b="1" dirty="0" err="1" smtClean="0">
-                  <a:latin typeface="+mj-lt"/>
-                </a:rPr>
-                <a:t>새영화목록</a:t>
-              </a:r>
-              <a:r>
-                <a:rPr lang="en-US" altLang="ko-KR" sz="1100" b="1" dirty="0" smtClean="0">
-                  <a:latin typeface="+mj-lt"/>
-                </a:rPr>
-                <a:t>.</a:t>
-              </a:r>
-              <a:r>
-                <a:rPr lang="en-US" altLang="ko-KR" sz="1100" b="1" dirty="0">
-                  <a:latin typeface="+mj-lt"/>
-                </a:rPr>
-                <a:t>txt</a:t>
-              </a:r>
-            </a:p>
-            <a:p>
-              <a:pPr algn="ctr"/>
-              <a:r>
-                <a:rPr lang="ko-KR" altLang="en-US" sz="1100" b="1" dirty="0">
-                  <a:latin typeface="+mj-lt"/>
-                </a:rPr>
-                <a:t>파일 업로드</a:t>
-              </a:r>
-              <a:endParaRPr lang="en-US" altLang="ko-KR" sz="1100" b="1" dirty="0">
-                <a:latin typeface="+mj-lt"/>
-              </a:endParaRPr>
-            </a:p>
-          </p:txBody>
-        </p:sp>
-        <p:sp>
-          <p:nvSpPr>
-            <p:cNvPr id="27" name="순서도: 대체 처리 26">
-              <a:extLst>
-                <a:ext uri="{FF2B5EF4-FFF2-40B4-BE49-F238E27FC236}">
-                  <a16:creationId xmlns:a16="http://schemas.microsoft.com/office/drawing/2014/main" xmlns="" id="{D99AFA3D-AD28-4744-A2F2-8BFD22D8A2CD}"/>
-                </a:ext>
-              </a:extLst>
-            </p:cNvPr>
-            <p:cNvSpPr/>
-            <p:nvPr/>
-          </p:nvSpPr>
-          <p:spPr>
-            <a:xfrm>
-              <a:off x="8233612" y="4189037"/>
-              <a:ext cx="1355708" cy="805392"/>
-            </a:xfrm>
-            <a:prstGeom prst="flowChartAlternateProcess">
-              <a:avLst/>
-            </a:prstGeom>
-            <a:solidFill>
-              <a:schemeClr val="dk1"/>
-            </a:solidFill>
-            <a:ln>
-              <a:noFill/>
-            </a:ln>
-            <a:effectLst>
-              <a:outerShdw blurRad="76200" dir="18900000" sy="23000" kx="-1200000" algn="bl" rotWithShape="0">
-                <a:prstClr val="black">
-                  <a:alpha val="20000"/>
-                </a:prstClr>
-              </a:outerShdw>
-            </a:effectLst>
-          </p:spPr>
-          <p:style>
-            <a:lnRef idx="0">
-              <a:scrgbClr r="0" g="0" b="0"/>
-            </a:lnRef>
-            <a:fillRef idx="0">
-              <a:scrgbClr r="0" g="0" b="0"/>
-            </a:fillRef>
-            <a:effectRef idx="0">
-              <a:scrgbClr r="0" g="0" b="0"/>
-            </a:effectRef>
-            <a:fontRef idx="minor">
-              <a:schemeClr val="lt1"/>
-            </a:fontRef>
-          </p:style>
-          <p:txBody>
-            <a:bodyPr rtlCol="0" anchor="ctr"/>
-            <a:lstStyle/>
-            <a:p>
-              <a:pPr algn="ctr"/>
-              <a:r>
-                <a:rPr lang="ko-KR" altLang="en-US" sz="1100" b="1" dirty="0" smtClean="0">
-                  <a:latin typeface="+mj-lt"/>
-                </a:rPr>
-                <a:t>영화</a:t>
-              </a:r>
-              <a:r>
-                <a:rPr lang="ko-KR" altLang="en-US" sz="1100" b="1" dirty="0" smtClean="0">
-                  <a:latin typeface="+mj-lt"/>
-                </a:rPr>
-                <a:t> </a:t>
-              </a:r>
-              <a:r>
-                <a:rPr lang="ko-KR" altLang="en-US" sz="1100" b="1" dirty="0">
-                  <a:latin typeface="+mj-lt"/>
-                </a:rPr>
-                <a:t>목록에</a:t>
-              </a:r>
-              <a:endParaRPr lang="en-US" altLang="ko-KR" sz="1100" b="1" dirty="0">
-                <a:latin typeface="+mj-lt"/>
-              </a:endParaRPr>
-            </a:p>
-            <a:p>
-              <a:pPr algn="ctr"/>
-              <a:r>
-                <a:rPr lang="ko-KR" altLang="en-US" sz="1100" b="1" dirty="0">
-                  <a:latin typeface="+mj-lt"/>
-                </a:rPr>
-                <a:t>추가</a:t>
-              </a:r>
-              <a:endParaRPr lang="en-US" altLang="ko-KR" sz="1100" b="1" dirty="0">
-                <a:latin typeface="+mj-lt"/>
-              </a:endParaRPr>
-            </a:p>
-          </p:txBody>
-        </p:sp>
-        <p:cxnSp>
-          <p:nvCxnSpPr>
-            <p:cNvPr id="31" name="직선 화살표 연결선 30">
-              <a:extLst>
-                <a:ext uri="{FF2B5EF4-FFF2-40B4-BE49-F238E27FC236}">
-                  <a16:creationId xmlns:a16="http://schemas.microsoft.com/office/drawing/2014/main" xmlns="" id="{A53D600A-EBA6-4002-B551-8B5BA7484AB7}"/>
-                </a:ext>
-              </a:extLst>
-            </p:cNvPr>
-            <p:cNvCxnSpPr>
-              <a:cxnSpLocks/>
-              <a:stCxn id="4" idx="2"/>
-              <a:endCxn id="10" idx="0"/>
-            </p:cNvCxnSpPr>
-            <p:nvPr/>
-          </p:nvCxnSpPr>
-          <p:spPr>
-            <a:xfrm>
-              <a:off x="1082918" y="2580728"/>
-              <a:ext cx="0" cy="414900"/>
-            </a:xfrm>
-            <a:prstGeom prst="straightConnector1">
-              <a:avLst/>
-            </a:prstGeom>
-            <a:ln w="12700">
-              <a:tailEnd type="triangle"/>
-            </a:ln>
-          </p:spPr>
-          <p:style>
-            <a:lnRef idx="1">
-              <a:schemeClr val="dk1"/>
-            </a:lnRef>
-            <a:fillRef idx="0">
-              <a:schemeClr val="dk1"/>
-            </a:fillRef>
-            <a:effectRef idx="0">
-              <a:schemeClr val="dk1"/>
-            </a:effectRef>
-            <a:fontRef idx="minor">
-              <a:schemeClr val="tx1"/>
-            </a:fontRef>
-          </p:style>
-        </p:cxnSp>
-        <p:cxnSp>
-          <p:nvCxnSpPr>
-            <p:cNvPr id="33" name="직선 화살표 연결선 32">
-              <a:extLst>
-                <a:ext uri="{FF2B5EF4-FFF2-40B4-BE49-F238E27FC236}">
-                  <a16:creationId xmlns:a16="http://schemas.microsoft.com/office/drawing/2014/main" xmlns="" id="{3591C06D-B0D2-4A4B-9BE5-33F89F234A60}"/>
-                </a:ext>
-              </a:extLst>
-            </p:cNvPr>
-            <p:cNvCxnSpPr>
-              <a:cxnSpLocks/>
-              <a:stCxn id="5" idx="2"/>
-              <a:endCxn id="11" idx="0"/>
-            </p:cNvCxnSpPr>
-            <p:nvPr/>
-          </p:nvCxnSpPr>
-          <p:spPr>
-            <a:xfrm>
-              <a:off x="3040055" y="2580728"/>
-              <a:ext cx="0" cy="414900"/>
-            </a:xfrm>
-            <a:prstGeom prst="straightConnector1">
-              <a:avLst/>
-            </a:prstGeom>
-            <a:ln w="12700">
-              <a:tailEnd type="triangle"/>
-            </a:ln>
-          </p:spPr>
-          <p:style>
-            <a:lnRef idx="1">
-              <a:schemeClr val="dk1"/>
-            </a:lnRef>
-            <a:fillRef idx="0">
-              <a:schemeClr val="dk1"/>
-            </a:fillRef>
-            <a:effectRef idx="0">
-              <a:schemeClr val="dk1"/>
-            </a:effectRef>
-            <a:fontRef idx="minor">
-              <a:schemeClr val="tx1"/>
-            </a:fontRef>
-          </p:style>
-        </p:cxnSp>
-        <p:cxnSp>
-          <p:nvCxnSpPr>
-            <p:cNvPr id="37" name="직선 화살표 연결선 36">
-              <a:extLst>
-                <a:ext uri="{FF2B5EF4-FFF2-40B4-BE49-F238E27FC236}">
-                  <a16:creationId xmlns:a16="http://schemas.microsoft.com/office/drawing/2014/main" xmlns="" id="{353871BF-AF57-4C4A-BB0A-7598917FEBA9}"/>
-                </a:ext>
-              </a:extLst>
-            </p:cNvPr>
-            <p:cNvCxnSpPr>
-              <a:cxnSpLocks/>
-              <a:stCxn id="6" idx="2"/>
-              <a:endCxn id="21" idx="0"/>
-            </p:cNvCxnSpPr>
-            <p:nvPr/>
-          </p:nvCxnSpPr>
-          <p:spPr>
-            <a:xfrm>
-              <a:off x="4997192" y="2580728"/>
-              <a:ext cx="0" cy="414900"/>
-            </a:xfrm>
-            <a:prstGeom prst="straightConnector1">
-              <a:avLst/>
-            </a:prstGeom>
-            <a:ln w="12700">
-              <a:tailEnd type="triangle"/>
-            </a:ln>
-          </p:spPr>
-          <p:style>
-            <a:lnRef idx="1">
-              <a:schemeClr val="dk1"/>
-            </a:lnRef>
-            <a:fillRef idx="0">
-              <a:schemeClr val="dk1"/>
-            </a:fillRef>
-            <a:effectRef idx="0">
-              <a:schemeClr val="dk1"/>
-            </a:effectRef>
-            <a:fontRef idx="minor">
-              <a:schemeClr val="tx1"/>
-            </a:fontRef>
-          </p:style>
-        </p:cxnSp>
-        <p:cxnSp>
-          <p:nvCxnSpPr>
-            <p:cNvPr id="40" name="직선 화살표 연결선 39">
-              <a:extLst>
-                <a:ext uri="{FF2B5EF4-FFF2-40B4-BE49-F238E27FC236}">
-                  <a16:creationId xmlns:a16="http://schemas.microsoft.com/office/drawing/2014/main" xmlns="" id="{93945AFF-754A-4CD2-83B9-85FD02585753}"/>
-                </a:ext>
-              </a:extLst>
-            </p:cNvPr>
-            <p:cNvCxnSpPr>
-              <a:cxnSpLocks/>
-              <a:stCxn id="7" idx="2"/>
-              <a:endCxn id="24" idx="0"/>
-            </p:cNvCxnSpPr>
-            <p:nvPr/>
-          </p:nvCxnSpPr>
-          <p:spPr>
-            <a:xfrm>
-              <a:off x="6954329" y="2580728"/>
-              <a:ext cx="0" cy="414900"/>
-            </a:xfrm>
-            <a:prstGeom prst="straightConnector1">
-              <a:avLst/>
-            </a:prstGeom>
-            <a:ln w="12700">
-              <a:tailEnd type="triangle"/>
-            </a:ln>
-          </p:spPr>
-          <p:style>
-            <a:lnRef idx="1">
-              <a:schemeClr val="dk1"/>
-            </a:lnRef>
-            <a:fillRef idx="0">
-              <a:schemeClr val="dk1"/>
-            </a:fillRef>
-            <a:effectRef idx="0">
-              <a:schemeClr val="dk1"/>
-            </a:effectRef>
-            <a:fontRef idx="minor">
-              <a:schemeClr val="tx1"/>
-            </a:fontRef>
-          </p:style>
-        </p:cxnSp>
-        <p:cxnSp>
-          <p:nvCxnSpPr>
-            <p:cNvPr id="43" name="직선 화살표 연결선 42">
-              <a:extLst>
-                <a:ext uri="{FF2B5EF4-FFF2-40B4-BE49-F238E27FC236}">
-                  <a16:creationId xmlns:a16="http://schemas.microsoft.com/office/drawing/2014/main" xmlns="" id="{1D036DC0-4A36-46FE-96C6-7B4C0E64FCD2}"/>
-                </a:ext>
-              </a:extLst>
-            </p:cNvPr>
-            <p:cNvCxnSpPr>
-              <a:cxnSpLocks/>
-              <a:stCxn id="8" idx="2"/>
-              <a:endCxn id="26" idx="0"/>
-            </p:cNvCxnSpPr>
-            <p:nvPr/>
-          </p:nvCxnSpPr>
-          <p:spPr>
-            <a:xfrm>
-              <a:off x="8911466" y="2580728"/>
-              <a:ext cx="0" cy="414900"/>
-            </a:xfrm>
-            <a:prstGeom prst="straightConnector1">
-              <a:avLst/>
-            </a:prstGeom>
-            <a:ln w="12700">
-              <a:tailEnd type="triangle"/>
-            </a:ln>
-          </p:spPr>
-          <p:style>
-            <a:lnRef idx="1">
-              <a:schemeClr val="dk1"/>
-            </a:lnRef>
-            <a:fillRef idx="0">
-              <a:schemeClr val="dk1"/>
-            </a:fillRef>
-            <a:effectRef idx="0">
-              <a:schemeClr val="dk1"/>
-            </a:effectRef>
-            <a:fontRef idx="minor">
-              <a:schemeClr val="tx1"/>
-            </a:fontRef>
-          </p:style>
-        </p:cxnSp>
-        <p:cxnSp>
-          <p:nvCxnSpPr>
-            <p:cNvPr id="46" name="직선 화살표 연결선 45">
-              <a:extLst>
-                <a:ext uri="{FF2B5EF4-FFF2-40B4-BE49-F238E27FC236}">
-                  <a16:creationId xmlns:a16="http://schemas.microsoft.com/office/drawing/2014/main" xmlns="" id="{1C89657D-CBFF-4D2C-8946-CB39F4E3CAAB}"/>
-                </a:ext>
-              </a:extLst>
-            </p:cNvPr>
-            <p:cNvCxnSpPr>
-              <a:cxnSpLocks/>
-              <a:stCxn id="11" idx="2"/>
-              <a:endCxn id="13" idx="0"/>
-            </p:cNvCxnSpPr>
-            <p:nvPr/>
-          </p:nvCxnSpPr>
-          <p:spPr>
-            <a:xfrm>
-              <a:off x="3040055" y="3801020"/>
-              <a:ext cx="0" cy="407309"/>
-            </a:xfrm>
-            <a:prstGeom prst="straightConnector1">
-              <a:avLst/>
-            </a:prstGeom>
-            <a:ln w="12700">
-              <a:tailEnd type="triangle"/>
-            </a:ln>
-          </p:spPr>
-          <p:style>
-            <a:lnRef idx="1">
-              <a:schemeClr val="dk1"/>
-            </a:lnRef>
-            <a:fillRef idx="0">
-              <a:schemeClr val="dk1"/>
-            </a:fillRef>
-            <a:effectRef idx="0">
-              <a:schemeClr val="dk1"/>
-            </a:effectRef>
-            <a:fontRef idx="minor">
-              <a:schemeClr val="tx1"/>
-            </a:fontRef>
-          </p:style>
-        </p:cxnSp>
-        <p:cxnSp>
-          <p:nvCxnSpPr>
-            <p:cNvPr id="49" name="직선 화살표 연결선 48">
-              <a:extLst>
-                <a:ext uri="{FF2B5EF4-FFF2-40B4-BE49-F238E27FC236}">
-                  <a16:creationId xmlns:a16="http://schemas.microsoft.com/office/drawing/2014/main" xmlns="" id="{2F2B7CC3-D6B2-4FCD-B3DD-0A13F661F9C6}"/>
-                </a:ext>
-              </a:extLst>
-            </p:cNvPr>
-            <p:cNvCxnSpPr>
-              <a:cxnSpLocks/>
-              <a:stCxn id="21" idx="2"/>
-              <a:endCxn id="23" idx="0"/>
-            </p:cNvCxnSpPr>
-            <p:nvPr/>
-          </p:nvCxnSpPr>
-          <p:spPr>
-            <a:xfrm>
-              <a:off x="4997192" y="3801020"/>
-              <a:ext cx="0" cy="388017"/>
-            </a:xfrm>
-            <a:prstGeom prst="straightConnector1">
-              <a:avLst/>
-            </a:prstGeom>
-            <a:ln w="12700">
-              <a:tailEnd type="triangle"/>
-            </a:ln>
-          </p:spPr>
-          <p:style>
-            <a:lnRef idx="1">
-              <a:schemeClr val="dk1"/>
-            </a:lnRef>
-            <a:fillRef idx="0">
-              <a:schemeClr val="dk1"/>
-            </a:fillRef>
-            <a:effectRef idx="0">
-              <a:schemeClr val="dk1"/>
-            </a:effectRef>
-            <a:fontRef idx="minor">
-              <a:schemeClr val="tx1"/>
-            </a:fontRef>
-          </p:style>
-        </p:cxnSp>
-        <p:cxnSp>
-          <p:nvCxnSpPr>
-            <p:cNvPr id="52" name="직선 화살표 연결선 51">
-              <a:extLst>
-                <a:ext uri="{FF2B5EF4-FFF2-40B4-BE49-F238E27FC236}">
-                  <a16:creationId xmlns:a16="http://schemas.microsoft.com/office/drawing/2014/main" xmlns="" id="{E717BF73-E9EA-41F5-B2E8-4C7B6F8B3A77}"/>
-                </a:ext>
-              </a:extLst>
-            </p:cNvPr>
-            <p:cNvCxnSpPr>
-              <a:cxnSpLocks/>
-              <a:stCxn id="24" idx="2"/>
-              <a:endCxn id="25" idx="0"/>
-            </p:cNvCxnSpPr>
-            <p:nvPr/>
-          </p:nvCxnSpPr>
-          <p:spPr>
-            <a:xfrm>
-              <a:off x="6954329" y="3801020"/>
-              <a:ext cx="0" cy="388017"/>
-            </a:xfrm>
-            <a:prstGeom prst="straightConnector1">
-              <a:avLst/>
-            </a:prstGeom>
-            <a:ln w="12700">
-              <a:tailEnd type="triangle"/>
-            </a:ln>
-          </p:spPr>
-          <p:style>
-            <a:lnRef idx="1">
-              <a:schemeClr val="dk1"/>
-            </a:lnRef>
-            <a:fillRef idx="0">
-              <a:schemeClr val="dk1"/>
-            </a:fillRef>
-            <a:effectRef idx="0">
-              <a:schemeClr val="dk1"/>
-            </a:effectRef>
-            <a:fontRef idx="minor">
-              <a:schemeClr val="tx1"/>
-            </a:fontRef>
-          </p:style>
-        </p:cxnSp>
-        <p:cxnSp>
-          <p:nvCxnSpPr>
-            <p:cNvPr id="55" name="직선 화살표 연결선 54">
-              <a:extLst>
-                <a:ext uri="{FF2B5EF4-FFF2-40B4-BE49-F238E27FC236}">
-                  <a16:creationId xmlns:a16="http://schemas.microsoft.com/office/drawing/2014/main" xmlns="" id="{B29F5607-2B41-4CEE-B618-E7812E8BDA36}"/>
-                </a:ext>
-              </a:extLst>
-            </p:cNvPr>
-            <p:cNvCxnSpPr>
-              <a:cxnSpLocks/>
-              <a:stCxn id="26" idx="2"/>
-              <a:endCxn id="27" idx="0"/>
-            </p:cNvCxnSpPr>
-            <p:nvPr/>
-          </p:nvCxnSpPr>
-          <p:spPr>
-            <a:xfrm>
-              <a:off x="8911466" y="3801020"/>
-              <a:ext cx="0" cy="388017"/>
-            </a:xfrm>
-            <a:prstGeom prst="straightConnector1">
-              <a:avLst/>
-            </a:prstGeom>
-            <a:ln w="12700">
-              <a:tailEnd type="triangle"/>
-            </a:ln>
-          </p:spPr>
-          <p:style>
-            <a:lnRef idx="1">
-              <a:schemeClr val="dk1"/>
-            </a:lnRef>
-            <a:fillRef idx="0">
-              <a:schemeClr val="dk1"/>
-            </a:fillRef>
-            <a:effectRef idx="0">
-              <a:schemeClr val="dk1"/>
-            </a:effectRef>
-            <a:fontRef idx="minor">
-              <a:schemeClr val="tx1"/>
-            </a:fontRef>
-          </p:style>
-        </p:cxnSp>
-        <p:cxnSp>
-          <p:nvCxnSpPr>
-            <p:cNvPr id="59" name="직선 화살표 연결선 58">
-              <a:extLst>
-                <a:ext uri="{FF2B5EF4-FFF2-40B4-BE49-F238E27FC236}">
-                  <a16:creationId xmlns:a16="http://schemas.microsoft.com/office/drawing/2014/main" xmlns="" id="{D1D221FB-90EB-44DC-8F45-FF30F0205A43}"/>
-                </a:ext>
-              </a:extLst>
-            </p:cNvPr>
-            <p:cNvCxnSpPr>
-              <a:cxnSpLocks/>
-              <a:stCxn id="13" idx="2"/>
-              <a:endCxn id="12" idx="0"/>
-            </p:cNvCxnSpPr>
-            <p:nvPr/>
-          </p:nvCxnSpPr>
-          <p:spPr>
-            <a:xfrm flipH="1">
-              <a:off x="3040054" y="5013721"/>
-              <a:ext cx="1" cy="368726"/>
-            </a:xfrm>
-            <a:prstGeom prst="straightConnector1">
-              <a:avLst/>
-            </a:prstGeom>
-            <a:ln w="12700">
-              <a:tailEnd type="triangle"/>
-            </a:ln>
-          </p:spPr>
-          <p:style>
-            <a:lnRef idx="1">
-              <a:schemeClr val="dk1"/>
-            </a:lnRef>
-            <a:fillRef idx="0">
-              <a:schemeClr val="dk1"/>
-            </a:fillRef>
-            <a:effectRef idx="0">
-              <a:schemeClr val="dk1"/>
-            </a:effectRef>
-            <a:fontRef idx="minor">
-              <a:schemeClr val="tx1"/>
-            </a:fontRef>
-          </p:style>
-        </p:cxnSp>
-        <p:cxnSp>
-          <p:nvCxnSpPr>
-            <p:cNvPr id="62" name="직선 화살표 연결선 61">
-              <a:extLst>
-                <a:ext uri="{FF2B5EF4-FFF2-40B4-BE49-F238E27FC236}">
-                  <a16:creationId xmlns:a16="http://schemas.microsoft.com/office/drawing/2014/main" xmlns="" id="{3A31BE93-048B-4A0D-A474-FFD8A15C9323}"/>
-                </a:ext>
-              </a:extLst>
-            </p:cNvPr>
-            <p:cNvCxnSpPr>
-              <a:cxnSpLocks/>
-              <a:stCxn id="12" idx="3"/>
-            </p:cNvCxnSpPr>
-            <p:nvPr/>
-          </p:nvCxnSpPr>
-          <p:spPr>
-            <a:xfrm>
-              <a:off x="3717908" y="5785143"/>
-              <a:ext cx="601431" cy="0"/>
-            </a:xfrm>
-            <a:prstGeom prst="straightConnector1">
-              <a:avLst/>
-            </a:prstGeom>
-            <a:ln w="12700">
-              <a:tailEnd type="triangle"/>
-            </a:ln>
-          </p:spPr>
-          <p:style>
-            <a:lnRef idx="1">
-              <a:schemeClr val="dk1"/>
-            </a:lnRef>
-            <a:fillRef idx="0">
-              <a:schemeClr val="dk1"/>
-            </a:fillRef>
-            <a:effectRef idx="0">
-              <a:schemeClr val="dk1"/>
-            </a:effectRef>
-            <a:fontRef idx="minor">
-              <a:schemeClr val="tx1"/>
-            </a:fontRef>
-          </p:style>
-        </p:cxnSp>
-        <p:sp>
-          <p:nvSpPr>
-            <p:cNvPr id="66" name="TextBox 65">
-              <a:extLst>
-                <a:ext uri="{FF2B5EF4-FFF2-40B4-BE49-F238E27FC236}">
-                  <a16:creationId xmlns:a16="http://schemas.microsoft.com/office/drawing/2014/main" xmlns="" id="{B8954EAE-04BF-42ED-8BB9-A6A34375F901}"/>
-                </a:ext>
-              </a:extLst>
-            </p:cNvPr>
-            <p:cNvSpPr txBox="1"/>
-            <p:nvPr/>
-          </p:nvSpPr>
-          <p:spPr>
-            <a:xfrm>
-              <a:off x="3833808" y="6433454"/>
-              <a:ext cx="2321570" cy="246220"/>
-            </a:xfrm>
-            <a:prstGeom prst="rect">
-              <a:avLst/>
-            </a:prstGeom>
+              </a:rPr>
+              <a:t>되돌리기</a:t>
+            </a:r>
+            <a:endParaRPr lang="en-US" altLang="ko-KR" sz="1000" b="1" dirty="0">
+              <a:solidFill>
+                <a:schemeClr val="bg1">
+                  <a:lumMod val="50000"/>
+                </a:schemeClr>
+              </a:solidFill>
+              <a:latin typeface="+mj-lt"/>
+            </a:endParaRPr>
+          </a:p>
+        </p:txBody>
+      </p:sp>
+      <p:sp>
+        <p:nvSpPr>
+          <p:cNvPr id="19" name="순서도: 대체 처리 18">
+            <a:extLst>
+              <a:ext uri="{FF2B5EF4-FFF2-40B4-BE49-F238E27FC236}">
+                <a16:creationId xmlns:a16="http://schemas.microsoft.com/office/drawing/2014/main" id="{D8D4DBCA-DAA8-466E-B1A0-5A2F4B64FE06}"/>
+              </a:ext>
+            </a:extLst>
+          </p:cNvPr>
+          <p:cNvSpPr/>
+          <p:nvPr/>
+        </p:nvSpPr>
+        <p:spPr>
+          <a:xfrm>
+            <a:off x="3746582" y="5116781"/>
+            <a:ext cx="1297133" cy="770594"/>
+          </a:xfrm>
+          <a:prstGeom prst="flowChartAlternateProcess">
+            <a:avLst/>
+          </a:prstGeom>
+          <a:solidFill>
+            <a:schemeClr val="dk1"/>
+          </a:solidFill>
+          <a:ln>
             <a:noFill/>
-            <a:effectLst>
-              <a:outerShdw blurRad="76200" dist="12700" dir="2700000" sy="-23000" kx="-800400" algn="bl" rotWithShape="0">
-                <a:prstClr val="black">
-                  <a:alpha val="20000"/>
-                </a:prstClr>
-              </a:outerShdw>
-            </a:effectLst>
-          </p:spPr>
-          <p:txBody>
-            <a:bodyPr wrap="square" rtlCol="0">
-              <a:spAutoFit/>
-            </a:bodyPr>
-            <a:lstStyle/>
-            <a:p>
-              <a:r>
-                <a:rPr lang="ko-KR" altLang="en-US" sz="1000" b="1" dirty="0">
-                  <a:solidFill>
-                    <a:schemeClr val="bg1">
-                      <a:lumMod val="50000"/>
-                    </a:schemeClr>
-                  </a:solidFill>
-                  <a:latin typeface="+mj-lt"/>
-                </a:rPr>
-                <a:t>이미 예약된 좌석인 경우 다시 선택</a:t>
-              </a:r>
-              <a:endParaRPr lang="en-US" altLang="ko-KR" sz="1000" b="1" dirty="0">
+          </a:ln>
+          <a:effectLst>
+            <a:outerShdw blurRad="76200" dir="18900000" sy="23000" kx="-1200000" algn="bl" rotWithShape="0">
+              <a:prstClr val="black">
+                <a:alpha val="20000"/>
+              </a:prstClr>
+            </a:outerShdw>
+          </a:effectLst>
+        </p:spPr>
+        <p:style>
+          <a:lnRef idx="0">
+            <a:scrgbClr r="0" g="0" b="0"/>
+          </a:lnRef>
+          <a:fillRef idx="0">
+            <a:scrgbClr r="0" g="0" b="0"/>
+          </a:fillRef>
+          <a:effectRef idx="0">
+            <a:scrgbClr r="0" g="0" b="0"/>
+          </a:effectRef>
+          <a:fontRef idx="minor">
+            <a:schemeClr val="lt1"/>
+          </a:fontRef>
+        </p:style>
+        <p:txBody>
+          <a:bodyPr rtlCol="0" anchor="ctr"/>
+          <a:lstStyle/>
+          <a:p>
+            <a:pPr algn="ctr"/>
+            <a:r>
+              <a:rPr lang="ko-KR" altLang="en-US" sz="1100" b="1" dirty="0"/>
+              <a:t>좌석 선택</a:t>
+            </a:r>
+            <a:endParaRPr lang="en-US" altLang="ko-KR" sz="1100" b="1" dirty="0">
+              <a:latin typeface="+mj-lt"/>
+            </a:endParaRPr>
+          </a:p>
+          <a:p>
+            <a:pPr algn="ctr"/>
+            <a:r>
+              <a:rPr lang="ko-KR" altLang="en-US" sz="1100" b="1" dirty="0">
+                <a:latin typeface="+mj-lt"/>
+              </a:rPr>
+              <a:t>입력</a:t>
+            </a:r>
+            <a:endParaRPr lang="en-US" altLang="ko-KR" sz="1100" b="1" dirty="0">
+              <a:latin typeface="+mj-lt"/>
+            </a:endParaRPr>
+          </a:p>
+          <a:p>
+            <a:pPr algn="ctr"/>
+            <a:r>
+              <a:rPr lang="en-US" altLang="ko-KR" sz="1100" b="1" dirty="0">
+                <a:latin typeface="+mj-lt"/>
+              </a:rPr>
+              <a:t>&gt; </a:t>
+            </a:r>
+            <a:r>
+              <a:rPr lang="ko-KR" altLang="en-US" sz="1100" b="1" dirty="0">
+                <a:latin typeface="+mj-lt"/>
+              </a:rPr>
+              <a:t>예약 성공</a:t>
+            </a:r>
+          </a:p>
+        </p:txBody>
+      </p:sp>
+      <p:sp>
+        <p:nvSpPr>
+          <p:cNvPr id="21" name="순서도: 대체 처리 20">
+            <a:extLst>
+              <a:ext uri="{FF2B5EF4-FFF2-40B4-BE49-F238E27FC236}">
+                <a16:creationId xmlns:a16="http://schemas.microsoft.com/office/drawing/2014/main" id="{073F6CDF-4625-4484-B8D0-F537BE40E582}"/>
+              </a:ext>
+            </a:extLst>
+          </p:cNvPr>
+          <p:cNvSpPr/>
+          <p:nvPr/>
+        </p:nvSpPr>
+        <p:spPr>
+          <a:xfrm>
+            <a:off x="3746582" y="2833089"/>
+            <a:ext cx="1297133" cy="770594"/>
+          </a:xfrm>
+          <a:prstGeom prst="flowChartAlternateProcess">
+            <a:avLst/>
+          </a:prstGeom>
+          <a:solidFill>
+            <a:schemeClr val="dk1"/>
+          </a:solidFill>
+          <a:ln>
+            <a:noFill/>
+          </a:ln>
+          <a:effectLst>
+            <a:outerShdw blurRad="76200" dir="18900000" sy="23000" kx="-1200000" algn="bl" rotWithShape="0">
+              <a:prstClr val="black">
+                <a:alpha val="20000"/>
+              </a:prstClr>
+            </a:outerShdw>
+          </a:effectLst>
+        </p:spPr>
+        <p:style>
+          <a:lnRef idx="0">
+            <a:scrgbClr r="0" g="0" b="0"/>
+          </a:lnRef>
+          <a:fillRef idx="0">
+            <a:scrgbClr r="0" g="0" b="0"/>
+          </a:fillRef>
+          <a:effectRef idx="0">
+            <a:scrgbClr r="0" g="0" b="0"/>
+          </a:effectRef>
+          <a:fontRef idx="minor">
+            <a:schemeClr val="lt1"/>
+          </a:fontRef>
+        </p:style>
+        <p:txBody>
+          <a:bodyPr rtlCol="0" anchor="ctr"/>
+          <a:lstStyle/>
+          <a:p>
+            <a:pPr algn="ctr"/>
+            <a:r>
+              <a:rPr lang="ko-KR" altLang="en-US" sz="1100" b="1" dirty="0">
+                <a:latin typeface="+mj-lt"/>
+              </a:rPr>
+              <a:t>고객 이름</a:t>
+            </a:r>
+            <a:r>
+              <a:rPr lang="en-US" altLang="ko-KR" sz="1100" b="1" dirty="0">
+                <a:latin typeface="+mj-lt"/>
+              </a:rPr>
+              <a:t>,</a:t>
+            </a:r>
+          </a:p>
+          <a:p>
+            <a:pPr algn="ctr"/>
+            <a:r>
+              <a:rPr lang="ko-KR" altLang="en-US" sz="1100" b="1" dirty="0">
+                <a:latin typeface="+mj-lt"/>
+              </a:rPr>
+              <a:t>결제 비밀번호</a:t>
+            </a:r>
+            <a:endParaRPr lang="en-US" altLang="ko-KR" sz="1100" b="1" dirty="0">
+              <a:latin typeface="+mj-lt"/>
+            </a:endParaRPr>
+          </a:p>
+          <a:p>
+            <a:pPr algn="ctr"/>
+            <a:r>
+              <a:rPr lang="ko-KR" altLang="en-US" sz="1100" b="1" dirty="0">
+                <a:latin typeface="+mj-lt"/>
+              </a:rPr>
+              <a:t>확인</a:t>
+            </a:r>
+            <a:endParaRPr lang="en-US" altLang="ko-KR" sz="1100" b="1" dirty="0">
+              <a:latin typeface="+mj-lt"/>
+            </a:endParaRPr>
+          </a:p>
+        </p:txBody>
+      </p:sp>
+      <p:sp>
+        <p:nvSpPr>
+          <p:cNvPr id="23" name="순서도: 대체 처리 22">
+            <a:extLst>
+              <a:ext uri="{FF2B5EF4-FFF2-40B4-BE49-F238E27FC236}">
+                <a16:creationId xmlns:a16="http://schemas.microsoft.com/office/drawing/2014/main" id="{F624BC32-24A5-4D0E-A5F8-A63618E53EE1}"/>
+              </a:ext>
+            </a:extLst>
+          </p:cNvPr>
+          <p:cNvSpPr/>
+          <p:nvPr/>
+        </p:nvSpPr>
+        <p:spPr>
+          <a:xfrm>
+            <a:off x="3746582" y="3974935"/>
+            <a:ext cx="1297133" cy="770594"/>
+          </a:xfrm>
+          <a:prstGeom prst="flowChartAlternateProcess">
+            <a:avLst/>
+          </a:prstGeom>
+          <a:solidFill>
+            <a:schemeClr val="dk1"/>
+          </a:solidFill>
+          <a:ln>
+            <a:noFill/>
+          </a:ln>
+          <a:effectLst>
+            <a:outerShdw blurRad="76200" dir="18900000" sy="23000" kx="-1200000" algn="bl" rotWithShape="0">
+              <a:prstClr val="black">
+                <a:alpha val="20000"/>
+              </a:prstClr>
+            </a:outerShdw>
+          </a:effectLst>
+        </p:spPr>
+        <p:style>
+          <a:lnRef idx="0">
+            <a:scrgbClr r="0" g="0" b="0"/>
+          </a:lnRef>
+          <a:fillRef idx="0">
+            <a:scrgbClr r="0" g="0" b="0"/>
+          </a:fillRef>
+          <a:effectRef idx="0">
+            <a:scrgbClr r="0" g="0" b="0"/>
+          </a:effectRef>
+          <a:fontRef idx="minor">
+            <a:schemeClr val="lt1"/>
+          </a:fontRef>
+        </p:style>
+        <p:txBody>
+          <a:bodyPr rtlCol="0" anchor="ctr"/>
+          <a:lstStyle/>
+          <a:p>
+            <a:pPr algn="ctr"/>
+            <a:r>
+              <a:rPr lang="ko-KR" altLang="en-US" sz="1100" b="1" dirty="0">
+                <a:latin typeface="+mj-lt"/>
+              </a:rPr>
+              <a:t>예매 내역 확인</a:t>
+            </a:r>
+            <a:endParaRPr lang="en-US" altLang="ko-KR" sz="1100" b="1" dirty="0">
+              <a:latin typeface="+mj-lt"/>
+            </a:endParaRPr>
+          </a:p>
+        </p:txBody>
+      </p:sp>
+      <p:sp>
+        <p:nvSpPr>
+          <p:cNvPr id="24" name="순서도: 대체 처리 23">
+            <a:extLst>
+              <a:ext uri="{FF2B5EF4-FFF2-40B4-BE49-F238E27FC236}">
+                <a16:creationId xmlns:a16="http://schemas.microsoft.com/office/drawing/2014/main" id="{45EA7DDD-4D09-4AAA-87AF-E8B5953A437E}"/>
+              </a:ext>
+            </a:extLst>
+          </p:cNvPr>
+          <p:cNvSpPr/>
+          <p:nvPr/>
+        </p:nvSpPr>
+        <p:spPr>
+          <a:xfrm>
+            <a:off x="5453981" y="2833089"/>
+            <a:ext cx="1297133" cy="770594"/>
+          </a:xfrm>
+          <a:prstGeom prst="flowChartAlternateProcess">
+            <a:avLst/>
+          </a:prstGeom>
+          <a:solidFill>
+            <a:schemeClr val="dk1"/>
+          </a:solidFill>
+          <a:ln>
+            <a:noFill/>
+          </a:ln>
+          <a:effectLst>
+            <a:outerShdw blurRad="76200" dir="18900000" sy="23000" kx="-1200000" algn="bl" rotWithShape="0">
+              <a:prstClr val="black">
+                <a:alpha val="20000"/>
+              </a:prstClr>
+            </a:outerShdw>
+          </a:effectLst>
+        </p:spPr>
+        <p:style>
+          <a:lnRef idx="0">
+            <a:scrgbClr r="0" g="0" b="0"/>
+          </a:lnRef>
+          <a:fillRef idx="0">
+            <a:scrgbClr r="0" g="0" b="0"/>
+          </a:fillRef>
+          <a:effectRef idx="0">
+            <a:scrgbClr r="0" g="0" b="0"/>
+          </a:effectRef>
+          <a:fontRef idx="minor">
+            <a:schemeClr val="lt1"/>
+          </a:fontRef>
+        </p:style>
+        <p:txBody>
+          <a:bodyPr rtlCol="0" anchor="ctr"/>
+          <a:lstStyle/>
+          <a:p>
+            <a:pPr algn="ctr"/>
+            <a:r>
+              <a:rPr lang="ko-KR" altLang="en-US" sz="1100" b="1" dirty="0">
+                <a:latin typeface="+mj-lt"/>
+              </a:rPr>
+              <a:t>고객 이름</a:t>
+            </a:r>
+            <a:r>
+              <a:rPr lang="en-US" altLang="ko-KR" sz="1100" b="1" dirty="0">
+                <a:latin typeface="+mj-lt"/>
+              </a:rPr>
+              <a:t>,</a:t>
+            </a:r>
+          </a:p>
+          <a:p>
+            <a:pPr algn="ctr"/>
+            <a:r>
+              <a:rPr lang="ko-KR" altLang="en-US" sz="1100" b="1">
+                <a:latin typeface="+mj-lt"/>
+              </a:rPr>
+              <a:t>결제 비밀번호</a:t>
+            </a:r>
+            <a:endParaRPr lang="en-US" altLang="ko-KR" sz="1100" b="1" dirty="0">
+              <a:latin typeface="+mj-lt"/>
+            </a:endParaRPr>
+          </a:p>
+          <a:p>
+            <a:pPr algn="ctr"/>
+            <a:r>
+              <a:rPr lang="ko-KR" altLang="en-US" sz="1100" b="1" dirty="0">
+                <a:latin typeface="+mj-lt"/>
+              </a:rPr>
+              <a:t>확인</a:t>
+            </a:r>
+            <a:endParaRPr lang="en-US" altLang="ko-KR" sz="1100" b="1" dirty="0">
+              <a:latin typeface="+mj-lt"/>
+            </a:endParaRPr>
+          </a:p>
+        </p:txBody>
+      </p:sp>
+      <p:sp>
+        <p:nvSpPr>
+          <p:cNvPr id="25" name="순서도: 대체 처리 24">
+            <a:extLst>
+              <a:ext uri="{FF2B5EF4-FFF2-40B4-BE49-F238E27FC236}">
+                <a16:creationId xmlns:a16="http://schemas.microsoft.com/office/drawing/2014/main" id="{2C74A3AC-6ECE-4B78-B36E-34FF21DEB3C6}"/>
+              </a:ext>
+            </a:extLst>
+          </p:cNvPr>
+          <p:cNvSpPr/>
+          <p:nvPr/>
+        </p:nvSpPr>
+        <p:spPr>
+          <a:xfrm>
+            <a:off x="5453981" y="3974935"/>
+            <a:ext cx="1297133" cy="770594"/>
+          </a:xfrm>
+          <a:prstGeom prst="flowChartAlternateProcess">
+            <a:avLst/>
+          </a:prstGeom>
+          <a:solidFill>
+            <a:schemeClr val="dk1"/>
+          </a:solidFill>
+          <a:ln>
+            <a:noFill/>
+          </a:ln>
+          <a:effectLst>
+            <a:outerShdw blurRad="76200" dir="18900000" sy="23000" kx="-1200000" algn="bl" rotWithShape="0">
+              <a:prstClr val="black">
+                <a:alpha val="20000"/>
+              </a:prstClr>
+            </a:outerShdw>
+          </a:effectLst>
+        </p:spPr>
+        <p:style>
+          <a:lnRef idx="0">
+            <a:scrgbClr r="0" g="0" b="0"/>
+          </a:lnRef>
+          <a:fillRef idx="0">
+            <a:scrgbClr r="0" g="0" b="0"/>
+          </a:fillRef>
+          <a:effectRef idx="0">
+            <a:scrgbClr r="0" g="0" b="0"/>
+          </a:effectRef>
+          <a:fontRef idx="minor">
+            <a:schemeClr val="lt1"/>
+          </a:fontRef>
+        </p:style>
+        <p:txBody>
+          <a:bodyPr rtlCol="0" anchor="ctr"/>
+          <a:lstStyle/>
+          <a:p>
+            <a:pPr algn="ctr"/>
+            <a:r>
+              <a:rPr lang="ko-KR" altLang="en-US" sz="1100" b="1" dirty="0">
+                <a:latin typeface="+mj-lt"/>
+              </a:rPr>
+              <a:t>예매 내역 삭제</a:t>
+            </a:r>
+            <a:r>
+              <a:rPr lang="en-US" altLang="ko-KR" sz="1100" b="1" dirty="0">
+                <a:latin typeface="+mj-lt"/>
+              </a:rPr>
+              <a:t>,</a:t>
+            </a:r>
+          </a:p>
+          <a:p>
+            <a:pPr algn="ctr"/>
+            <a:r>
+              <a:rPr lang="ko-KR" altLang="en-US" sz="1100" b="1" dirty="0">
+                <a:latin typeface="+mj-lt"/>
+              </a:rPr>
+              <a:t>예매 좌석을</a:t>
+            </a:r>
+            <a:endParaRPr lang="en-US" altLang="ko-KR" sz="1100" b="1" dirty="0">
+              <a:latin typeface="+mj-lt"/>
+            </a:endParaRPr>
+          </a:p>
+          <a:p>
+            <a:pPr algn="ctr"/>
+            <a:r>
+              <a:rPr lang="ko-KR" altLang="en-US" sz="1100" b="1" dirty="0">
+                <a:latin typeface="+mj-lt"/>
+              </a:rPr>
+              <a:t>빈좌석으로 교체</a:t>
+            </a:r>
+            <a:endParaRPr lang="en-US" altLang="ko-KR" sz="1100" b="1" dirty="0">
+              <a:latin typeface="+mj-lt"/>
+            </a:endParaRPr>
+          </a:p>
+        </p:txBody>
+      </p:sp>
+      <p:sp>
+        <p:nvSpPr>
+          <p:cNvPr id="26" name="순서도: 대체 처리 25">
+            <a:extLst>
+              <a:ext uri="{FF2B5EF4-FFF2-40B4-BE49-F238E27FC236}">
+                <a16:creationId xmlns:a16="http://schemas.microsoft.com/office/drawing/2014/main" id="{BF35B2D3-F85B-4C52-9D6B-878DCDD6E515}"/>
+              </a:ext>
+            </a:extLst>
+          </p:cNvPr>
+          <p:cNvSpPr/>
+          <p:nvPr/>
+        </p:nvSpPr>
+        <p:spPr>
+          <a:xfrm>
+            <a:off x="7178516" y="2851547"/>
+            <a:ext cx="1297133" cy="770594"/>
+          </a:xfrm>
+          <a:prstGeom prst="flowChartAlternateProcess">
+            <a:avLst/>
+          </a:prstGeom>
+          <a:solidFill>
+            <a:schemeClr val="dk1"/>
+          </a:solidFill>
+          <a:ln>
+            <a:noFill/>
+          </a:ln>
+          <a:effectLst>
+            <a:outerShdw blurRad="76200" dir="18900000" sy="23000" kx="-1200000" algn="bl" rotWithShape="0">
+              <a:prstClr val="black">
+                <a:alpha val="20000"/>
+              </a:prstClr>
+            </a:outerShdw>
+          </a:effectLst>
+        </p:spPr>
+        <p:style>
+          <a:lnRef idx="0">
+            <a:scrgbClr r="0" g="0" b="0"/>
+          </a:lnRef>
+          <a:fillRef idx="0">
+            <a:scrgbClr r="0" g="0" b="0"/>
+          </a:fillRef>
+          <a:effectRef idx="0">
+            <a:scrgbClr r="0" g="0" b="0"/>
+          </a:effectRef>
+          <a:fontRef idx="minor">
+            <a:schemeClr val="lt1"/>
+          </a:fontRef>
+        </p:style>
+        <p:txBody>
+          <a:bodyPr rtlCol="0" anchor="ctr"/>
+          <a:lstStyle/>
+          <a:p>
+            <a:pPr algn="ctr"/>
+            <a:r>
+              <a:rPr lang="ko-KR" altLang="en-US" sz="1100" b="1" dirty="0">
+                <a:latin typeface="+mj-lt"/>
+              </a:rPr>
+              <a:t>이름</a:t>
+            </a:r>
+            <a:r>
+              <a:rPr lang="en-US" altLang="ko-KR" sz="1100" b="1" dirty="0">
+                <a:latin typeface="+mj-lt"/>
+              </a:rPr>
+              <a:t>,</a:t>
+            </a:r>
+          </a:p>
+          <a:p>
+            <a:pPr algn="ctr"/>
+            <a:r>
+              <a:rPr lang="ko-KR" altLang="en-US" sz="1100" b="1" dirty="0">
+                <a:latin typeface="+mj-lt"/>
+              </a:rPr>
+              <a:t>결제 비밀번호</a:t>
+            </a:r>
+            <a:endParaRPr lang="en-US" altLang="ko-KR" sz="1100" b="1" dirty="0">
+              <a:latin typeface="+mj-lt"/>
+            </a:endParaRPr>
+          </a:p>
+          <a:p>
+            <a:pPr algn="ctr"/>
+            <a:r>
+              <a:rPr lang="ko-KR" altLang="en-US" sz="1100" b="1" dirty="0">
+                <a:latin typeface="+mj-lt"/>
+              </a:rPr>
+              <a:t>확인</a:t>
+            </a:r>
+            <a:endParaRPr lang="en-US" altLang="ko-KR" sz="1100" b="1" dirty="0">
+              <a:latin typeface="+mj-lt"/>
+            </a:endParaRPr>
+          </a:p>
+        </p:txBody>
+      </p:sp>
+      <p:sp>
+        <p:nvSpPr>
+          <p:cNvPr id="27" name="순서도: 대체 처리 26">
+            <a:extLst>
+              <a:ext uri="{FF2B5EF4-FFF2-40B4-BE49-F238E27FC236}">
+                <a16:creationId xmlns:a16="http://schemas.microsoft.com/office/drawing/2014/main" id="{D99AFA3D-AD28-4744-A2F2-8BFD22D8A2CD}"/>
+              </a:ext>
+            </a:extLst>
+          </p:cNvPr>
+          <p:cNvSpPr/>
+          <p:nvPr/>
+        </p:nvSpPr>
+        <p:spPr>
+          <a:xfrm>
+            <a:off x="7178515" y="3974935"/>
+            <a:ext cx="1297133" cy="770594"/>
+          </a:xfrm>
+          <a:prstGeom prst="flowChartAlternateProcess">
+            <a:avLst/>
+          </a:prstGeom>
+          <a:solidFill>
+            <a:schemeClr val="dk1"/>
+          </a:solidFill>
+          <a:ln>
+            <a:noFill/>
+          </a:ln>
+          <a:effectLst>
+            <a:outerShdw blurRad="76200" dir="18900000" sy="23000" kx="-1200000" algn="bl" rotWithShape="0">
+              <a:prstClr val="black">
+                <a:alpha val="20000"/>
+              </a:prstClr>
+            </a:outerShdw>
+          </a:effectLst>
+        </p:spPr>
+        <p:style>
+          <a:lnRef idx="0">
+            <a:scrgbClr r="0" g="0" b="0"/>
+          </a:lnRef>
+          <a:fillRef idx="0">
+            <a:scrgbClr r="0" g="0" b="0"/>
+          </a:fillRef>
+          <a:effectRef idx="0">
+            <a:scrgbClr r="0" g="0" b="0"/>
+          </a:effectRef>
+          <a:fontRef idx="minor">
+            <a:schemeClr val="lt1"/>
+          </a:fontRef>
+        </p:style>
+        <p:txBody>
+          <a:bodyPr rtlCol="0" anchor="ctr"/>
+          <a:lstStyle/>
+          <a:p>
+            <a:pPr algn="ctr"/>
+            <a:r>
+              <a:rPr lang="ko-KR" altLang="en-US" sz="1100" b="1" dirty="0">
+                <a:latin typeface="+mj-lt"/>
+              </a:rPr>
+              <a:t>포토티켓으로</a:t>
+            </a:r>
+            <a:endParaRPr lang="en-US" altLang="ko-KR" sz="1100" b="1" dirty="0">
+              <a:latin typeface="+mj-lt"/>
+            </a:endParaRPr>
+          </a:p>
+          <a:p>
+            <a:pPr algn="ctr"/>
+            <a:r>
+              <a:rPr lang="ko-KR" altLang="en-US" sz="1100" b="1" dirty="0">
+                <a:latin typeface="+mj-lt"/>
+              </a:rPr>
+              <a:t>출력 여부</a:t>
+            </a:r>
+            <a:endParaRPr lang="en-US" altLang="ko-KR" sz="1100" b="1" dirty="0">
+              <a:latin typeface="+mj-lt"/>
+            </a:endParaRPr>
+          </a:p>
+        </p:txBody>
+      </p:sp>
+      <p:cxnSp>
+        <p:nvCxnSpPr>
+          <p:cNvPr id="31" name="직선 화살표 연결선 30">
+            <a:extLst>
+              <a:ext uri="{FF2B5EF4-FFF2-40B4-BE49-F238E27FC236}">
+                <a16:creationId xmlns:a16="http://schemas.microsoft.com/office/drawing/2014/main" id="{A53D600A-EBA6-4002-B551-8B5BA7484AB7}"/>
+              </a:ext>
+            </a:extLst>
+          </p:cNvPr>
+          <p:cNvCxnSpPr>
+            <a:cxnSpLocks/>
+            <a:stCxn id="4" idx="2"/>
+            <a:endCxn id="10" idx="0"/>
+          </p:cNvCxnSpPr>
+          <p:nvPr/>
+        </p:nvCxnSpPr>
+        <p:spPr>
+          <a:xfrm>
+            <a:off x="957235" y="2434931"/>
+            <a:ext cx="0" cy="398158"/>
+          </a:xfrm>
+          <a:prstGeom prst="straightConnector1">
+            <a:avLst/>
+          </a:prstGeom>
+          <a:ln w="12700">
+            <a:tailEnd type="triangle"/>
+          </a:ln>
+        </p:spPr>
+        <p:style>
+          <a:lnRef idx="1">
+            <a:schemeClr val="dk1"/>
+          </a:lnRef>
+          <a:fillRef idx="0">
+            <a:schemeClr val="dk1"/>
+          </a:fillRef>
+          <a:effectRef idx="0">
+            <a:schemeClr val="dk1"/>
+          </a:effectRef>
+          <a:fontRef idx="minor">
+            <a:schemeClr val="tx1"/>
+          </a:fontRef>
+        </p:style>
+      </p:cxnSp>
+      <p:cxnSp>
+        <p:nvCxnSpPr>
+          <p:cNvPr id="33" name="직선 화살표 연결선 32">
+            <a:extLst>
+              <a:ext uri="{FF2B5EF4-FFF2-40B4-BE49-F238E27FC236}">
+                <a16:creationId xmlns:a16="http://schemas.microsoft.com/office/drawing/2014/main" id="{3591C06D-B0D2-4A4B-9BE5-33F89F234A60}"/>
+              </a:ext>
+            </a:extLst>
+          </p:cNvPr>
+          <p:cNvCxnSpPr>
+            <a:cxnSpLocks/>
+            <a:stCxn id="5" idx="2"/>
+            <a:endCxn id="11" idx="0"/>
+          </p:cNvCxnSpPr>
+          <p:nvPr/>
+        </p:nvCxnSpPr>
+        <p:spPr>
+          <a:xfrm flipH="1">
+            <a:off x="2674975" y="2436115"/>
+            <a:ext cx="1217" cy="406520"/>
+          </a:xfrm>
+          <a:prstGeom prst="straightConnector1">
+            <a:avLst/>
+          </a:prstGeom>
+          <a:ln w="12700">
+            <a:tailEnd type="triangle"/>
+          </a:ln>
+        </p:spPr>
+        <p:style>
+          <a:lnRef idx="1">
+            <a:schemeClr val="dk1"/>
+          </a:lnRef>
+          <a:fillRef idx="0">
+            <a:schemeClr val="dk1"/>
+          </a:fillRef>
+          <a:effectRef idx="0">
+            <a:schemeClr val="dk1"/>
+          </a:effectRef>
+          <a:fontRef idx="minor">
+            <a:schemeClr val="tx1"/>
+          </a:fontRef>
+        </p:style>
+      </p:cxnSp>
+      <p:cxnSp>
+        <p:nvCxnSpPr>
+          <p:cNvPr id="37" name="직선 화살표 연결선 36">
+            <a:extLst>
+              <a:ext uri="{FF2B5EF4-FFF2-40B4-BE49-F238E27FC236}">
+                <a16:creationId xmlns:a16="http://schemas.microsoft.com/office/drawing/2014/main" id="{353871BF-AF57-4C4A-BB0A-7598917FEBA9}"/>
+              </a:ext>
+            </a:extLst>
+          </p:cNvPr>
+          <p:cNvCxnSpPr>
+            <a:cxnSpLocks/>
+            <a:stCxn id="6" idx="2"/>
+            <a:endCxn id="21" idx="0"/>
+          </p:cNvCxnSpPr>
+          <p:nvPr/>
+        </p:nvCxnSpPr>
+        <p:spPr>
+          <a:xfrm>
+            <a:off x="4395149" y="2436115"/>
+            <a:ext cx="0" cy="396974"/>
+          </a:xfrm>
+          <a:prstGeom prst="straightConnector1">
+            <a:avLst/>
+          </a:prstGeom>
+          <a:ln w="12700">
+            <a:tailEnd type="triangle"/>
+          </a:ln>
+        </p:spPr>
+        <p:style>
+          <a:lnRef idx="1">
+            <a:schemeClr val="dk1"/>
+          </a:lnRef>
+          <a:fillRef idx="0">
+            <a:schemeClr val="dk1"/>
+          </a:fillRef>
+          <a:effectRef idx="0">
+            <a:schemeClr val="dk1"/>
+          </a:effectRef>
+          <a:fontRef idx="minor">
+            <a:schemeClr val="tx1"/>
+          </a:fontRef>
+        </p:style>
+      </p:cxnSp>
+      <p:cxnSp>
+        <p:nvCxnSpPr>
+          <p:cNvPr id="40" name="직선 화살표 연결선 39">
+            <a:extLst>
+              <a:ext uri="{FF2B5EF4-FFF2-40B4-BE49-F238E27FC236}">
+                <a16:creationId xmlns:a16="http://schemas.microsoft.com/office/drawing/2014/main" id="{93945AFF-754A-4CD2-83B9-85FD02585753}"/>
+              </a:ext>
+            </a:extLst>
+          </p:cNvPr>
+          <p:cNvCxnSpPr>
+            <a:cxnSpLocks/>
+            <a:stCxn id="7" idx="2"/>
+            <a:endCxn id="24" idx="0"/>
+          </p:cNvCxnSpPr>
+          <p:nvPr/>
+        </p:nvCxnSpPr>
+        <p:spPr>
+          <a:xfrm flipH="1">
+            <a:off x="6102548" y="2436115"/>
+            <a:ext cx="11558" cy="396974"/>
+          </a:xfrm>
+          <a:prstGeom prst="straightConnector1">
+            <a:avLst/>
+          </a:prstGeom>
+          <a:ln w="12700">
+            <a:tailEnd type="triangle"/>
+          </a:ln>
+        </p:spPr>
+        <p:style>
+          <a:lnRef idx="1">
+            <a:schemeClr val="dk1"/>
+          </a:lnRef>
+          <a:fillRef idx="0">
+            <a:schemeClr val="dk1"/>
+          </a:fillRef>
+          <a:effectRef idx="0">
+            <a:schemeClr val="dk1"/>
+          </a:effectRef>
+          <a:fontRef idx="minor">
+            <a:schemeClr val="tx1"/>
+          </a:fontRef>
+        </p:style>
+      </p:cxnSp>
+      <p:cxnSp>
+        <p:nvCxnSpPr>
+          <p:cNvPr id="43" name="직선 화살표 연결선 42">
+            <a:extLst>
+              <a:ext uri="{FF2B5EF4-FFF2-40B4-BE49-F238E27FC236}">
+                <a16:creationId xmlns:a16="http://schemas.microsoft.com/office/drawing/2014/main" id="{1D036DC0-4A36-46FE-96C6-7B4C0E64FCD2}"/>
+              </a:ext>
+            </a:extLst>
+          </p:cNvPr>
+          <p:cNvCxnSpPr>
+            <a:cxnSpLocks/>
+            <a:stCxn id="8" idx="2"/>
+            <a:endCxn id="26" idx="0"/>
+          </p:cNvCxnSpPr>
+          <p:nvPr/>
+        </p:nvCxnSpPr>
+        <p:spPr>
+          <a:xfrm flipH="1">
+            <a:off x="7827083" y="2436115"/>
+            <a:ext cx="5980" cy="415432"/>
+          </a:xfrm>
+          <a:prstGeom prst="straightConnector1">
+            <a:avLst/>
+          </a:prstGeom>
+          <a:ln w="12700">
+            <a:tailEnd type="triangle"/>
+          </a:ln>
+        </p:spPr>
+        <p:style>
+          <a:lnRef idx="1">
+            <a:schemeClr val="dk1"/>
+          </a:lnRef>
+          <a:fillRef idx="0">
+            <a:schemeClr val="dk1"/>
+          </a:fillRef>
+          <a:effectRef idx="0">
+            <a:schemeClr val="dk1"/>
+          </a:effectRef>
+          <a:fontRef idx="minor">
+            <a:schemeClr val="tx1"/>
+          </a:fontRef>
+        </p:style>
+      </p:cxnSp>
+      <p:cxnSp>
+        <p:nvCxnSpPr>
+          <p:cNvPr id="46" name="직선 화살표 연결선 45">
+            <a:extLst>
+              <a:ext uri="{FF2B5EF4-FFF2-40B4-BE49-F238E27FC236}">
+                <a16:creationId xmlns:a16="http://schemas.microsoft.com/office/drawing/2014/main" id="{1C89657D-CBFF-4D2C-8946-CB39F4E3CAAB}"/>
+              </a:ext>
+            </a:extLst>
+          </p:cNvPr>
+          <p:cNvCxnSpPr>
+            <a:cxnSpLocks/>
+            <a:stCxn id="11" idx="2"/>
+            <a:endCxn id="13" idx="0"/>
+          </p:cNvCxnSpPr>
+          <p:nvPr/>
+        </p:nvCxnSpPr>
+        <p:spPr>
+          <a:xfrm>
+            <a:off x="2674975" y="3613229"/>
+            <a:ext cx="1217" cy="380165"/>
+          </a:xfrm>
+          <a:prstGeom prst="straightConnector1">
+            <a:avLst/>
+          </a:prstGeom>
+          <a:ln w="12700">
+            <a:tailEnd type="triangle"/>
+          </a:ln>
+        </p:spPr>
+        <p:style>
+          <a:lnRef idx="1">
+            <a:schemeClr val="dk1"/>
+          </a:lnRef>
+          <a:fillRef idx="0">
+            <a:schemeClr val="dk1"/>
+          </a:fillRef>
+          <a:effectRef idx="0">
+            <a:schemeClr val="dk1"/>
+          </a:effectRef>
+          <a:fontRef idx="minor">
+            <a:schemeClr val="tx1"/>
+          </a:fontRef>
+        </p:style>
+      </p:cxnSp>
+      <p:cxnSp>
+        <p:nvCxnSpPr>
+          <p:cNvPr id="49" name="직선 화살표 연결선 48">
+            <a:extLst>
+              <a:ext uri="{FF2B5EF4-FFF2-40B4-BE49-F238E27FC236}">
+                <a16:creationId xmlns:a16="http://schemas.microsoft.com/office/drawing/2014/main" id="{2F2B7CC3-D6B2-4FCD-B3DD-0A13F661F9C6}"/>
+              </a:ext>
+            </a:extLst>
+          </p:cNvPr>
+          <p:cNvCxnSpPr>
+            <a:cxnSpLocks/>
+            <a:stCxn id="21" idx="2"/>
+            <a:endCxn id="23" idx="0"/>
+          </p:cNvCxnSpPr>
+          <p:nvPr/>
+        </p:nvCxnSpPr>
+        <p:spPr>
+          <a:xfrm>
+            <a:off x="4395149" y="3603683"/>
+            <a:ext cx="0" cy="371252"/>
+          </a:xfrm>
+          <a:prstGeom prst="straightConnector1">
+            <a:avLst/>
+          </a:prstGeom>
+          <a:ln w="12700">
+            <a:tailEnd type="triangle"/>
+          </a:ln>
+        </p:spPr>
+        <p:style>
+          <a:lnRef idx="1">
+            <a:schemeClr val="dk1"/>
+          </a:lnRef>
+          <a:fillRef idx="0">
+            <a:schemeClr val="dk1"/>
+          </a:fillRef>
+          <a:effectRef idx="0">
+            <a:schemeClr val="dk1"/>
+          </a:effectRef>
+          <a:fontRef idx="minor">
+            <a:schemeClr val="tx1"/>
+          </a:fontRef>
+        </p:style>
+      </p:cxnSp>
+      <p:cxnSp>
+        <p:nvCxnSpPr>
+          <p:cNvPr id="52" name="직선 화살표 연결선 51">
+            <a:extLst>
+              <a:ext uri="{FF2B5EF4-FFF2-40B4-BE49-F238E27FC236}">
+                <a16:creationId xmlns:a16="http://schemas.microsoft.com/office/drawing/2014/main" id="{E717BF73-E9EA-41F5-B2E8-4C7B6F8B3A77}"/>
+              </a:ext>
+            </a:extLst>
+          </p:cNvPr>
+          <p:cNvCxnSpPr>
+            <a:cxnSpLocks/>
+            <a:stCxn id="24" idx="2"/>
+            <a:endCxn id="25" idx="0"/>
+          </p:cNvCxnSpPr>
+          <p:nvPr/>
+        </p:nvCxnSpPr>
+        <p:spPr>
+          <a:xfrm>
+            <a:off x="6102548" y="3603683"/>
+            <a:ext cx="0" cy="371252"/>
+          </a:xfrm>
+          <a:prstGeom prst="straightConnector1">
+            <a:avLst/>
+          </a:prstGeom>
+          <a:ln w="12700">
+            <a:tailEnd type="triangle"/>
+          </a:ln>
+        </p:spPr>
+        <p:style>
+          <a:lnRef idx="1">
+            <a:schemeClr val="dk1"/>
+          </a:lnRef>
+          <a:fillRef idx="0">
+            <a:schemeClr val="dk1"/>
+          </a:fillRef>
+          <a:effectRef idx="0">
+            <a:schemeClr val="dk1"/>
+          </a:effectRef>
+          <a:fontRef idx="minor">
+            <a:schemeClr val="tx1"/>
+          </a:fontRef>
+        </p:style>
+      </p:cxnSp>
+      <p:cxnSp>
+        <p:nvCxnSpPr>
+          <p:cNvPr id="55" name="직선 화살표 연결선 54">
+            <a:extLst>
+              <a:ext uri="{FF2B5EF4-FFF2-40B4-BE49-F238E27FC236}">
+                <a16:creationId xmlns:a16="http://schemas.microsoft.com/office/drawing/2014/main" id="{B29F5607-2B41-4CEE-B618-E7812E8BDA36}"/>
+              </a:ext>
+            </a:extLst>
+          </p:cNvPr>
+          <p:cNvCxnSpPr>
+            <a:cxnSpLocks/>
+            <a:stCxn id="26" idx="2"/>
+            <a:endCxn id="27" idx="0"/>
+          </p:cNvCxnSpPr>
+          <p:nvPr/>
+        </p:nvCxnSpPr>
+        <p:spPr>
+          <a:xfrm flipH="1">
+            <a:off x="7827082" y="3622141"/>
+            <a:ext cx="1" cy="352794"/>
+          </a:xfrm>
+          <a:prstGeom prst="straightConnector1">
+            <a:avLst/>
+          </a:prstGeom>
+          <a:ln w="12700">
+            <a:tailEnd type="triangle"/>
+          </a:ln>
+        </p:spPr>
+        <p:style>
+          <a:lnRef idx="1">
+            <a:schemeClr val="dk1"/>
+          </a:lnRef>
+          <a:fillRef idx="0">
+            <a:schemeClr val="dk1"/>
+          </a:fillRef>
+          <a:effectRef idx="0">
+            <a:schemeClr val="dk1"/>
+          </a:effectRef>
+          <a:fontRef idx="minor">
+            <a:schemeClr val="tx1"/>
+          </a:fontRef>
+        </p:style>
+      </p:cxnSp>
+      <p:cxnSp>
+        <p:nvCxnSpPr>
+          <p:cNvPr id="59" name="직선 화살표 연결선 58">
+            <a:extLst>
+              <a:ext uri="{FF2B5EF4-FFF2-40B4-BE49-F238E27FC236}">
+                <a16:creationId xmlns:a16="http://schemas.microsoft.com/office/drawing/2014/main" id="{D1D221FB-90EB-44DC-8F45-FF30F0205A43}"/>
+              </a:ext>
+            </a:extLst>
+          </p:cNvPr>
+          <p:cNvCxnSpPr>
+            <a:cxnSpLocks/>
+            <a:stCxn id="13" idx="2"/>
+            <a:endCxn id="12" idx="0"/>
+          </p:cNvCxnSpPr>
+          <p:nvPr/>
+        </p:nvCxnSpPr>
+        <p:spPr>
+          <a:xfrm>
+            <a:off x="2676192" y="4763988"/>
+            <a:ext cx="0" cy="352794"/>
+          </a:xfrm>
+          <a:prstGeom prst="straightConnector1">
+            <a:avLst/>
+          </a:prstGeom>
+          <a:ln w="12700">
+            <a:tailEnd type="triangle"/>
+          </a:ln>
+        </p:spPr>
+        <p:style>
+          <a:lnRef idx="1">
+            <a:schemeClr val="dk1"/>
+          </a:lnRef>
+          <a:fillRef idx="0">
+            <a:schemeClr val="dk1"/>
+          </a:fillRef>
+          <a:effectRef idx="0">
+            <a:schemeClr val="dk1"/>
+          </a:effectRef>
+          <a:fontRef idx="minor">
+            <a:schemeClr val="tx1"/>
+          </a:fontRef>
+        </p:style>
+      </p:cxnSp>
+      <p:cxnSp>
+        <p:nvCxnSpPr>
+          <p:cNvPr id="62" name="직선 화살표 연결선 61">
+            <a:extLst>
+              <a:ext uri="{FF2B5EF4-FFF2-40B4-BE49-F238E27FC236}">
+                <a16:creationId xmlns:a16="http://schemas.microsoft.com/office/drawing/2014/main" id="{3A31BE93-048B-4A0D-A474-FFD8A15C9323}"/>
+              </a:ext>
+            </a:extLst>
+          </p:cNvPr>
+          <p:cNvCxnSpPr>
+            <a:cxnSpLocks/>
+            <a:stCxn id="12" idx="3"/>
+          </p:cNvCxnSpPr>
+          <p:nvPr/>
+        </p:nvCxnSpPr>
+        <p:spPr>
+          <a:xfrm>
+            <a:off x="3324758" y="5502079"/>
+            <a:ext cx="347487" cy="0"/>
+          </a:xfrm>
+          <a:prstGeom prst="straightConnector1">
+            <a:avLst/>
+          </a:prstGeom>
+          <a:ln w="12700">
+            <a:tailEnd type="triangle"/>
+          </a:ln>
+        </p:spPr>
+        <p:style>
+          <a:lnRef idx="1">
+            <a:schemeClr val="dk1"/>
+          </a:lnRef>
+          <a:fillRef idx="0">
+            <a:schemeClr val="dk1"/>
+          </a:fillRef>
+          <a:effectRef idx="0">
+            <a:schemeClr val="dk1"/>
+          </a:effectRef>
+          <a:fontRef idx="minor">
+            <a:schemeClr val="tx1"/>
+          </a:fontRef>
+        </p:style>
+      </p:cxnSp>
+      <p:sp>
+        <p:nvSpPr>
+          <p:cNvPr id="66" name="TextBox 65">
+            <a:extLst>
+              <a:ext uri="{FF2B5EF4-FFF2-40B4-BE49-F238E27FC236}">
+                <a16:creationId xmlns:a16="http://schemas.microsoft.com/office/drawing/2014/main" id="{B8954EAE-04BF-42ED-8BB9-A6A34375F901}"/>
+              </a:ext>
+            </a:extLst>
+          </p:cNvPr>
+          <p:cNvSpPr txBox="1"/>
+          <p:nvPr/>
+        </p:nvSpPr>
+        <p:spPr>
+          <a:xfrm>
+            <a:off x="3207693" y="6122379"/>
+            <a:ext cx="2221264" cy="235582"/>
+          </a:xfrm>
+          <a:prstGeom prst="rect">
+            <a:avLst/>
+          </a:prstGeom>
+          <a:noFill/>
+          <a:effectLst>
+            <a:outerShdw blurRad="76200" dist="12700" dir="2700000" sy="-23000" kx="-800400" algn="bl" rotWithShape="0">
+              <a:prstClr val="black">
+                <a:alpha val="20000"/>
+              </a:prstClr>
+            </a:outerShdw>
+          </a:effectLst>
+        </p:spPr>
+        <p:txBody>
+          <a:bodyPr wrap="square" rtlCol="0">
+            <a:spAutoFit/>
+          </a:bodyPr>
+          <a:lstStyle/>
+          <a:p>
+            <a:r>
+              <a:rPr lang="ko-KR" altLang="en-US" sz="1000" b="1" dirty="0">
                 <a:solidFill>
                   <a:schemeClr val="bg1">
                     <a:lumMod val="50000"/>
                   </a:schemeClr>
                 </a:solidFill>
                 <a:latin typeface="+mj-lt"/>
-              </a:endParaRPr>
-            </a:p>
-          </p:txBody>
-        </p:sp>
-        <p:cxnSp>
-          <p:nvCxnSpPr>
-            <p:cNvPr id="70" name="연결선: 구부러짐 69">
-              <a:extLst>
-                <a:ext uri="{FF2B5EF4-FFF2-40B4-BE49-F238E27FC236}">
-                  <a16:creationId xmlns:a16="http://schemas.microsoft.com/office/drawing/2014/main" xmlns="" id="{E6D51D07-B7A3-4E1C-9A0A-BA6462A5A1E5}"/>
-                </a:ext>
-              </a:extLst>
-            </p:cNvPr>
-            <p:cNvCxnSpPr>
-              <a:cxnSpLocks/>
-              <a:stCxn id="19" idx="2"/>
-              <a:endCxn id="12" idx="2"/>
-            </p:cNvCxnSpPr>
-            <p:nvPr/>
-          </p:nvCxnSpPr>
-          <p:spPr>
-            <a:xfrm rot="5400000">
-              <a:off x="4017324" y="5210568"/>
-              <a:ext cx="1" cy="1954539"/>
-            </a:xfrm>
-            <a:prstGeom prst="curvedConnector3">
-              <a:avLst>
-                <a:gd name="adj1" fmla="val 22860100000"/>
-              </a:avLst>
-            </a:prstGeom>
-            <a:ln w="12700">
-              <a:tailEnd type="triangle"/>
-            </a:ln>
-          </p:spPr>
-          <p:style>
-            <a:lnRef idx="1">
-              <a:schemeClr val="dk1"/>
-            </a:lnRef>
-            <a:fillRef idx="0">
-              <a:schemeClr val="dk1"/>
-            </a:fillRef>
-            <a:effectRef idx="0">
-              <a:schemeClr val="dk1"/>
-            </a:effectRef>
-            <a:fontRef idx="minor">
-              <a:schemeClr val="tx1"/>
-            </a:fontRef>
-          </p:style>
-        </p:cxnSp>
-        <p:cxnSp>
-          <p:nvCxnSpPr>
-            <p:cNvPr id="75" name="직선 연결선 74">
-              <a:extLst>
-                <a:ext uri="{FF2B5EF4-FFF2-40B4-BE49-F238E27FC236}">
-                  <a16:creationId xmlns:a16="http://schemas.microsoft.com/office/drawing/2014/main" xmlns="" id="{12113737-FC68-463D-A9B5-4F3DBC4D9A20}"/>
-                </a:ext>
-              </a:extLst>
-            </p:cNvPr>
-            <p:cNvCxnSpPr>
-              <a:cxnSpLocks/>
-              <a:stCxn id="4" idx="3"/>
-              <a:endCxn id="5" idx="1"/>
-            </p:cNvCxnSpPr>
-            <p:nvPr/>
-          </p:nvCxnSpPr>
-          <p:spPr>
-            <a:xfrm>
-              <a:off x="1760772" y="2178032"/>
-              <a:ext cx="601429" cy="0"/>
-            </a:xfrm>
-            <a:prstGeom prst="line">
-              <a:avLst/>
-            </a:prstGeom>
-            <a:ln w="12700"/>
-          </p:spPr>
-          <p:style>
-            <a:lnRef idx="1">
-              <a:schemeClr val="dk1"/>
-            </a:lnRef>
-            <a:fillRef idx="0">
-              <a:schemeClr val="dk1"/>
-            </a:fillRef>
-            <a:effectRef idx="0">
-              <a:schemeClr val="dk1"/>
-            </a:effectRef>
-            <a:fontRef idx="minor">
-              <a:schemeClr val="tx1"/>
-            </a:fontRef>
-          </p:style>
-        </p:cxnSp>
-        <p:cxnSp>
-          <p:nvCxnSpPr>
-            <p:cNvPr id="77" name="직선 연결선 76">
-              <a:extLst>
-                <a:ext uri="{FF2B5EF4-FFF2-40B4-BE49-F238E27FC236}">
-                  <a16:creationId xmlns:a16="http://schemas.microsoft.com/office/drawing/2014/main" xmlns="" id="{AC4C2DD0-738A-4CE5-B172-A44469F4768D}"/>
-                </a:ext>
-              </a:extLst>
-            </p:cNvPr>
-            <p:cNvCxnSpPr>
-              <a:cxnSpLocks/>
-              <a:stCxn id="5" idx="3"/>
-              <a:endCxn id="6" idx="1"/>
-            </p:cNvCxnSpPr>
-            <p:nvPr/>
-          </p:nvCxnSpPr>
-          <p:spPr>
-            <a:xfrm>
-              <a:off x="3717909" y="2178032"/>
-              <a:ext cx="601429" cy="0"/>
-            </a:xfrm>
-            <a:prstGeom prst="line">
-              <a:avLst/>
-            </a:prstGeom>
-            <a:ln w="12700"/>
-          </p:spPr>
-          <p:style>
-            <a:lnRef idx="1">
-              <a:schemeClr val="dk1"/>
-            </a:lnRef>
-            <a:fillRef idx="0">
-              <a:schemeClr val="dk1"/>
-            </a:fillRef>
-            <a:effectRef idx="0">
-              <a:schemeClr val="dk1"/>
-            </a:effectRef>
-            <a:fontRef idx="minor">
-              <a:schemeClr val="tx1"/>
-            </a:fontRef>
-          </p:style>
-        </p:cxnSp>
-        <p:cxnSp>
-          <p:nvCxnSpPr>
-            <p:cNvPr id="80" name="직선 연결선 79">
-              <a:extLst>
-                <a:ext uri="{FF2B5EF4-FFF2-40B4-BE49-F238E27FC236}">
-                  <a16:creationId xmlns:a16="http://schemas.microsoft.com/office/drawing/2014/main" xmlns="" id="{D8947C14-3D3B-4A71-8D9B-418829C799B1}"/>
-                </a:ext>
-              </a:extLst>
-            </p:cNvPr>
-            <p:cNvCxnSpPr>
-              <a:cxnSpLocks/>
-              <a:stCxn id="6" idx="3"/>
-              <a:endCxn id="7" idx="1"/>
-            </p:cNvCxnSpPr>
-            <p:nvPr/>
-          </p:nvCxnSpPr>
-          <p:spPr>
-            <a:xfrm>
-              <a:off x="5675046" y="2178032"/>
-              <a:ext cx="601429" cy="0"/>
-            </a:xfrm>
-            <a:prstGeom prst="line">
-              <a:avLst/>
-            </a:prstGeom>
-            <a:ln w="12700"/>
-          </p:spPr>
-          <p:style>
-            <a:lnRef idx="1">
-              <a:schemeClr val="dk1"/>
-            </a:lnRef>
-            <a:fillRef idx="0">
-              <a:schemeClr val="dk1"/>
-            </a:fillRef>
-            <a:effectRef idx="0">
-              <a:schemeClr val="dk1"/>
-            </a:effectRef>
-            <a:fontRef idx="minor">
-              <a:schemeClr val="tx1"/>
-            </a:fontRef>
-          </p:style>
-        </p:cxnSp>
-        <p:cxnSp>
-          <p:nvCxnSpPr>
-            <p:cNvPr id="83" name="직선 연결선 82">
-              <a:extLst>
-                <a:ext uri="{FF2B5EF4-FFF2-40B4-BE49-F238E27FC236}">
-                  <a16:creationId xmlns:a16="http://schemas.microsoft.com/office/drawing/2014/main" xmlns="" id="{7A2CDFC7-515D-4774-AE70-5FF80FB340E2}"/>
-                </a:ext>
-              </a:extLst>
-            </p:cNvPr>
-            <p:cNvCxnSpPr>
-              <a:cxnSpLocks/>
-              <a:stCxn id="7" idx="3"/>
-              <a:endCxn id="8" idx="1"/>
-            </p:cNvCxnSpPr>
-            <p:nvPr/>
-          </p:nvCxnSpPr>
-          <p:spPr>
-            <a:xfrm>
-              <a:off x="7632183" y="2178032"/>
-              <a:ext cx="601429" cy="0"/>
-            </a:xfrm>
-            <a:prstGeom prst="line">
-              <a:avLst/>
-            </a:prstGeom>
-            <a:ln w="12700"/>
-          </p:spPr>
-          <p:style>
-            <a:lnRef idx="1">
-              <a:schemeClr val="dk1"/>
-            </a:lnRef>
-            <a:fillRef idx="0">
-              <a:schemeClr val="dk1"/>
-            </a:fillRef>
-            <a:effectRef idx="0">
-              <a:schemeClr val="dk1"/>
-            </a:effectRef>
-            <a:fontRef idx="minor">
-              <a:schemeClr val="tx1"/>
-            </a:fontRef>
-          </p:style>
-        </p:cxnSp>
-        <p:cxnSp>
-          <p:nvCxnSpPr>
-            <p:cNvPr id="86" name="직선 연결선 85">
-              <a:extLst>
-                <a:ext uri="{FF2B5EF4-FFF2-40B4-BE49-F238E27FC236}">
-                  <a16:creationId xmlns:a16="http://schemas.microsoft.com/office/drawing/2014/main" xmlns="" id="{85D93254-E7C9-4A7A-BE2E-66FD5DA43AEF}"/>
-                </a:ext>
-              </a:extLst>
-            </p:cNvPr>
-            <p:cNvCxnSpPr>
-              <a:cxnSpLocks/>
-              <a:stCxn id="8" idx="3"/>
-              <a:endCxn id="9" idx="1"/>
-            </p:cNvCxnSpPr>
-            <p:nvPr/>
-          </p:nvCxnSpPr>
-          <p:spPr>
-            <a:xfrm>
-              <a:off x="9589320" y="2178032"/>
-              <a:ext cx="601429" cy="0"/>
-            </a:xfrm>
-            <a:prstGeom prst="line">
-              <a:avLst/>
-            </a:prstGeom>
-            <a:ln w="12700"/>
-          </p:spPr>
-          <p:style>
-            <a:lnRef idx="1">
-              <a:schemeClr val="dk1"/>
-            </a:lnRef>
-            <a:fillRef idx="0">
-              <a:schemeClr val="dk1"/>
-            </a:fillRef>
-            <a:effectRef idx="0">
-              <a:schemeClr val="dk1"/>
-            </a:effectRef>
-            <a:fontRef idx="minor">
-              <a:schemeClr val="tx1"/>
-            </a:fontRef>
-          </p:style>
-        </p:cxnSp>
-        <p:sp>
-          <p:nvSpPr>
-            <p:cNvPr id="47" name="순서도: 대체 처리 46">
-              <a:extLst>
-                <a:ext uri="{FF2B5EF4-FFF2-40B4-BE49-F238E27FC236}">
-                  <a16:creationId xmlns:a16="http://schemas.microsoft.com/office/drawing/2014/main" xmlns="" id="{2C74A3AC-6ECE-4B78-B36E-34FF21DEB3C6}"/>
-                </a:ext>
-              </a:extLst>
-            </p:cNvPr>
-            <p:cNvSpPr/>
-            <p:nvPr/>
-          </p:nvSpPr>
-          <p:spPr>
-            <a:xfrm>
-              <a:off x="6276475" y="5378433"/>
-              <a:ext cx="1355708" cy="805392"/>
-            </a:xfrm>
-            <a:prstGeom prst="flowChartAlternateProcess">
-              <a:avLst/>
-            </a:prstGeom>
-            <a:solidFill>
-              <a:schemeClr val="dk1"/>
-            </a:solidFill>
-            <a:ln>
-              <a:noFill/>
-            </a:ln>
-            <a:effectLst>
-              <a:outerShdw blurRad="76200" dir="18900000" sy="23000" kx="-1200000" algn="bl" rotWithShape="0">
-                <a:prstClr val="black">
-                  <a:alpha val="20000"/>
-                </a:prstClr>
-              </a:outerShdw>
-            </a:effectLst>
-          </p:spPr>
-          <p:style>
-            <a:lnRef idx="0">
-              <a:scrgbClr r="0" g="0" b="0"/>
-            </a:lnRef>
-            <a:fillRef idx="0">
-              <a:scrgbClr r="0" g="0" b="0"/>
-            </a:fillRef>
-            <a:effectRef idx="0">
-              <a:scrgbClr r="0" g="0" b="0"/>
-            </a:effectRef>
-            <a:fontRef idx="minor">
-              <a:schemeClr val="lt1"/>
-            </a:fontRef>
-          </p:style>
-          <p:txBody>
-            <a:bodyPr rtlCol="0" anchor="ctr"/>
-            <a:lstStyle/>
-            <a:p>
-              <a:pPr algn="ctr"/>
-              <a:r>
-                <a:rPr lang="ko-KR" altLang="en-US" sz="1100" b="1" dirty="0">
-                  <a:latin typeface="+mj-lt"/>
-                </a:rPr>
-                <a:t>티켓</a:t>
-              </a:r>
-              <a:r>
-                <a:rPr lang="en-US" altLang="ko-KR" sz="1100" b="1" dirty="0">
-                  <a:latin typeface="+mj-lt"/>
-                </a:rPr>
-                <a:t>.txt </a:t>
-              </a:r>
-            </a:p>
-            <a:p>
-              <a:pPr algn="ctr"/>
-              <a:r>
-                <a:rPr lang="ko-KR" altLang="en-US" sz="1100" b="1" dirty="0">
-                  <a:latin typeface="+mj-lt"/>
-                </a:rPr>
-                <a:t>파일 저장</a:t>
-              </a:r>
-              <a:endParaRPr lang="en-US" altLang="ko-KR" sz="1100" b="1" dirty="0">
-                <a:latin typeface="+mj-lt"/>
-              </a:endParaRPr>
-            </a:p>
-          </p:txBody>
-        </p:sp>
-      </p:grpSp>
+              </a:rPr>
+              <a:t>이미 예약된 좌석인 경우 다시 선택</a:t>
+            </a:r>
+            <a:endParaRPr lang="en-US" altLang="ko-KR" sz="1000" b="1" dirty="0">
+              <a:solidFill>
+                <a:schemeClr val="bg1">
+                  <a:lumMod val="50000"/>
+                </a:schemeClr>
+              </a:solidFill>
+              <a:latin typeface="+mj-lt"/>
+            </a:endParaRPr>
+          </a:p>
+        </p:txBody>
+      </p:sp>
+      <p:cxnSp>
+        <p:nvCxnSpPr>
+          <p:cNvPr id="70" name="연결선: 구부러짐 69">
+            <a:extLst>
+              <a:ext uri="{FF2B5EF4-FFF2-40B4-BE49-F238E27FC236}">
+                <a16:creationId xmlns:a16="http://schemas.microsoft.com/office/drawing/2014/main" id="{E6D51D07-B7A3-4E1C-9A0A-BA6462A5A1E5}"/>
+              </a:ext>
+            </a:extLst>
+          </p:cNvPr>
+          <p:cNvCxnSpPr>
+            <a:cxnSpLocks/>
+            <a:stCxn id="19" idx="2"/>
+            <a:endCxn id="12" idx="2"/>
+          </p:cNvCxnSpPr>
+          <p:nvPr/>
+        </p:nvCxnSpPr>
+        <p:spPr>
+          <a:xfrm rot="5400000">
+            <a:off x="3535671" y="5027897"/>
+            <a:ext cx="1" cy="1718957"/>
+          </a:xfrm>
+          <a:prstGeom prst="curvedConnector3">
+            <a:avLst>
+              <a:gd name="adj1" fmla="val 22860100000"/>
+            </a:avLst>
+          </a:prstGeom>
+          <a:ln w="12700">
+            <a:tailEnd type="triangle"/>
+          </a:ln>
+        </p:spPr>
+        <p:style>
+          <a:lnRef idx="1">
+            <a:schemeClr val="dk1"/>
+          </a:lnRef>
+          <a:fillRef idx="0">
+            <a:schemeClr val="dk1"/>
+          </a:fillRef>
+          <a:effectRef idx="0">
+            <a:schemeClr val="dk1"/>
+          </a:effectRef>
+          <a:fontRef idx="minor">
+            <a:schemeClr val="tx1"/>
+          </a:fontRef>
+        </p:style>
+      </p:cxnSp>
+      <p:cxnSp>
+        <p:nvCxnSpPr>
+          <p:cNvPr id="75" name="직선 연결선 74">
+            <a:extLst>
+              <a:ext uri="{FF2B5EF4-FFF2-40B4-BE49-F238E27FC236}">
+                <a16:creationId xmlns:a16="http://schemas.microsoft.com/office/drawing/2014/main" id="{12113737-FC68-463D-A9B5-4F3DBC4D9A20}"/>
+              </a:ext>
+            </a:extLst>
+          </p:cNvPr>
+          <p:cNvCxnSpPr>
+            <a:cxnSpLocks/>
+            <a:stCxn id="4" idx="3"/>
+            <a:endCxn id="5" idx="1"/>
+          </p:cNvCxnSpPr>
+          <p:nvPr/>
+        </p:nvCxnSpPr>
+        <p:spPr>
+          <a:xfrm>
+            <a:off x="1605801" y="2049634"/>
+            <a:ext cx="421824" cy="1184"/>
+          </a:xfrm>
+          <a:prstGeom prst="line">
+            <a:avLst/>
+          </a:prstGeom>
+          <a:ln w="12700"/>
+        </p:spPr>
+        <p:style>
+          <a:lnRef idx="1">
+            <a:schemeClr val="dk1"/>
+          </a:lnRef>
+          <a:fillRef idx="0">
+            <a:schemeClr val="dk1"/>
+          </a:fillRef>
+          <a:effectRef idx="0">
+            <a:schemeClr val="dk1"/>
+          </a:effectRef>
+          <a:fontRef idx="minor">
+            <a:schemeClr val="tx1"/>
+          </a:fontRef>
+        </p:style>
+      </p:cxnSp>
+      <p:cxnSp>
+        <p:nvCxnSpPr>
+          <p:cNvPr id="77" name="직선 연결선 76">
+            <a:extLst>
+              <a:ext uri="{FF2B5EF4-FFF2-40B4-BE49-F238E27FC236}">
+                <a16:creationId xmlns:a16="http://schemas.microsoft.com/office/drawing/2014/main" id="{AC4C2DD0-738A-4CE5-B172-A44469F4768D}"/>
+              </a:ext>
+            </a:extLst>
+          </p:cNvPr>
+          <p:cNvCxnSpPr>
+            <a:cxnSpLocks/>
+            <a:stCxn id="5" idx="3"/>
+            <a:endCxn id="6" idx="1"/>
+          </p:cNvCxnSpPr>
+          <p:nvPr/>
+        </p:nvCxnSpPr>
+        <p:spPr>
+          <a:xfrm>
+            <a:off x="3324758" y="2050818"/>
+            <a:ext cx="421824" cy="0"/>
+          </a:xfrm>
+          <a:prstGeom prst="line">
+            <a:avLst/>
+          </a:prstGeom>
+          <a:ln w="12700"/>
+        </p:spPr>
+        <p:style>
+          <a:lnRef idx="1">
+            <a:schemeClr val="dk1"/>
+          </a:lnRef>
+          <a:fillRef idx="0">
+            <a:schemeClr val="dk1"/>
+          </a:fillRef>
+          <a:effectRef idx="0">
+            <a:schemeClr val="dk1"/>
+          </a:effectRef>
+          <a:fontRef idx="minor">
+            <a:schemeClr val="tx1"/>
+          </a:fontRef>
+        </p:style>
+      </p:cxnSp>
+      <p:cxnSp>
+        <p:nvCxnSpPr>
+          <p:cNvPr id="80" name="직선 연결선 79">
+            <a:extLst>
+              <a:ext uri="{FF2B5EF4-FFF2-40B4-BE49-F238E27FC236}">
+                <a16:creationId xmlns:a16="http://schemas.microsoft.com/office/drawing/2014/main" id="{D8947C14-3D3B-4A71-8D9B-418829C799B1}"/>
+              </a:ext>
+            </a:extLst>
+          </p:cNvPr>
+          <p:cNvCxnSpPr>
+            <a:cxnSpLocks/>
+            <a:stCxn id="6" idx="3"/>
+            <a:endCxn id="7" idx="1"/>
+          </p:cNvCxnSpPr>
+          <p:nvPr/>
+        </p:nvCxnSpPr>
+        <p:spPr>
+          <a:xfrm>
+            <a:off x="5043715" y="2050818"/>
+            <a:ext cx="421824" cy="0"/>
+          </a:xfrm>
+          <a:prstGeom prst="line">
+            <a:avLst/>
+          </a:prstGeom>
+          <a:ln w="12700"/>
+        </p:spPr>
+        <p:style>
+          <a:lnRef idx="1">
+            <a:schemeClr val="dk1"/>
+          </a:lnRef>
+          <a:fillRef idx="0">
+            <a:schemeClr val="dk1"/>
+          </a:fillRef>
+          <a:effectRef idx="0">
+            <a:schemeClr val="dk1"/>
+          </a:effectRef>
+          <a:fontRef idx="minor">
+            <a:schemeClr val="tx1"/>
+          </a:fontRef>
+        </p:style>
+      </p:cxnSp>
+      <p:cxnSp>
+        <p:nvCxnSpPr>
+          <p:cNvPr id="83" name="직선 연결선 82">
+            <a:extLst>
+              <a:ext uri="{FF2B5EF4-FFF2-40B4-BE49-F238E27FC236}">
+                <a16:creationId xmlns:a16="http://schemas.microsoft.com/office/drawing/2014/main" id="{7A2CDFC7-515D-4774-AE70-5FF80FB340E2}"/>
+              </a:ext>
+            </a:extLst>
+          </p:cNvPr>
+          <p:cNvCxnSpPr>
+            <a:cxnSpLocks/>
+            <a:stCxn id="7" idx="3"/>
+            <a:endCxn id="8" idx="1"/>
+          </p:cNvCxnSpPr>
+          <p:nvPr/>
+        </p:nvCxnSpPr>
+        <p:spPr>
+          <a:xfrm>
+            <a:off x="6762672" y="2050818"/>
+            <a:ext cx="421824" cy="0"/>
+          </a:xfrm>
+          <a:prstGeom prst="line">
+            <a:avLst/>
+          </a:prstGeom>
+          <a:ln w="12700"/>
+        </p:spPr>
+        <p:style>
+          <a:lnRef idx="1">
+            <a:schemeClr val="dk1"/>
+          </a:lnRef>
+          <a:fillRef idx="0">
+            <a:schemeClr val="dk1"/>
+          </a:fillRef>
+          <a:effectRef idx="0">
+            <a:schemeClr val="dk1"/>
+          </a:effectRef>
+          <a:fontRef idx="minor">
+            <a:schemeClr val="tx1"/>
+          </a:fontRef>
+        </p:style>
+      </p:cxnSp>
+      <p:cxnSp>
+        <p:nvCxnSpPr>
+          <p:cNvPr id="86" name="직선 연결선 85">
+            <a:extLst>
+              <a:ext uri="{FF2B5EF4-FFF2-40B4-BE49-F238E27FC236}">
+                <a16:creationId xmlns:a16="http://schemas.microsoft.com/office/drawing/2014/main" id="{85D93254-E7C9-4A7A-BE2E-66FD5DA43AEF}"/>
+              </a:ext>
+            </a:extLst>
+          </p:cNvPr>
+          <p:cNvCxnSpPr>
+            <a:cxnSpLocks/>
+            <a:stCxn id="8" idx="3"/>
+            <a:endCxn id="9" idx="1"/>
+          </p:cNvCxnSpPr>
+          <p:nvPr/>
+        </p:nvCxnSpPr>
+        <p:spPr>
+          <a:xfrm>
+            <a:off x="8481629" y="2050818"/>
+            <a:ext cx="421824" cy="0"/>
+          </a:xfrm>
+          <a:prstGeom prst="line">
+            <a:avLst/>
+          </a:prstGeom>
+          <a:ln w="12700"/>
+        </p:spPr>
+        <p:style>
+          <a:lnRef idx="1">
+            <a:schemeClr val="dk1"/>
+          </a:lnRef>
+          <a:fillRef idx="0">
+            <a:schemeClr val="dk1"/>
+          </a:fillRef>
+          <a:effectRef idx="0">
+            <a:schemeClr val="dk1"/>
+          </a:effectRef>
+          <a:fontRef idx="minor">
+            <a:schemeClr val="tx1"/>
+          </a:fontRef>
+        </p:style>
+      </p:cxnSp>
+      <p:sp>
+        <p:nvSpPr>
+          <p:cNvPr id="47" name="순서도: 대체 처리 46">
+            <a:extLst>
+              <a:ext uri="{FF2B5EF4-FFF2-40B4-BE49-F238E27FC236}">
+                <a16:creationId xmlns:a16="http://schemas.microsoft.com/office/drawing/2014/main" id="{2C74A3AC-6ECE-4B78-B36E-34FF21DEB3C6}"/>
+              </a:ext>
+            </a:extLst>
+          </p:cNvPr>
+          <p:cNvSpPr/>
+          <p:nvPr/>
+        </p:nvSpPr>
+        <p:spPr>
+          <a:xfrm>
+            <a:off x="7190504" y="5112942"/>
+            <a:ext cx="1297133" cy="770594"/>
+          </a:xfrm>
+          <a:prstGeom prst="flowChartAlternateProcess">
+            <a:avLst/>
+          </a:prstGeom>
+          <a:solidFill>
+            <a:schemeClr val="dk1"/>
+          </a:solidFill>
+          <a:ln>
+            <a:noFill/>
+          </a:ln>
+          <a:effectLst>
+            <a:outerShdw blurRad="76200" dir="18900000" sy="23000" kx="-1200000" algn="bl" rotWithShape="0">
+              <a:prstClr val="black">
+                <a:alpha val="20000"/>
+              </a:prstClr>
+            </a:outerShdw>
+          </a:effectLst>
+        </p:spPr>
+        <p:style>
+          <a:lnRef idx="0">
+            <a:scrgbClr r="0" g="0" b="0"/>
+          </a:lnRef>
+          <a:fillRef idx="0">
+            <a:scrgbClr r="0" g="0" b="0"/>
+          </a:fillRef>
+          <a:effectRef idx="0">
+            <a:scrgbClr r="0" g="0" b="0"/>
+          </a:effectRef>
+          <a:fontRef idx="minor">
+            <a:schemeClr val="lt1"/>
+          </a:fontRef>
+        </p:style>
+        <p:txBody>
+          <a:bodyPr rtlCol="0" anchor="ctr"/>
+          <a:lstStyle/>
+          <a:p>
+            <a:pPr algn="ctr"/>
+            <a:r>
+              <a:rPr lang="ko-KR" altLang="en-US" sz="1100" b="1" dirty="0">
+                <a:latin typeface="+mj-lt"/>
+              </a:rPr>
+              <a:t>티켓</a:t>
+            </a:r>
+            <a:r>
+              <a:rPr lang="en-US" altLang="ko-KR" sz="1100" b="1" dirty="0">
+                <a:latin typeface="+mj-lt"/>
+              </a:rPr>
+              <a:t>.txt </a:t>
+            </a:r>
+          </a:p>
+          <a:p>
+            <a:pPr algn="ctr"/>
+            <a:r>
+              <a:rPr lang="ko-KR" altLang="en-US" sz="1100" b="1" dirty="0">
+                <a:latin typeface="+mj-lt"/>
+              </a:rPr>
+              <a:t>파일 저장</a:t>
+            </a:r>
+            <a:endParaRPr lang="en-US" altLang="ko-KR" sz="1100" b="1" dirty="0">
+              <a:latin typeface="+mj-lt"/>
+            </a:endParaRPr>
+          </a:p>
+        </p:txBody>
+      </p:sp>
       <p:cxnSp>
         <p:nvCxnSpPr>
           <p:cNvPr id="48" name="직선 화살표 연결선 47">
             <a:extLst>
               <a:ext uri="{FF2B5EF4-FFF2-40B4-BE49-F238E27FC236}">
-                <a16:creationId xmlns:a16="http://schemas.microsoft.com/office/drawing/2014/main" xmlns="" id="{E717BF73-E9EA-41F5-B2E8-4C7B6F8B3A77}"/>
+                <a16:creationId xmlns:a16="http://schemas.microsoft.com/office/drawing/2014/main" id="{E717BF73-E9EA-41F5-B2E8-4C7B6F8B3A77}"/>
               </a:ext>
             </a:extLst>
           </p:cNvPr>
@@ -6363,8 +6198,363 @@
         </p:nvCxnSpPr>
         <p:spPr>
           <a:xfrm>
-            <a:off x="7032287" y="4741690"/>
+            <a:off x="7832523" y="4745529"/>
             <a:ext cx="0" cy="371252"/>
+          </a:xfrm>
+          <a:prstGeom prst="straightConnector1">
+            <a:avLst/>
+          </a:prstGeom>
+          <a:ln w="12700">
+            <a:tailEnd type="triangle"/>
+          </a:ln>
+        </p:spPr>
+        <p:style>
+          <a:lnRef idx="1">
+            <a:schemeClr val="dk1"/>
+          </a:lnRef>
+          <a:fillRef idx="0">
+            <a:schemeClr val="dk1"/>
+          </a:fillRef>
+          <a:effectRef idx="0">
+            <a:schemeClr val="dk1"/>
+          </a:effectRef>
+          <a:fontRef idx="minor">
+            <a:schemeClr val="tx1"/>
+          </a:fontRef>
+        </p:style>
+      </p:cxnSp>
+      <p:sp>
+        <p:nvSpPr>
+          <p:cNvPr id="79" name="순서도: 대체 처리 78">
+            <a:extLst>
+              <a:ext uri="{FF2B5EF4-FFF2-40B4-BE49-F238E27FC236}">
+                <a16:creationId xmlns:a16="http://schemas.microsoft.com/office/drawing/2014/main" id="{7417D953-CB47-44F2-92BD-09BD209DF459}"/>
+              </a:ext>
+            </a:extLst>
+          </p:cNvPr>
+          <p:cNvSpPr/>
+          <p:nvPr/>
+        </p:nvSpPr>
+        <p:spPr>
+          <a:xfrm>
+            <a:off x="10622408" y="1664337"/>
+            <a:ext cx="1297133" cy="770594"/>
+          </a:xfrm>
+          <a:prstGeom prst="flowChartAlternateProcess">
+            <a:avLst/>
+          </a:prstGeom>
+          <a:solidFill>
+            <a:schemeClr val="dk1"/>
+          </a:solidFill>
+          <a:ln>
+            <a:noFill/>
+          </a:ln>
+          <a:effectLst>
+            <a:outerShdw blurRad="76200" dir="18900000" sy="23000" kx="-1200000" algn="bl" rotWithShape="0">
+              <a:prstClr val="black">
+                <a:alpha val="20000"/>
+              </a:prstClr>
+            </a:outerShdw>
+          </a:effectLst>
+        </p:spPr>
+        <p:style>
+          <a:lnRef idx="0">
+            <a:scrgbClr r="0" g="0" b="0"/>
+          </a:lnRef>
+          <a:fillRef idx="0">
+            <a:scrgbClr r="0" g="0" b="0"/>
+          </a:fillRef>
+          <a:effectRef idx="0">
+            <a:scrgbClr r="0" g="0" b="0"/>
+          </a:effectRef>
+          <a:fontRef idx="minor">
+            <a:schemeClr val="lt1"/>
+          </a:fontRef>
+        </p:style>
+        <p:txBody>
+          <a:bodyPr rtlCol="0" anchor="ctr"/>
+          <a:lstStyle/>
+          <a:p>
+            <a:pPr algn="ctr"/>
+            <a:r>
+              <a:rPr lang="ko-KR" altLang="en-US" sz="1100" b="1" dirty="0">
+                <a:latin typeface="+mj-lt"/>
+              </a:rPr>
+              <a:t>프로그램</a:t>
+            </a:r>
+            <a:endParaRPr lang="en-US" altLang="ko-KR" sz="1100" b="1" dirty="0">
+              <a:latin typeface="+mj-lt"/>
+            </a:endParaRPr>
+          </a:p>
+          <a:p>
+            <a:pPr algn="ctr"/>
+            <a:r>
+              <a:rPr lang="ko-KR" altLang="en-US" sz="1100" b="1" dirty="0">
+                <a:latin typeface="+mj-lt"/>
+              </a:rPr>
+              <a:t>종료</a:t>
+            </a:r>
+          </a:p>
+        </p:txBody>
+      </p:sp>
+      <p:cxnSp>
+        <p:nvCxnSpPr>
+          <p:cNvPr id="87" name="직선 연결선 86">
+            <a:extLst>
+              <a:ext uri="{FF2B5EF4-FFF2-40B4-BE49-F238E27FC236}">
+                <a16:creationId xmlns:a16="http://schemas.microsoft.com/office/drawing/2014/main" id="{CAE798C2-8BDA-49EE-AF8D-AEBC02920DA3}"/>
+              </a:ext>
+            </a:extLst>
+          </p:cNvPr>
+          <p:cNvCxnSpPr>
+            <a:cxnSpLocks/>
+          </p:cNvCxnSpPr>
+          <p:nvPr/>
+        </p:nvCxnSpPr>
+        <p:spPr>
+          <a:xfrm>
+            <a:off x="10200584" y="2049634"/>
+            <a:ext cx="421824" cy="0"/>
+          </a:xfrm>
+          <a:prstGeom prst="line">
+            <a:avLst/>
+          </a:prstGeom>
+          <a:ln w="12700"/>
+        </p:spPr>
+        <p:style>
+          <a:lnRef idx="1">
+            <a:schemeClr val="dk1"/>
+          </a:lnRef>
+          <a:fillRef idx="0">
+            <a:schemeClr val="dk1"/>
+          </a:fillRef>
+          <a:effectRef idx="0">
+            <a:schemeClr val="dk1"/>
+          </a:effectRef>
+          <a:fontRef idx="minor">
+            <a:schemeClr val="tx1"/>
+          </a:fontRef>
+        </p:style>
+      </p:cxnSp>
+      <p:sp>
+        <p:nvSpPr>
+          <p:cNvPr id="88" name="순서도: 대체 처리 87">
+            <a:extLst>
+              <a:ext uri="{FF2B5EF4-FFF2-40B4-BE49-F238E27FC236}">
+                <a16:creationId xmlns:a16="http://schemas.microsoft.com/office/drawing/2014/main" id="{BF3E125F-63FF-4C26-A1B9-BF7A0969B467}"/>
+              </a:ext>
+            </a:extLst>
+          </p:cNvPr>
+          <p:cNvSpPr/>
+          <p:nvPr/>
+        </p:nvSpPr>
+        <p:spPr>
+          <a:xfrm>
+            <a:off x="8942707" y="2833089"/>
+            <a:ext cx="1297133" cy="770594"/>
+          </a:xfrm>
+          <a:prstGeom prst="flowChartAlternateProcess">
+            <a:avLst/>
+          </a:prstGeom>
+          <a:solidFill>
+            <a:schemeClr val="dk1"/>
+          </a:solidFill>
+          <a:ln>
+            <a:noFill/>
+          </a:ln>
+          <a:effectLst>
+            <a:outerShdw blurRad="76200" dir="18900000" sy="23000" kx="-1200000" algn="bl" rotWithShape="0">
+              <a:prstClr val="black">
+                <a:alpha val="20000"/>
+              </a:prstClr>
+            </a:outerShdw>
+          </a:effectLst>
+        </p:spPr>
+        <p:style>
+          <a:lnRef idx="0">
+            <a:scrgbClr r="0" g="0" b="0"/>
+          </a:lnRef>
+          <a:fillRef idx="0">
+            <a:scrgbClr r="0" g="0" b="0"/>
+          </a:fillRef>
+          <a:effectRef idx="0">
+            <a:scrgbClr r="0" g="0" b="0"/>
+          </a:effectRef>
+          <a:fontRef idx="minor">
+            <a:schemeClr val="lt1"/>
+          </a:fontRef>
+        </p:style>
+        <p:txBody>
+          <a:bodyPr rtlCol="0" anchor="ctr"/>
+          <a:lstStyle/>
+          <a:p>
+            <a:pPr algn="ctr"/>
+            <a:r>
+              <a:rPr lang="ko-KR" altLang="en-US" sz="1100" b="1" dirty="0" err="1">
+                <a:latin typeface="+mj-lt"/>
+              </a:rPr>
+              <a:t>새영화목록</a:t>
+            </a:r>
+            <a:r>
+              <a:rPr lang="en-US" altLang="ko-KR" sz="1100" b="1" dirty="0">
+                <a:latin typeface="+mj-lt"/>
+              </a:rPr>
+              <a:t>.txt</a:t>
+            </a:r>
+          </a:p>
+          <a:p>
+            <a:pPr algn="ctr"/>
+            <a:r>
+              <a:rPr lang="ko-KR" altLang="en-US" sz="1100" b="1" dirty="0">
+                <a:latin typeface="+mj-lt"/>
+              </a:rPr>
+              <a:t>파일 업로드</a:t>
+            </a:r>
+            <a:endParaRPr lang="en-US" altLang="ko-KR" sz="1100" b="1" dirty="0">
+              <a:latin typeface="+mj-lt"/>
+            </a:endParaRPr>
+          </a:p>
+        </p:txBody>
+      </p:sp>
+      <p:sp>
+        <p:nvSpPr>
+          <p:cNvPr id="89" name="순서도: 대체 처리 88">
+            <a:extLst>
+              <a:ext uri="{FF2B5EF4-FFF2-40B4-BE49-F238E27FC236}">
+                <a16:creationId xmlns:a16="http://schemas.microsoft.com/office/drawing/2014/main" id="{B6FE9C69-BAD2-435D-9235-522664D7220B}"/>
+              </a:ext>
+            </a:extLst>
+          </p:cNvPr>
+          <p:cNvSpPr/>
+          <p:nvPr/>
+        </p:nvSpPr>
+        <p:spPr>
+          <a:xfrm>
+            <a:off x="8942706" y="3956477"/>
+            <a:ext cx="1297133" cy="770594"/>
+          </a:xfrm>
+          <a:prstGeom prst="flowChartAlternateProcess">
+            <a:avLst/>
+          </a:prstGeom>
+          <a:solidFill>
+            <a:schemeClr val="dk1"/>
+          </a:solidFill>
+          <a:ln>
+            <a:noFill/>
+          </a:ln>
+          <a:effectLst>
+            <a:outerShdw blurRad="76200" dir="18900000" sy="23000" kx="-1200000" algn="bl" rotWithShape="0">
+              <a:prstClr val="black">
+                <a:alpha val="20000"/>
+              </a:prstClr>
+            </a:outerShdw>
+          </a:effectLst>
+        </p:spPr>
+        <p:style>
+          <a:lnRef idx="0">
+            <a:scrgbClr r="0" g="0" b="0"/>
+          </a:lnRef>
+          <a:fillRef idx="0">
+            <a:scrgbClr r="0" g="0" b="0"/>
+          </a:fillRef>
+          <a:effectRef idx="0">
+            <a:scrgbClr r="0" g="0" b="0"/>
+          </a:effectRef>
+          <a:fontRef idx="minor">
+            <a:schemeClr val="lt1"/>
+          </a:fontRef>
+        </p:style>
+        <p:txBody>
+          <a:bodyPr rtlCol="0" anchor="ctr"/>
+          <a:lstStyle/>
+          <a:p>
+            <a:pPr algn="ctr"/>
+            <a:r>
+              <a:rPr lang="ko-KR" altLang="en-US" sz="1100" b="1" dirty="0">
+                <a:latin typeface="+mj-lt"/>
+              </a:rPr>
+              <a:t>영화 목록에</a:t>
+            </a:r>
+            <a:endParaRPr lang="en-US" altLang="ko-KR" sz="1100" b="1" dirty="0">
+              <a:latin typeface="+mj-lt"/>
+            </a:endParaRPr>
+          </a:p>
+          <a:p>
+            <a:pPr algn="ctr"/>
+            <a:r>
+              <a:rPr lang="ko-KR" altLang="en-US" sz="1100" b="1" dirty="0">
+                <a:latin typeface="+mj-lt"/>
+              </a:rPr>
+              <a:t>추가</a:t>
+            </a:r>
+            <a:endParaRPr lang="en-US" altLang="ko-KR" sz="1100" b="1" dirty="0">
+              <a:latin typeface="+mj-lt"/>
+            </a:endParaRPr>
+          </a:p>
+        </p:txBody>
+      </p:sp>
+      <p:cxnSp>
+        <p:nvCxnSpPr>
+          <p:cNvPr id="90" name="직선 화살표 연결선 89">
+            <a:extLst>
+              <a:ext uri="{FF2B5EF4-FFF2-40B4-BE49-F238E27FC236}">
+                <a16:creationId xmlns:a16="http://schemas.microsoft.com/office/drawing/2014/main" id="{219F3B76-9191-44DB-88E0-DA1CD06DE50A}"/>
+              </a:ext>
+            </a:extLst>
+          </p:cNvPr>
+          <p:cNvCxnSpPr>
+            <a:cxnSpLocks/>
+            <a:endCxn id="88" idx="0"/>
+          </p:cNvCxnSpPr>
+          <p:nvPr/>
+        </p:nvCxnSpPr>
+        <p:spPr>
+          <a:xfrm flipH="1">
+            <a:off x="9591274" y="2417657"/>
+            <a:ext cx="5980" cy="415432"/>
+          </a:xfrm>
+          <a:prstGeom prst="straightConnector1">
+            <a:avLst/>
+          </a:prstGeom>
+          <a:ln w="12700">
+            <a:tailEnd type="triangle"/>
+          </a:ln>
+        </p:spPr>
+        <p:style>
+          <a:lnRef idx="1">
+            <a:schemeClr val="dk1"/>
+          </a:lnRef>
+          <a:fillRef idx="0">
+            <a:schemeClr val="dk1"/>
+          </a:fillRef>
+          <a:effectRef idx="0">
+            <a:schemeClr val="dk1"/>
+          </a:effectRef>
+          <a:fontRef idx="minor">
+            <a:schemeClr val="tx1"/>
+          </a:fontRef>
+        </p:style>
+      </p:cxnSp>
+      <p:cxnSp>
+        <p:nvCxnSpPr>
+          <p:cNvPr id="91" name="직선 화살표 연결선 90">
+            <a:extLst>
+              <a:ext uri="{FF2B5EF4-FFF2-40B4-BE49-F238E27FC236}">
+                <a16:creationId xmlns:a16="http://schemas.microsoft.com/office/drawing/2014/main" id="{F918B3F5-58FC-47CD-ACB9-FFAEEE2F9EFA}"/>
+              </a:ext>
+            </a:extLst>
+          </p:cNvPr>
+          <p:cNvCxnSpPr>
+            <a:cxnSpLocks/>
+            <a:stCxn id="88" idx="2"/>
+            <a:endCxn id="89" idx="0"/>
+          </p:cNvCxnSpPr>
+          <p:nvPr/>
+        </p:nvCxnSpPr>
+        <p:spPr>
+          <a:xfrm flipH="1">
+            <a:off x="9591273" y="3603683"/>
+            <a:ext cx="1" cy="352794"/>
           </a:xfrm>
           <a:prstGeom prst="straightConnector1">
             <a:avLst/>
@@ -6423,7 +6613,7 @@
           <p:cNvPr id="2" name="제목 1">
             <a:extLst>
               <a:ext uri="{FF2B5EF4-FFF2-40B4-BE49-F238E27FC236}">
-                <a16:creationId xmlns:a16="http://schemas.microsoft.com/office/drawing/2014/main" xmlns="" id="{EE988003-2CBE-451C-992D-939DFC1C63A6}"/>
+                <a16:creationId xmlns:a16="http://schemas.microsoft.com/office/drawing/2014/main" id="{EE988003-2CBE-451C-992D-939DFC1C63A6}"/>
               </a:ext>
             </a:extLst>
           </p:cNvPr>
@@ -6457,12 +6647,8 @@
               <a:t> Movie</a:t>
             </a:r>
             <a:r>
-              <a:rPr lang="ko-KR" altLang="en-US" dirty="0" smtClean="0"/>
-              <a:t> </a:t>
-            </a:r>
-            <a:r>
               <a:rPr lang="ko-KR" altLang="en-US" dirty="0"/>
-              <a:t>클래스 구성</a:t>
+              <a:t> 클래스 구성</a:t>
             </a:r>
           </a:p>
         </p:txBody>
@@ -6472,7 +6658,7 @@
           <p:cNvPr id="4" name="사각형: 둥근 모서리 3">
             <a:extLst>
               <a:ext uri="{FF2B5EF4-FFF2-40B4-BE49-F238E27FC236}">
-                <a16:creationId xmlns:a16="http://schemas.microsoft.com/office/drawing/2014/main" xmlns="" id="{8DBEE668-AA90-4DC5-B4B1-A9576650249C}"/>
+                <a16:creationId xmlns:a16="http://schemas.microsoft.com/office/drawing/2014/main" id="{8DBEE668-AA90-4DC5-B4B1-A9576650249C}"/>
               </a:ext>
             </a:extLst>
           </p:cNvPr>
@@ -6531,7 +6717,7 @@
           <p:cNvPr id="5" name="화살표: 오각형 4">
             <a:extLst>
               <a:ext uri="{FF2B5EF4-FFF2-40B4-BE49-F238E27FC236}">
-                <a16:creationId xmlns:a16="http://schemas.microsoft.com/office/drawing/2014/main" xmlns="" id="{06C70984-2FBF-4F8F-9BBD-64BA8A0F6F9D}"/>
+                <a16:creationId xmlns:a16="http://schemas.microsoft.com/office/drawing/2014/main" id="{06C70984-2FBF-4F8F-9BBD-64BA8A0F6F9D}"/>
               </a:ext>
             </a:extLst>
           </p:cNvPr>
@@ -6598,7 +6784,7 @@
           <p:cNvPr id="6" name="TextBox 5">
             <a:extLst>
               <a:ext uri="{FF2B5EF4-FFF2-40B4-BE49-F238E27FC236}">
-                <a16:creationId xmlns:a16="http://schemas.microsoft.com/office/drawing/2014/main" xmlns="" id="{1505445F-57E9-468A-B65A-A48D27CB76F5}"/>
+                <a16:creationId xmlns:a16="http://schemas.microsoft.com/office/drawing/2014/main" id="{1505445F-57E9-468A-B65A-A48D27CB76F5}"/>
               </a:ext>
             </a:extLst>
           </p:cNvPr>
@@ -6633,7 +6819,7 @@
           <p:cNvPr id="7" name="사각형: 둥근 모서리 6">
             <a:extLst>
               <a:ext uri="{FF2B5EF4-FFF2-40B4-BE49-F238E27FC236}">
-                <a16:creationId xmlns:a16="http://schemas.microsoft.com/office/drawing/2014/main" xmlns="" id="{9BB0DE11-1EB7-44BC-84A6-814B59F07678}"/>
+                <a16:creationId xmlns:a16="http://schemas.microsoft.com/office/drawing/2014/main" id="{9BB0DE11-1EB7-44BC-84A6-814B59F07678}"/>
               </a:ext>
             </a:extLst>
           </p:cNvPr>
@@ -6692,7 +6878,7 @@
           <p:cNvPr id="8" name="화살표: 오각형 7">
             <a:extLst>
               <a:ext uri="{FF2B5EF4-FFF2-40B4-BE49-F238E27FC236}">
-                <a16:creationId xmlns:a16="http://schemas.microsoft.com/office/drawing/2014/main" xmlns="" id="{D81CBBE7-B971-4B04-A4D7-143C2CA59C32}"/>
+                <a16:creationId xmlns:a16="http://schemas.microsoft.com/office/drawing/2014/main" id="{D81CBBE7-B971-4B04-A4D7-143C2CA59C32}"/>
               </a:ext>
             </a:extLst>
           </p:cNvPr>
@@ -6759,7 +6945,7 @@
           <p:cNvPr id="9" name="TextBox 8">
             <a:extLst>
               <a:ext uri="{FF2B5EF4-FFF2-40B4-BE49-F238E27FC236}">
-                <a16:creationId xmlns:a16="http://schemas.microsoft.com/office/drawing/2014/main" xmlns="" id="{8DE4A77F-C7F9-4D14-B95C-E1CB49F2BA04}"/>
+                <a16:creationId xmlns:a16="http://schemas.microsoft.com/office/drawing/2014/main" id="{8DE4A77F-C7F9-4D14-B95C-E1CB49F2BA04}"/>
               </a:ext>
             </a:extLst>
           </p:cNvPr>
@@ -6802,7 +6988,7 @@
           <p:cNvPr id="10" name="사각형: 둥근 모서리 9">
             <a:extLst>
               <a:ext uri="{FF2B5EF4-FFF2-40B4-BE49-F238E27FC236}">
-                <a16:creationId xmlns:a16="http://schemas.microsoft.com/office/drawing/2014/main" xmlns="" id="{6C4D1C50-7DEC-45C7-93CF-DB02C2EEBC43}"/>
+                <a16:creationId xmlns:a16="http://schemas.microsoft.com/office/drawing/2014/main" id="{6C4D1C50-7DEC-45C7-93CF-DB02C2EEBC43}"/>
               </a:ext>
             </a:extLst>
           </p:cNvPr>
@@ -6861,7 +7047,7 @@
           <p:cNvPr id="11" name="화살표: 오각형 10">
             <a:extLst>
               <a:ext uri="{FF2B5EF4-FFF2-40B4-BE49-F238E27FC236}">
-                <a16:creationId xmlns:a16="http://schemas.microsoft.com/office/drawing/2014/main" xmlns="" id="{20F3DB4C-0C39-42F1-A803-B249C82CD49F}"/>
+                <a16:creationId xmlns:a16="http://schemas.microsoft.com/office/drawing/2014/main" id="{20F3DB4C-0C39-42F1-A803-B249C82CD49F}"/>
               </a:ext>
             </a:extLst>
           </p:cNvPr>
@@ -6929,7 +7115,7 @@
           <p:cNvPr id="12" name="TextBox 11">
             <a:extLst>
               <a:ext uri="{FF2B5EF4-FFF2-40B4-BE49-F238E27FC236}">
-                <a16:creationId xmlns:a16="http://schemas.microsoft.com/office/drawing/2014/main" xmlns="" id="{F26B2CA2-BCD2-4676-89DC-F72D5BD63A40}"/>
+                <a16:creationId xmlns:a16="http://schemas.microsoft.com/office/drawing/2014/main" id="{F26B2CA2-BCD2-4676-89DC-F72D5BD63A40}"/>
               </a:ext>
             </a:extLst>
           </p:cNvPr>
@@ -6964,7 +7150,7 @@
           <p:cNvPr id="15" name="사각형: 둥근 모서리 14">
             <a:extLst>
               <a:ext uri="{FF2B5EF4-FFF2-40B4-BE49-F238E27FC236}">
-                <a16:creationId xmlns:a16="http://schemas.microsoft.com/office/drawing/2014/main" xmlns="" id="{CAEEC102-70A7-4B66-8130-FCC3DDEE20CD}"/>
+                <a16:creationId xmlns:a16="http://schemas.microsoft.com/office/drawing/2014/main" id="{CAEEC102-70A7-4B66-8130-FCC3DDEE20CD}"/>
               </a:ext>
             </a:extLst>
           </p:cNvPr>
@@ -7023,7 +7209,7 @@
           <p:cNvPr id="16" name="화살표: 오각형 15">
             <a:extLst>
               <a:ext uri="{FF2B5EF4-FFF2-40B4-BE49-F238E27FC236}">
-                <a16:creationId xmlns:a16="http://schemas.microsoft.com/office/drawing/2014/main" xmlns="" id="{7F7B7064-F9D3-46E3-93A7-DCB9D120EA54}"/>
+                <a16:creationId xmlns:a16="http://schemas.microsoft.com/office/drawing/2014/main" id="{7F7B7064-F9D3-46E3-93A7-DCB9D120EA54}"/>
               </a:ext>
             </a:extLst>
           </p:cNvPr>
@@ -7090,7 +7276,7 @@
           <p:cNvPr id="17" name="TextBox 16">
             <a:extLst>
               <a:ext uri="{FF2B5EF4-FFF2-40B4-BE49-F238E27FC236}">
-                <a16:creationId xmlns:a16="http://schemas.microsoft.com/office/drawing/2014/main" xmlns="" id="{72942827-2757-495C-9F1C-4FD495D0E965}"/>
+                <a16:creationId xmlns:a16="http://schemas.microsoft.com/office/drawing/2014/main" id="{72942827-2757-495C-9F1C-4FD495D0E965}"/>
               </a:ext>
             </a:extLst>
           </p:cNvPr>
@@ -7125,7 +7311,7 @@
           <p:cNvPr id="18" name="사각형: 둥근 모서리 17">
             <a:extLst>
               <a:ext uri="{FF2B5EF4-FFF2-40B4-BE49-F238E27FC236}">
-                <a16:creationId xmlns:a16="http://schemas.microsoft.com/office/drawing/2014/main" xmlns="" id="{8CAA659E-C069-418D-8BD4-981E37575787}"/>
+                <a16:creationId xmlns:a16="http://schemas.microsoft.com/office/drawing/2014/main" id="{8CAA659E-C069-418D-8BD4-981E37575787}"/>
               </a:ext>
             </a:extLst>
           </p:cNvPr>
@@ -7184,7 +7370,7 @@
           <p:cNvPr id="19" name="화살표: 오각형 18">
             <a:extLst>
               <a:ext uri="{FF2B5EF4-FFF2-40B4-BE49-F238E27FC236}">
-                <a16:creationId xmlns:a16="http://schemas.microsoft.com/office/drawing/2014/main" xmlns="" id="{EAD6CA5E-869B-41B9-BC5D-D009BFE0AC34}"/>
+                <a16:creationId xmlns:a16="http://schemas.microsoft.com/office/drawing/2014/main" id="{EAD6CA5E-869B-41B9-BC5D-D009BFE0AC34}"/>
               </a:ext>
             </a:extLst>
           </p:cNvPr>
@@ -7250,7 +7436,7 @@
           <p:cNvPr id="20" name="TextBox 19">
             <a:extLst>
               <a:ext uri="{FF2B5EF4-FFF2-40B4-BE49-F238E27FC236}">
-                <a16:creationId xmlns:a16="http://schemas.microsoft.com/office/drawing/2014/main" xmlns="" id="{C582A326-CD22-4C40-B556-85608F188332}"/>
+                <a16:creationId xmlns:a16="http://schemas.microsoft.com/office/drawing/2014/main" id="{C582A326-CD22-4C40-B556-85608F188332}"/>
               </a:ext>
             </a:extLst>
           </p:cNvPr>
@@ -7315,7 +7501,7 @@
           <p:cNvPr id="2" name="제목 1">
             <a:extLst>
               <a:ext uri="{FF2B5EF4-FFF2-40B4-BE49-F238E27FC236}">
-                <a16:creationId xmlns:a16="http://schemas.microsoft.com/office/drawing/2014/main" xmlns="" id="{EE988003-2CBE-451C-992D-939DFC1C63A6}"/>
+                <a16:creationId xmlns:a16="http://schemas.microsoft.com/office/drawing/2014/main" id="{EE988003-2CBE-451C-992D-939DFC1C63A6}"/>
               </a:ext>
             </a:extLst>
           </p:cNvPr>
@@ -7349,12 +7535,8 @@
               <a:t> Movie</a:t>
             </a:r>
             <a:r>
-              <a:rPr lang="ko-KR" altLang="en-US" dirty="0" smtClean="0"/>
-              <a:t> </a:t>
-            </a:r>
-            <a:r>
               <a:rPr lang="ko-KR" altLang="en-US" dirty="0"/>
-              <a:t>구현</a:t>
+              <a:t> 구현</a:t>
             </a:r>
           </a:p>
         </p:txBody>
@@ -7364,7 +7546,7 @@
           <p:cNvPr id="3" name="내용 개체 틀 2">
             <a:extLst>
               <a:ext uri="{FF2B5EF4-FFF2-40B4-BE49-F238E27FC236}">
-                <a16:creationId xmlns:a16="http://schemas.microsoft.com/office/drawing/2014/main" xmlns="" id="{43140D36-B20C-44D0-90CE-6785341CAA00}"/>
+                <a16:creationId xmlns:a16="http://schemas.microsoft.com/office/drawing/2014/main" id="{43140D36-B20C-44D0-90CE-6785341CAA00}"/>
               </a:ext>
             </a:extLst>
           </p:cNvPr>
@@ -7402,52 +7584,22 @@
               <a:rPr lang="ko-KR" altLang="en-US" sz="1800" dirty="0">
                 <a:latin typeface="+mj-lt"/>
               </a:rPr>
-              <a:t>를 사용하여 </a:t>
-            </a:r>
-            <a:r>
-              <a:rPr lang="ko-KR" altLang="en-US" sz="1800" dirty="0" smtClean="0">
-                <a:latin typeface="+mj-lt"/>
-              </a:rPr>
-              <a:t>영화 </a:t>
+              <a:t>를 사용하여 영화 목록과 고객 목록을 저장하고</a:t>
+            </a:r>
+            <a:r>
+              <a:rPr lang="en-US" altLang="ko-KR" sz="1800" dirty="0">
+                <a:latin typeface="+mj-lt"/>
+              </a:rPr>
+              <a:t>, </a:t>
             </a:r>
             <a:r>
               <a:rPr lang="ko-KR" altLang="en-US" sz="1800" dirty="0">
                 <a:latin typeface="+mj-lt"/>
               </a:rPr>
-              <a:t>목록과 고객 목록을 저장하고</a:t>
-            </a:r>
-            <a:r>
-              <a:rPr lang="en-US" altLang="ko-KR" sz="1800" dirty="0">
-                <a:latin typeface="+mj-lt"/>
-              </a:rPr>
-              <a:t>, </a:t>
-            </a:r>
-            <a:r>
-              <a:rPr lang="ko-KR" altLang="en-US" sz="1800" dirty="0">
-                <a:latin typeface="+mj-lt"/>
-              </a:rPr>
-              <a:t>예약한 고객의 이름과 </a:t>
-            </a:r>
-            <a:r>
-              <a:rPr lang="ko-KR" altLang="en-US" sz="1800" dirty="0" smtClean="0">
-                <a:latin typeface="+mj-lt"/>
-              </a:rPr>
-              <a:t>영화를</a:t>
-            </a:r>
-            <a:r>
-              <a:rPr lang="ko-KR" altLang="en-US" sz="1800" dirty="0" smtClean="0">
-                <a:latin typeface="+mj-lt"/>
-              </a:rPr>
-              <a:t> </a:t>
-            </a:r>
-            <a:r>
-              <a:rPr lang="ko-KR" altLang="en-US" sz="1800" dirty="0">
-                <a:latin typeface="+mj-lt"/>
-              </a:rPr>
-              <a:t>매핑하기 위해 </a:t>
-            </a:r>
-            <a:r>
-              <a:rPr lang="en-US" altLang="ko-KR" sz="1800" dirty="0" err="1" smtClean="0">
+              <a:t>예약한 고객의 이름과 영화를 매핑하기 위해 </a:t>
+            </a:r>
+            <a:r>
+              <a:rPr lang="en-US" altLang="ko-KR" sz="1800" dirty="0" err="1">
                 <a:latin typeface="+mj-lt"/>
               </a:rPr>
               <a:t>HashMap</a:t>
@@ -7472,64 +7624,34 @@
               </a:lnSpc>
             </a:pPr>
             <a:r>
-              <a:rPr lang="ko-KR" altLang="en-US" sz="1800" dirty="0" smtClean="0">
-                <a:latin typeface="+mj-lt"/>
-              </a:rPr>
-              <a:t>영</a:t>
-            </a:r>
-            <a:r>
               <a:rPr lang="ko-KR" altLang="en-US" sz="1800" dirty="0">
                 <a:latin typeface="+mj-lt"/>
               </a:rPr>
-              <a:t>화</a:t>
-            </a:r>
-            <a:r>
-              <a:rPr lang="ko-KR" altLang="en-US" sz="1800" dirty="0" smtClean="0">
-                <a:latin typeface="+mj-lt"/>
-              </a:rPr>
-              <a:t> 예</a:t>
+              <a:t>영화 예매 과정에서는 </a:t>
+            </a:r>
+            <a:r>
+              <a:rPr lang="en-US" altLang="ko-KR" sz="1800" dirty="0" err="1">
+                <a:latin typeface="+mj-lt"/>
+              </a:rPr>
+              <a:t>LocalDateTime</a:t>
             </a:r>
             <a:r>
               <a:rPr lang="ko-KR" altLang="en-US" sz="1800" dirty="0">
                 <a:latin typeface="+mj-lt"/>
               </a:rPr>
-              <a:t>매</a:t>
-            </a:r>
-            <a:r>
-              <a:rPr lang="ko-KR" altLang="en-US" sz="1800" dirty="0" smtClean="0">
-                <a:latin typeface="+mj-lt"/>
-              </a:rPr>
-              <a:t> 과정에서는 </a:t>
-            </a:r>
-            <a:r>
-              <a:rPr lang="en-US" altLang="ko-KR" sz="1800" dirty="0" err="1" smtClean="0">
-                <a:latin typeface="+mj-lt"/>
-              </a:rPr>
-              <a:t>LocalDateTime</a:t>
-            </a:r>
-            <a:r>
-              <a:rPr lang="ko-KR" altLang="en-US" sz="1800" dirty="0" smtClean="0">
-                <a:latin typeface="+mj-lt"/>
-              </a:rPr>
               <a:t>을 이용하여 현재 예매가 가능한 영화목록만 보여줍니다</a:t>
             </a:r>
             <a:r>
-              <a:rPr lang="en-US" altLang="ko-KR" sz="1800" dirty="0" smtClean="0">
+              <a:rPr lang="en-US" altLang="ko-KR" sz="1800" dirty="0">
                 <a:latin typeface="+mj-lt"/>
               </a:rPr>
               <a:t>. Screen </a:t>
             </a:r>
             <a:r>
-              <a:rPr lang="ko-KR" altLang="en-US" sz="1800" dirty="0" smtClean="0">
-                <a:latin typeface="+mj-lt"/>
-              </a:rPr>
-              <a:t>클래스의 연령제한 내용을 사용자의 </a:t>
-            </a:r>
-            <a:r>
               <a:rPr lang="ko-KR" altLang="en-US" sz="1800" dirty="0">
                 <a:latin typeface="+mj-lt"/>
               </a:rPr>
-              <a:t>나이를</a:t>
+              <a:t>클래스의 연령제한 내용을 사용자의 나이를</a:t>
             </a:r>
             <a:r>
               <a:rPr lang="en-US" altLang="ko-KR" sz="1800" dirty="0">
@@ -7568,147 +7690,107 @@
               <a:t>, </a:t>
             </a:r>
             <a:r>
-              <a:rPr lang="ko-KR" altLang="en-US" sz="1800" dirty="0" smtClean="0">
-                <a:latin typeface="+mj-lt"/>
-              </a:rPr>
-              <a:t>관람등</a:t>
-            </a:r>
-            <a:r>
               <a:rPr lang="ko-KR" altLang="en-US" sz="1800" dirty="0">
                 <a:latin typeface="+mj-lt"/>
               </a:rPr>
-              <a:t>급</a:t>
-            </a:r>
-            <a:r>
-              <a:rPr lang="ko-KR" altLang="en-US" sz="1800" dirty="0" smtClean="0">
-                <a:latin typeface="+mj-lt"/>
-              </a:rPr>
-              <a:t> </a:t>
+              <a:t>관람등급 미만인 경우 예매를 거절합니다</a:t>
+            </a:r>
+            <a:r>
+              <a:rPr lang="en-US" altLang="ko-KR" sz="1800" dirty="0">
+                <a:latin typeface="+mj-lt"/>
+              </a:rPr>
+              <a:t>.  </a:t>
             </a:r>
             <a:r>
               <a:rPr lang="ko-KR" altLang="en-US" sz="1800" dirty="0">
                 <a:latin typeface="+mj-lt"/>
               </a:rPr>
-              <a:t>미만인 경우 </a:t>
-            </a:r>
-            <a:r>
-              <a:rPr lang="ko-KR" altLang="en-US" sz="1800" dirty="0" smtClean="0">
-                <a:latin typeface="+mj-lt"/>
-              </a:rPr>
-              <a:t>예매를 </a:t>
+              <a:t>결제 비밀번호를 입력 받은 후</a:t>
+            </a:r>
+            <a:r>
+              <a:rPr lang="en-US" altLang="ko-KR" sz="1800" dirty="0">
+                <a:latin typeface="+mj-lt"/>
+              </a:rPr>
+              <a:t>, </a:t>
             </a:r>
             <a:r>
               <a:rPr lang="ko-KR" altLang="en-US" sz="1800" dirty="0">
                 <a:latin typeface="+mj-lt"/>
               </a:rPr>
-              <a:t>거절합니다</a:t>
+              <a:t>해당 정보를 </a:t>
             </a:r>
             <a:r>
               <a:rPr lang="en-US" altLang="ko-KR" sz="1800" dirty="0">
                 <a:latin typeface="+mj-lt"/>
               </a:rPr>
-              <a:t>.  </a:t>
+              <a:t>Customer </a:t>
             </a:r>
             <a:r>
               <a:rPr lang="ko-KR" altLang="en-US" sz="1800" dirty="0">
                 <a:latin typeface="+mj-lt"/>
               </a:rPr>
-              <a:t>결제 비밀번호를 입력 받은 후</a:t>
+              <a:t>객체를 저장하는 </a:t>
+            </a:r>
+            <a:r>
+              <a:rPr lang="en-US" altLang="ko-KR" sz="1800" dirty="0" err="1">
+                <a:latin typeface="+mj-lt"/>
+              </a:rPr>
+              <a:t>ArrayList</a:t>
+            </a:r>
+            <a:r>
+              <a:rPr lang="ko-KR" altLang="en-US" sz="1800" dirty="0">
+                <a:latin typeface="+mj-lt"/>
+              </a:rPr>
+              <a:t>와 </a:t>
             </a:r>
             <a:r>
               <a:rPr lang="en-US" altLang="ko-KR" sz="1800" dirty="0">
                 <a:latin typeface="+mj-lt"/>
               </a:rPr>
-              <a:t>, </a:t>
+              <a:t>Map</a:t>
             </a:r>
             <a:r>
               <a:rPr lang="ko-KR" altLang="en-US" sz="1800" dirty="0">
                 <a:latin typeface="+mj-lt"/>
               </a:rPr>
-              <a:t>해당 정보를 </a:t>
-            </a:r>
-            <a:r>
-              <a:rPr lang="en-US" altLang="ko-KR" sz="1800" dirty="0" smtClean="0">
-                <a:latin typeface="+mj-lt"/>
-              </a:rPr>
-              <a:t>Customer</a:t>
-            </a:r>
-            <a:r>
-              <a:rPr lang="en-US" altLang="ko-KR" sz="1800" dirty="0" smtClean="0">
-                <a:latin typeface="+mj-lt"/>
-              </a:rPr>
-              <a:t> </a:t>
+              <a:t>에 저장합니다</a:t>
+            </a:r>
+            <a:r>
+              <a:rPr lang="en-US" altLang="ko-KR" sz="1800" dirty="0">
+                <a:latin typeface="+mj-lt"/>
+              </a:rPr>
+              <a:t>. </a:t>
             </a:r>
             <a:r>
               <a:rPr lang="ko-KR" altLang="en-US" sz="1800" dirty="0">
                 <a:latin typeface="+mj-lt"/>
               </a:rPr>
-              <a:t>객체를 저장하는 </a:t>
-            </a:r>
-            <a:r>
-              <a:rPr lang="en-US" altLang="ko-KR" sz="1800" dirty="0" err="1">
-                <a:latin typeface="+mj-lt"/>
-              </a:rPr>
-              <a:t>ArrayList</a:t>
+              <a:t>마지막으로 좌석을 선택합니다</a:t>
+            </a:r>
+            <a:r>
+              <a:rPr lang="en-US" altLang="ko-KR" sz="1800" dirty="0">
+                <a:latin typeface="+mj-lt"/>
+              </a:rPr>
+              <a:t>. </a:t>
             </a:r>
             <a:r>
               <a:rPr lang="ko-KR" altLang="en-US" sz="1800" dirty="0">
                 <a:latin typeface="+mj-lt"/>
               </a:rPr>
-              <a:t>와 </a:t>
+              <a:t>이미 예약된 좌석은 </a:t>
             </a:r>
             <a:r>
               <a:rPr lang="en-US" altLang="ko-KR" sz="1800" dirty="0">
                 <a:latin typeface="+mj-lt"/>
               </a:rPr>
-              <a:t>Map</a:t>
-            </a:r>
-            <a:r>
-              <a:rPr lang="ko-KR" altLang="en-US" sz="1800" dirty="0">
-                <a:latin typeface="+mj-lt"/>
-              </a:rPr>
-              <a:t>에 저장합니다</a:t>
+              <a:t>“[</a:t>
+            </a:r>
+            <a:r>
+              <a:rPr lang="ko-KR" altLang="en-US" sz="1800" dirty="0"/>
+              <a:t>■ ■</a:t>
             </a:r>
             <a:r>
               <a:rPr lang="en-US" altLang="ko-KR" sz="1800" dirty="0">
-                <a:latin typeface="+mj-lt"/>
-              </a:rPr>
-              <a:t>. </a:t>
-            </a:r>
-            <a:r>
-              <a:rPr lang="ko-KR" altLang="en-US" sz="1800" dirty="0">
-                <a:latin typeface="+mj-lt"/>
-              </a:rPr>
-              <a:t>마지막으로 좌석을 선택합니다</a:t>
-            </a:r>
-            <a:r>
-              <a:rPr lang="en-US" altLang="ko-KR" sz="1800" dirty="0">
-                <a:latin typeface="+mj-lt"/>
-              </a:rPr>
-              <a:t>. </a:t>
-            </a:r>
-            <a:r>
-              <a:rPr lang="ko-KR" altLang="en-US" sz="1800" dirty="0">
-                <a:latin typeface="+mj-lt"/>
-              </a:rPr>
-              <a:t>이미 예약된 좌석은 </a:t>
-            </a:r>
-            <a:r>
-              <a:rPr lang="en-US" altLang="ko-KR" sz="1800" dirty="0" smtClean="0">
-                <a:latin typeface="+mj-lt"/>
-              </a:rPr>
-              <a:t>“[</a:t>
-            </a:r>
-            <a:r>
-              <a:rPr lang="ko-KR" altLang="en-US" sz="1800" dirty="0" smtClean="0"/>
-              <a:t>■</a:t>
-            </a:r>
-            <a:r>
-              <a:rPr lang="ko-KR" altLang="en-US" sz="1800" dirty="0"/>
-              <a:t> ■</a:t>
-            </a:r>
-            <a:r>
-              <a:rPr lang="en-US" altLang="ko-KR" sz="1800" dirty="0" smtClean="0">
                 <a:latin typeface="+mj-lt"/>
               </a:rPr>
               <a:t>]”</a:t>
@@ -7793,124 +7875,34 @@
               </a:lnSpc>
             </a:pPr>
             <a:r>
-              <a:rPr lang="ko-KR" altLang="en-US" sz="1800" dirty="0" smtClean="0">
-                <a:latin typeface="+mj-lt"/>
-              </a:rPr>
-              <a:t>예</a:t>
-            </a:r>
-            <a:r>
               <a:rPr lang="ko-KR" altLang="en-US" sz="1800" dirty="0">
                 <a:latin typeface="+mj-lt"/>
               </a:rPr>
-              <a:t>매</a:t>
-            </a:r>
-            <a:r>
-              <a:rPr lang="ko-KR" altLang="en-US" sz="1800" dirty="0" smtClean="0">
-                <a:latin typeface="+mj-lt"/>
-              </a:rPr>
-              <a:t>된 </a:t>
+              <a:t>예매된 정보는 예약 조회</a:t>
+            </a:r>
+            <a:r>
+              <a:rPr lang="en-US" altLang="ko-KR" sz="1800" dirty="0">
+                <a:latin typeface="+mj-lt"/>
+              </a:rPr>
+              <a:t>, </a:t>
             </a:r>
             <a:r>
               <a:rPr lang="ko-KR" altLang="en-US" sz="1800" dirty="0">
                 <a:latin typeface="+mj-lt"/>
               </a:rPr>
-              <a:t>정보는 예약 조회</a:t>
+              <a:t>티켓 출력으로 조회 및 파일 출력이 가능하며 포토티켓을 원할 경우 서비스합니다</a:t>
             </a:r>
             <a:r>
               <a:rPr lang="en-US" altLang="ko-KR" sz="1800" dirty="0">
                 <a:latin typeface="+mj-lt"/>
               </a:rPr>
-              <a:t>, </a:t>
+              <a:t>. </a:t>
             </a:r>
             <a:r>
               <a:rPr lang="ko-KR" altLang="en-US" sz="1800" dirty="0">
                 <a:latin typeface="+mj-lt"/>
               </a:rPr>
-              <a:t>티켓 </a:t>
-            </a:r>
-            <a:r>
-              <a:rPr lang="ko-KR" altLang="en-US" sz="1800" dirty="0" smtClean="0">
-                <a:latin typeface="+mj-lt"/>
-              </a:rPr>
-              <a:t>출력으로 </a:t>
-            </a:r>
-            <a:r>
-              <a:rPr lang="ko-KR" altLang="en-US" sz="1800" dirty="0">
-                <a:latin typeface="+mj-lt"/>
-              </a:rPr>
-              <a:t>조회 및 파일 출력이 </a:t>
-            </a:r>
-            <a:r>
-              <a:rPr lang="ko-KR" altLang="en-US" sz="1800" dirty="0" smtClean="0">
-                <a:latin typeface="+mj-lt"/>
-              </a:rPr>
-              <a:t>가능하며 </a:t>
-            </a:r>
-            <a:r>
-              <a:rPr lang="ko-KR" altLang="en-US" sz="1800" dirty="0" smtClean="0">
-                <a:latin typeface="+mj-lt"/>
-              </a:rPr>
-              <a:t>포토티켓을 원할 경우 서비스합니다</a:t>
-            </a:r>
-            <a:r>
-              <a:rPr lang="en-US" altLang="ko-KR" sz="1800" dirty="0" smtClean="0">
-                <a:latin typeface="+mj-lt"/>
-              </a:rPr>
-              <a:t>.</a:t>
-            </a:r>
-            <a:r>
-              <a:rPr lang="en-US" altLang="ko-KR" sz="1800" dirty="0" smtClean="0">
-                <a:latin typeface="+mj-lt"/>
-              </a:rPr>
-              <a:t> </a:t>
-            </a:r>
-            <a:r>
-              <a:rPr lang="ko-KR" altLang="en-US" sz="1800" dirty="0" smtClean="0">
-                <a:latin typeface="+mj-lt"/>
-              </a:rPr>
-              <a:t>영화목</a:t>
-            </a:r>
-            <a:r>
-              <a:rPr lang="ko-KR" altLang="en-US" sz="1800" dirty="0">
-                <a:latin typeface="+mj-lt"/>
-              </a:rPr>
-              <a:t>록</a:t>
-            </a:r>
-            <a:r>
-              <a:rPr lang="ko-KR" altLang="en-US" sz="1800" dirty="0" smtClean="0">
-                <a:latin typeface="+mj-lt"/>
-              </a:rPr>
-              <a:t> </a:t>
-            </a:r>
-            <a:r>
-              <a:rPr lang="ko-KR" altLang="en-US" sz="1800" dirty="0">
-                <a:latin typeface="+mj-lt"/>
-              </a:rPr>
-              <a:t>업로드로 </a:t>
-            </a:r>
-            <a:r>
-              <a:rPr lang="ko-KR" altLang="en-US" sz="1800" dirty="0" smtClean="0">
-                <a:latin typeface="+mj-lt"/>
-              </a:rPr>
-              <a:t>영</a:t>
-            </a:r>
-            <a:r>
-              <a:rPr lang="ko-KR" altLang="en-US" sz="1800" dirty="0">
-                <a:latin typeface="+mj-lt"/>
-              </a:rPr>
-              <a:t>화</a:t>
-            </a:r>
-            <a:r>
-              <a:rPr lang="ko-KR" altLang="en-US" sz="1800" dirty="0" smtClean="0">
-                <a:latin typeface="+mj-lt"/>
-              </a:rPr>
-              <a:t> </a:t>
-            </a:r>
-            <a:r>
-              <a:rPr lang="ko-KR" altLang="en-US" sz="1800" dirty="0">
-                <a:latin typeface="+mj-lt"/>
-              </a:rPr>
-              <a:t>목록을 추가 할 수 있습니다</a:t>
+              <a:t>영화목록 업로드로 영화 목록을 추가 할 수 있습니다</a:t>
             </a:r>
             <a:r>
               <a:rPr lang="en-US" altLang="ko-KR" sz="1800" dirty="0">
@@ -8236,7 +8228,7 @@
   <a:extraClrSchemeLst/>
   <a:extLst>
     <a:ext uri="{05A4C25C-085E-4340-85A3-A5531E510DB2}">
-      <thm15:themeFamily xmlns:thm15="http://schemas.microsoft.com/office/thememl/2012/main" xmlns="" name="Office Theme" id="{62F939B6-93AF-4DB8-9C6B-D6C7DFDC589F}" vid="{4A3C46E8-61CC-4603-A589-7422A47A8E4A}"/>
+      <thm15:themeFamily xmlns:thm15="http://schemas.microsoft.com/office/thememl/2012/main" name="Office Theme" id="{62F939B6-93AF-4DB8-9C6B-D6C7DFDC589F}" vid="{4A3C46E8-61CC-4603-A589-7422A47A8E4A}"/>
     </a:ext>
   </a:extLst>
 </a:theme>
